--- a/ref/AI是如何学习的.pptx
+++ b/ref/AI是如何学习的.pptx
@@ -1469,678 +1469,6 @@
       <dsp:cNvGrpSpPr/>
     </dsp:nvGrpSpPr>
     <dsp:grpSpPr/>
-    <dsp:sp modelId="{477A2058-E72E-4D5F-B059-8F53B2CB5799}">
-      <dsp:nvSpPr>
-        <dsp:cNvPr id="0" name=""/>
-        <dsp:cNvSpPr/>
-      </dsp:nvSpPr>
-      <dsp:spPr>
-        <a:xfrm>
-          <a:off x="5127" y="219109"/>
-          <a:ext cx="1589502" cy="953701"/>
-        </a:xfrm>
-        <a:prstGeom prst="roundRect">
-          <a:avLst>
-            <a:gd name="adj" fmla="val 10000"/>
-          </a:avLst>
-        </a:prstGeom>
-        <a:solidFill>
-          <a:schemeClr val="accent2">
-            <a:hueOff val="0"/>
-            <a:satOff val="0"/>
-            <a:lumOff val="0"/>
-            <a:alphaOff val="0"/>
-          </a:schemeClr>
-        </a:solidFill>
-        <a:ln w="12700" cap="flat" cmpd="sng" algn="ctr">
-          <a:solidFill>
-            <a:schemeClr val="lt1">
-              <a:hueOff val="0"/>
-              <a:satOff val="0"/>
-              <a:lumOff val="0"/>
-              <a:alphaOff val="0"/>
-            </a:schemeClr>
-          </a:solidFill>
-          <a:prstDash val="solid"/>
-          <a:miter lim="800000"/>
-        </a:ln>
-        <a:effectLst/>
-      </dsp:spPr>
-      <dsp:style>
-        <a:lnRef idx="2">
-          <a:scrgbClr r="0" g="0" b="0"/>
-        </a:lnRef>
-        <a:fillRef idx="1">
-          <a:scrgbClr r="0" g="0" b="0"/>
-        </a:fillRef>
-        <a:effectRef idx="0">
-          <a:scrgbClr r="0" g="0" b="0"/>
-        </a:effectRef>
-        <a:fontRef idx="minor">
-          <a:schemeClr val="lt1"/>
-        </a:fontRef>
-      </dsp:style>
-      <dsp:txBody>
-        <a:bodyPr spcFirstLastPara="0" vert="horz" wrap="square" lIns="95250" tIns="95250" rIns="95250" bIns="95250" numCol="1" spcCol="1270" anchor="ctr" anchorCtr="0">
-          <a:noAutofit/>
-        </a:bodyPr>
-        <a:lstStyle/>
-        <a:p>
-          <a:pPr lvl="0" algn="ctr" defTabSz="1111250">
-            <a:lnSpc>
-              <a:spcPct val="90000"/>
-            </a:lnSpc>
-            <a:spcBef>
-              <a:spcPct val="0"/>
-            </a:spcBef>
-            <a:spcAft>
-              <a:spcPct val="35000"/>
-            </a:spcAft>
-          </a:pPr>
-          <a:r>
-            <a:rPr lang="en-US" altLang="zh-CN" sz="2500" kern="1200" dirty="0"/>
-            <a:t>dataset</a:t>
-          </a:r>
-          <a:endParaRPr lang="zh-CN" altLang="en-US" sz="2500" kern="1200" dirty="0"/>
-        </a:p>
-      </dsp:txBody>
-      <dsp:txXfrm>
-        <a:off x="33060" y="247042"/>
-        <a:ext cx="1533636" cy="897835"/>
-      </dsp:txXfrm>
-    </dsp:sp>
-    <dsp:sp modelId="{E771F793-FD92-4AB3-B8BE-665A5E50B0C5}">
-      <dsp:nvSpPr>
-        <dsp:cNvPr id="0" name=""/>
-        <dsp:cNvSpPr/>
-      </dsp:nvSpPr>
-      <dsp:spPr>
-        <a:xfrm>
-          <a:off x="1753580" y="498862"/>
-          <a:ext cx="336974" cy="394196"/>
-        </a:xfrm>
-        <a:prstGeom prst="rightArrow">
-          <a:avLst>
-            <a:gd name="adj1" fmla="val 60000"/>
-            <a:gd name="adj2" fmla="val 50000"/>
-          </a:avLst>
-        </a:prstGeom>
-        <a:solidFill>
-          <a:schemeClr val="accent2">
-            <a:hueOff val="0"/>
-            <a:satOff val="0"/>
-            <a:lumOff val="0"/>
-            <a:alphaOff val="0"/>
-          </a:schemeClr>
-        </a:solidFill>
-        <a:ln>
-          <a:noFill/>
-        </a:ln>
-        <a:effectLst/>
-      </dsp:spPr>
-      <dsp:style>
-        <a:lnRef idx="0">
-          <a:scrgbClr r="0" g="0" b="0"/>
-        </a:lnRef>
-        <a:fillRef idx="1">
-          <a:scrgbClr r="0" g="0" b="0"/>
-        </a:fillRef>
-        <a:effectRef idx="0">
-          <a:scrgbClr r="0" g="0" b="0"/>
-        </a:effectRef>
-        <a:fontRef idx="minor">
-          <a:schemeClr val="lt1"/>
-        </a:fontRef>
-      </dsp:style>
-      <dsp:txBody>
-        <a:bodyPr spcFirstLastPara="0" vert="horz" wrap="square" lIns="0" tIns="0" rIns="0" bIns="0" numCol="1" spcCol="1270" anchor="ctr" anchorCtr="0">
-          <a:noAutofit/>
-        </a:bodyPr>
-        <a:lstStyle/>
-        <a:p>
-          <a:pPr lvl="0" algn="ctr" defTabSz="622300">
-            <a:lnSpc>
-              <a:spcPct val="90000"/>
-            </a:lnSpc>
-            <a:spcBef>
-              <a:spcPct val="0"/>
-            </a:spcBef>
-            <a:spcAft>
-              <a:spcPct val="35000"/>
-            </a:spcAft>
-          </a:pPr>
-          <a:endParaRPr lang="zh-CN" altLang="en-US" sz="1400" kern="1200"/>
-        </a:p>
-      </dsp:txBody>
-      <dsp:txXfrm>
-        <a:off x="1753580" y="577701"/>
-        <a:ext cx="235882" cy="236518"/>
-      </dsp:txXfrm>
-    </dsp:sp>
-    <dsp:sp modelId="{4E25BAD6-C71E-4140-AC43-A109262FD322}">
-      <dsp:nvSpPr>
-        <dsp:cNvPr id="0" name=""/>
-        <dsp:cNvSpPr/>
-      </dsp:nvSpPr>
-      <dsp:spPr>
-        <a:xfrm>
-          <a:off x="2230430" y="219109"/>
-          <a:ext cx="1589502" cy="953701"/>
-        </a:xfrm>
-        <a:prstGeom prst="roundRect">
-          <a:avLst>
-            <a:gd name="adj" fmla="val 10000"/>
-          </a:avLst>
-        </a:prstGeom>
-        <a:solidFill>
-          <a:schemeClr val="accent3">
-            <a:hueOff val="0"/>
-            <a:satOff val="0"/>
-            <a:lumOff val="0"/>
-            <a:alphaOff val="0"/>
-          </a:schemeClr>
-        </a:solidFill>
-        <a:ln w="12700" cap="flat" cmpd="sng" algn="ctr">
-          <a:solidFill>
-            <a:schemeClr val="lt1">
-              <a:hueOff val="0"/>
-              <a:satOff val="0"/>
-              <a:lumOff val="0"/>
-              <a:alphaOff val="0"/>
-            </a:schemeClr>
-          </a:solidFill>
-          <a:prstDash val="solid"/>
-          <a:miter lim="800000"/>
-        </a:ln>
-        <a:effectLst/>
-      </dsp:spPr>
-      <dsp:style>
-        <a:lnRef idx="2">
-          <a:scrgbClr r="0" g="0" b="0"/>
-        </a:lnRef>
-        <a:fillRef idx="1">
-          <a:scrgbClr r="0" g="0" b="0"/>
-        </a:fillRef>
-        <a:effectRef idx="0">
-          <a:scrgbClr r="0" g="0" b="0"/>
-        </a:effectRef>
-        <a:fontRef idx="minor">
-          <a:schemeClr val="lt1"/>
-        </a:fontRef>
-      </dsp:style>
-      <dsp:txBody>
-        <a:bodyPr spcFirstLastPara="0" vert="horz" wrap="square" lIns="95250" tIns="95250" rIns="95250" bIns="95250" numCol="1" spcCol="1270" anchor="ctr" anchorCtr="0">
-          <a:noAutofit/>
-        </a:bodyPr>
-        <a:lstStyle/>
-        <a:p>
-          <a:pPr lvl="0" algn="ctr" defTabSz="1111250">
-            <a:lnSpc>
-              <a:spcPct val="90000"/>
-            </a:lnSpc>
-            <a:spcBef>
-              <a:spcPct val="0"/>
-            </a:spcBef>
-            <a:spcAft>
-              <a:spcPct val="35000"/>
-            </a:spcAft>
-          </a:pPr>
-          <a:r>
-            <a:rPr lang="en-US" altLang="zh-CN" sz="2500" kern="1200" dirty="0"/>
-            <a:t>forward</a:t>
-          </a:r>
-          <a:endParaRPr lang="zh-CN" altLang="en-US" sz="2500" kern="1200" dirty="0"/>
-        </a:p>
-      </dsp:txBody>
-      <dsp:txXfrm>
-        <a:off x="2258363" y="247042"/>
-        <a:ext cx="1533636" cy="897835"/>
-      </dsp:txXfrm>
-    </dsp:sp>
-    <dsp:sp modelId="{8A312217-A52F-40DB-86C4-0223A1779896}">
-      <dsp:nvSpPr>
-        <dsp:cNvPr id="0" name=""/>
-        <dsp:cNvSpPr/>
-      </dsp:nvSpPr>
-      <dsp:spPr>
-        <a:xfrm>
-          <a:off x="3978883" y="498862"/>
-          <a:ext cx="336974" cy="394196"/>
-        </a:xfrm>
-        <a:prstGeom prst="rightArrow">
-          <a:avLst>
-            <a:gd name="adj1" fmla="val 60000"/>
-            <a:gd name="adj2" fmla="val 50000"/>
-          </a:avLst>
-        </a:prstGeom>
-        <a:solidFill>
-          <a:schemeClr val="accent3">
-            <a:hueOff val="0"/>
-            <a:satOff val="0"/>
-            <a:lumOff val="0"/>
-            <a:alphaOff val="0"/>
-          </a:schemeClr>
-        </a:solidFill>
-        <a:ln>
-          <a:noFill/>
-        </a:ln>
-        <a:effectLst/>
-      </dsp:spPr>
-      <dsp:style>
-        <a:lnRef idx="0">
-          <a:scrgbClr r="0" g="0" b="0"/>
-        </a:lnRef>
-        <a:fillRef idx="1">
-          <a:scrgbClr r="0" g="0" b="0"/>
-        </a:fillRef>
-        <a:effectRef idx="0">
-          <a:scrgbClr r="0" g="0" b="0"/>
-        </a:effectRef>
-        <a:fontRef idx="minor">
-          <a:schemeClr val="lt1"/>
-        </a:fontRef>
-      </dsp:style>
-      <dsp:txBody>
-        <a:bodyPr spcFirstLastPara="0" vert="horz" wrap="square" lIns="0" tIns="0" rIns="0" bIns="0" numCol="1" spcCol="1270" anchor="ctr" anchorCtr="0">
-          <a:noAutofit/>
-        </a:bodyPr>
-        <a:lstStyle/>
-        <a:p>
-          <a:pPr lvl="0" algn="ctr" defTabSz="622300">
-            <a:lnSpc>
-              <a:spcPct val="90000"/>
-            </a:lnSpc>
-            <a:spcBef>
-              <a:spcPct val="0"/>
-            </a:spcBef>
-            <a:spcAft>
-              <a:spcPct val="35000"/>
-            </a:spcAft>
-          </a:pPr>
-          <a:endParaRPr lang="zh-CN" altLang="en-US" sz="1400" kern="1200"/>
-        </a:p>
-      </dsp:txBody>
-      <dsp:txXfrm>
-        <a:off x="3978883" y="577701"/>
-        <a:ext cx="235882" cy="236518"/>
-      </dsp:txXfrm>
-    </dsp:sp>
-    <dsp:sp modelId="{3108ADEF-CD3C-4898-B327-25BD8BF34CB3}">
-      <dsp:nvSpPr>
-        <dsp:cNvPr id="0" name=""/>
-        <dsp:cNvSpPr/>
-      </dsp:nvSpPr>
-      <dsp:spPr>
-        <a:xfrm>
-          <a:off x="4455734" y="219109"/>
-          <a:ext cx="1589502" cy="953701"/>
-        </a:xfrm>
-        <a:prstGeom prst="roundRect">
-          <a:avLst>
-            <a:gd name="adj" fmla="val 10000"/>
-          </a:avLst>
-        </a:prstGeom>
-        <a:solidFill>
-          <a:schemeClr val="accent4">
-            <a:hueOff val="0"/>
-            <a:satOff val="0"/>
-            <a:lumOff val="0"/>
-            <a:alphaOff val="0"/>
-          </a:schemeClr>
-        </a:solidFill>
-        <a:ln w="12700" cap="flat" cmpd="sng" algn="ctr">
-          <a:solidFill>
-            <a:schemeClr val="lt1">
-              <a:hueOff val="0"/>
-              <a:satOff val="0"/>
-              <a:lumOff val="0"/>
-              <a:alphaOff val="0"/>
-            </a:schemeClr>
-          </a:solidFill>
-          <a:prstDash val="solid"/>
-          <a:miter lim="800000"/>
-        </a:ln>
-        <a:effectLst/>
-      </dsp:spPr>
-      <dsp:style>
-        <a:lnRef idx="2">
-          <a:scrgbClr r="0" g="0" b="0"/>
-        </a:lnRef>
-        <a:fillRef idx="1">
-          <a:scrgbClr r="0" g="0" b="0"/>
-        </a:fillRef>
-        <a:effectRef idx="0">
-          <a:scrgbClr r="0" g="0" b="0"/>
-        </a:effectRef>
-        <a:fontRef idx="minor">
-          <a:schemeClr val="lt1"/>
-        </a:fontRef>
-      </dsp:style>
-      <dsp:txBody>
-        <a:bodyPr spcFirstLastPara="0" vert="horz" wrap="square" lIns="95250" tIns="95250" rIns="95250" bIns="95250" numCol="1" spcCol="1270" anchor="ctr" anchorCtr="0">
-          <a:noAutofit/>
-        </a:bodyPr>
-        <a:lstStyle/>
-        <a:p>
-          <a:pPr lvl="0" algn="ctr" defTabSz="1111250">
-            <a:lnSpc>
-              <a:spcPct val="90000"/>
-            </a:lnSpc>
-            <a:spcBef>
-              <a:spcPct val="0"/>
-            </a:spcBef>
-            <a:spcAft>
-              <a:spcPct val="35000"/>
-            </a:spcAft>
-          </a:pPr>
-          <a:r>
-            <a:rPr lang="en-US" altLang="zh-CN" sz="2500" kern="1200" dirty="0"/>
-            <a:t>loss</a:t>
-          </a:r>
-          <a:endParaRPr lang="zh-CN" altLang="en-US" sz="2500" kern="1200" dirty="0"/>
-        </a:p>
-      </dsp:txBody>
-      <dsp:txXfrm>
-        <a:off x="4483667" y="247042"/>
-        <a:ext cx="1533636" cy="897835"/>
-      </dsp:txXfrm>
-    </dsp:sp>
-    <dsp:sp modelId="{50EC36E0-736A-4CF3-B033-AC1906913E54}">
-      <dsp:nvSpPr>
-        <dsp:cNvPr id="0" name=""/>
-        <dsp:cNvSpPr/>
-      </dsp:nvSpPr>
-      <dsp:spPr>
-        <a:xfrm>
-          <a:off x="6204186" y="498862"/>
-          <a:ext cx="336974" cy="394196"/>
-        </a:xfrm>
-        <a:prstGeom prst="rightArrow">
-          <a:avLst>
-            <a:gd name="adj1" fmla="val 60000"/>
-            <a:gd name="adj2" fmla="val 50000"/>
-          </a:avLst>
-        </a:prstGeom>
-        <a:solidFill>
-          <a:schemeClr val="accent4">
-            <a:hueOff val="0"/>
-            <a:satOff val="0"/>
-            <a:lumOff val="0"/>
-            <a:alphaOff val="0"/>
-          </a:schemeClr>
-        </a:solidFill>
-        <a:ln>
-          <a:noFill/>
-        </a:ln>
-        <a:effectLst/>
-      </dsp:spPr>
-      <dsp:style>
-        <a:lnRef idx="0">
-          <a:scrgbClr r="0" g="0" b="0"/>
-        </a:lnRef>
-        <a:fillRef idx="1">
-          <a:scrgbClr r="0" g="0" b="0"/>
-        </a:fillRef>
-        <a:effectRef idx="0">
-          <a:scrgbClr r="0" g="0" b="0"/>
-        </a:effectRef>
-        <a:fontRef idx="minor">
-          <a:schemeClr val="lt1"/>
-        </a:fontRef>
-      </dsp:style>
-      <dsp:txBody>
-        <a:bodyPr spcFirstLastPara="0" vert="horz" wrap="square" lIns="0" tIns="0" rIns="0" bIns="0" numCol="1" spcCol="1270" anchor="ctr" anchorCtr="0">
-          <a:noAutofit/>
-        </a:bodyPr>
-        <a:lstStyle/>
-        <a:p>
-          <a:pPr lvl="0" algn="ctr" defTabSz="622300">
-            <a:lnSpc>
-              <a:spcPct val="90000"/>
-            </a:lnSpc>
-            <a:spcBef>
-              <a:spcPct val="0"/>
-            </a:spcBef>
-            <a:spcAft>
-              <a:spcPct val="35000"/>
-            </a:spcAft>
-          </a:pPr>
-          <a:endParaRPr lang="zh-CN" altLang="en-US" sz="1400" kern="1200"/>
-        </a:p>
-      </dsp:txBody>
-      <dsp:txXfrm>
-        <a:off x="6204186" y="577701"/>
-        <a:ext cx="235882" cy="236518"/>
-      </dsp:txXfrm>
-    </dsp:sp>
-    <dsp:sp modelId="{CCA124A9-1048-4550-971A-3F274DB03DFC}">
-      <dsp:nvSpPr>
-        <dsp:cNvPr id="0" name=""/>
-        <dsp:cNvSpPr/>
-      </dsp:nvSpPr>
-      <dsp:spPr>
-        <a:xfrm>
-          <a:off x="6681037" y="219109"/>
-          <a:ext cx="1589502" cy="953701"/>
-        </a:xfrm>
-        <a:prstGeom prst="roundRect">
-          <a:avLst>
-            <a:gd name="adj" fmla="val 10000"/>
-          </a:avLst>
-        </a:prstGeom>
-        <a:solidFill>
-          <a:schemeClr val="accent5">
-            <a:hueOff val="0"/>
-            <a:satOff val="0"/>
-            <a:lumOff val="0"/>
-            <a:alphaOff val="0"/>
-          </a:schemeClr>
-        </a:solidFill>
-        <a:ln w="12700" cap="flat" cmpd="sng" algn="ctr">
-          <a:solidFill>
-            <a:schemeClr val="lt1">
-              <a:hueOff val="0"/>
-              <a:satOff val="0"/>
-              <a:lumOff val="0"/>
-              <a:alphaOff val="0"/>
-            </a:schemeClr>
-          </a:solidFill>
-          <a:prstDash val="solid"/>
-          <a:miter lim="800000"/>
-        </a:ln>
-        <a:effectLst/>
-      </dsp:spPr>
-      <dsp:style>
-        <a:lnRef idx="2">
-          <a:scrgbClr r="0" g="0" b="0"/>
-        </a:lnRef>
-        <a:fillRef idx="1">
-          <a:scrgbClr r="0" g="0" b="0"/>
-        </a:fillRef>
-        <a:effectRef idx="0">
-          <a:scrgbClr r="0" g="0" b="0"/>
-        </a:effectRef>
-        <a:fontRef idx="minor">
-          <a:schemeClr val="lt1"/>
-        </a:fontRef>
-      </dsp:style>
-      <dsp:txBody>
-        <a:bodyPr spcFirstLastPara="0" vert="horz" wrap="square" lIns="95250" tIns="95250" rIns="95250" bIns="95250" numCol="1" spcCol="1270" anchor="ctr" anchorCtr="0">
-          <a:noAutofit/>
-        </a:bodyPr>
-        <a:lstStyle/>
-        <a:p>
-          <a:pPr lvl="0" algn="ctr" defTabSz="1111250">
-            <a:lnSpc>
-              <a:spcPct val="90000"/>
-            </a:lnSpc>
-            <a:spcBef>
-              <a:spcPct val="0"/>
-            </a:spcBef>
-            <a:spcAft>
-              <a:spcPct val="35000"/>
-            </a:spcAft>
-          </a:pPr>
-          <a:r>
-            <a:rPr lang="en-US" altLang="zh-CN" sz="2500" kern="1200"/>
-            <a:t>backward</a:t>
-          </a:r>
-          <a:endParaRPr lang="zh-CN" altLang="en-US" sz="2500" kern="1200" dirty="0"/>
-        </a:p>
-      </dsp:txBody>
-      <dsp:txXfrm>
-        <a:off x="6708970" y="247042"/>
-        <a:ext cx="1533636" cy="897835"/>
-      </dsp:txXfrm>
-    </dsp:sp>
-    <dsp:sp modelId="{126E16DF-2368-42DE-9E08-F63009F3EB88}">
-      <dsp:nvSpPr>
-        <dsp:cNvPr id="0" name=""/>
-        <dsp:cNvSpPr/>
-      </dsp:nvSpPr>
-      <dsp:spPr>
-        <a:xfrm>
-          <a:off x="8429490" y="498862"/>
-          <a:ext cx="336974" cy="394196"/>
-        </a:xfrm>
-        <a:prstGeom prst="rightArrow">
-          <a:avLst>
-            <a:gd name="adj1" fmla="val 60000"/>
-            <a:gd name="adj2" fmla="val 50000"/>
-          </a:avLst>
-        </a:prstGeom>
-        <a:solidFill>
-          <a:schemeClr val="accent5">
-            <a:hueOff val="0"/>
-            <a:satOff val="0"/>
-            <a:lumOff val="0"/>
-            <a:alphaOff val="0"/>
-          </a:schemeClr>
-        </a:solidFill>
-        <a:ln>
-          <a:noFill/>
-        </a:ln>
-        <a:effectLst/>
-      </dsp:spPr>
-      <dsp:style>
-        <a:lnRef idx="0">
-          <a:scrgbClr r="0" g="0" b="0"/>
-        </a:lnRef>
-        <a:fillRef idx="1">
-          <a:scrgbClr r="0" g="0" b="0"/>
-        </a:fillRef>
-        <a:effectRef idx="0">
-          <a:scrgbClr r="0" g="0" b="0"/>
-        </a:effectRef>
-        <a:fontRef idx="minor">
-          <a:schemeClr val="lt1"/>
-        </a:fontRef>
-      </dsp:style>
-      <dsp:txBody>
-        <a:bodyPr spcFirstLastPara="0" vert="horz" wrap="square" lIns="0" tIns="0" rIns="0" bIns="0" numCol="1" spcCol="1270" anchor="ctr" anchorCtr="0">
-          <a:noAutofit/>
-        </a:bodyPr>
-        <a:lstStyle/>
-        <a:p>
-          <a:pPr lvl="0" algn="ctr" defTabSz="622300">
-            <a:lnSpc>
-              <a:spcPct val="90000"/>
-            </a:lnSpc>
-            <a:spcBef>
-              <a:spcPct val="0"/>
-            </a:spcBef>
-            <a:spcAft>
-              <a:spcPct val="35000"/>
-            </a:spcAft>
-          </a:pPr>
-          <a:endParaRPr lang="zh-CN" altLang="en-US" sz="1400" kern="1200"/>
-        </a:p>
-      </dsp:txBody>
-      <dsp:txXfrm>
-        <a:off x="8429490" y="577701"/>
-        <a:ext cx="235882" cy="236518"/>
-      </dsp:txXfrm>
-    </dsp:sp>
-    <dsp:sp modelId="{D29F269F-A581-4251-A721-205560CF8181}">
-      <dsp:nvSpPr>
-        <dsp:cNvPr id="0" name=""/>
-        <dsp:cNvSpPr/>
-      </dsp:nvSpPr>
-      <dsp:spPr>
-        <a:xfrm>
-          <a:off x="8906341" y="219109"/>
-          <a:ext cx="1589502" cy="953701"/>
-        </a:xfrm>
-        <a:prstGeom prst="roundRect">
-          <a:avLst>
-            <a:gd name="adj" fmla="val 10000"/>
-          </a:avLst>
-        </a:prstGeom>
-        <a:solidFill>
-          <a:schemeClr val="accent6">
-            <a:hueOff val="0"/>
-            <a:satOff val="0"/>
-            <a:lumOff val="0"/>
-            <a:alphaOff val="0"/>
-          </a:schemeClr>
-        </a:solidFill>
-        <a:ln w="12700" cap="flat" cmpd="sng" algn="ctr">
-          <a:solidFill>
-            <a:schemeClr val="lt1">
-              <a:hueOff val="0"/>
-              <a:satOff val="0"/>
-              <a:lumOff val="0"/>
-              <a:alphaOff val="0"/>
-            </a:schemeClr>
-          </a:solidFill>
-          <a:prstDash val="solid"/>
-          <a:miter lim="800000"/>
-        </a:ln>
-        <a:effectLst/>
-      </dsp:spPr>
-      <dsp:style>
-        <a:lnRef idx="2">
-          <a:scrgbClr r="0" g="0" b="0"/>
-        </a:lnRef>
-        <a:fillRef idx="1">
-          <a:scrgbClr r="0" g="0" b="0"/>
-        </a:fillRef>
-        <a:effectRef idx="0">
-          <a:scrgbClr r="0" g="0" b="0"/>
-        </a:effectRef>
-        <a:fontRef idx="minor">
-          <a:schemeClr val="lt1"/>
-        </a:fontRef>
-      </dsp:style>
-      <dsp:txBody>
-        <a:bodyPr spcFirstLastPara="0" vert="horz" wrap="square" lIns="95250" tIns="95250" rIns="95250" bIns="95250" numCol="1" spcCol="1270" anchor="ctr" anchorCtr="0">
-          <a:noAutofit/>
-        </a:bodyPr>
-        <a:lstStyle/>
-        <a:p>
-          <a:pPr lvl="0" algn="ctr" defTabSz="1111250">
-            <a:lnSpc>
-              <a:spcPct val="90000"/>
-            </a:lnSpc>
-            <a:spcBef>
-              <a:spcPct val="0"/>
-            </a:spcBef>
-            <a:spcAft>
-              <a:spcPct val="35000"/>
-            </a:spcAft>
-          </a:pPr>
-          <a:r>
-            <a:rPr lang="en-US" altLang="zh-CN" sz="2500" kern="1200" dirty="0" err="1"/>
-            <a:t>optmizer</a:t>
-          </a:r>
-          <a:endParaRPr lang="zh-CN" altLang="en-US" sz="2500" kern="1200" dirty="0"/>
-        </a:p>
-      </dsp:txBody>
-      <dsp:txXfrm>
-        <a:off x="8934274" y="247042"/>
-        <a:ext cx="1533636" cy="897835"/>
-      </dsp:txXfrm>
-    </dsp:sp>
   </dsp:spTree>
 </dsp:drawing>
 </file>
@@ -4200,7 +3528,7 @@
           <p:cNvPr id="2" name="标题 1">
             <a:extLst>
               <a:ext uri="{FF2B5EF4-FFF2-40B4-BE49-F238E27FC236}">
-                <a16:creationId xmlns="" xmlns:a16="http://schemas.microsoft.com/office/drawing/2014/main" id="{8AA519DA-CD7F-48F5-BFF3-7474AD4E0F69}"/>
+                <a16:creationId xmlns:a16="http://schemas.microsoft.com/office/drawing/2014/main" xmlns="" id="{8AA519DA-CD7F-48F5-BFF3-7474AD4E0F69}"/>
               </a:ext>
             </a:extLst>
           </p:cNvPr>
@@ -4237,7 +3565,7 @@
           <p:cNvPr id="3" name="副标题 2">
             <a:extLst>
               <a:ext uri="{FF2B5EF4-FFF2-40B4-BE49-F238E27FC236}">
-                <a16:creationId xmlns="" xmlns:a16="http://schemas.microsoft.com/office/drawing/2014/main" id="{605167AA-5E52-48AC-B109-1E4AD750F4C6}"/>
+                <a16:creationId xmlns:a16="http://schemas.microsoft.com/office/drawing/2014/main" xmlns="" id="{605167AA-5E52-48AC-B109-1E4AD750F4C6}"/>
               </a:ext>
             </a:extLst>
           </p:cNvPr>
@@ -4307,7 +3635,7 @@
           <p:cNvPr id="4" name="日期占位符 3">
             <a:extLst>
               <a:ext uri="{FF2B5EF4-FFF2-40B4-BE49-F238E27FC236}">
-                <a16:creationId xmlns="" xmlns:a16="http://schemas.microsoft.com/office/drawing/2014/main" id="{E87E1FD4-13FC-4A25-BB3A-3146405B971E}"/>
+                <a16:creationId xmlns:a16="http://schemas.microsoft.com/office/drawing/2014/main" xmlns="" id="{E87E1FD4-13FC-4A25-BB3A-3146405B971E}"/>
               </a:ext>
             </a:extLst>
           </p:cNvPr>
@@ -4336,7 +3664,7 @@
           <p:cNvPr id="5" name="页脚占位符 4">
             <a:extLst>
               <a:ext uri="{FF2B5EF4-FFF2-40B4-BE49-F238E27FC236}">
-                <a16:creationId xmlns="" xmlns:a16="http://schemas.microsoft.com/office/drawing/2014/main" id="{03A62777-B8AD-4F61-89C6-8787008DDA1E}"/>
+                <a16:creationId xmlns:a16="http://schemas.microsoft.com/office/drawing/2014/main" xmlns="" id="{03A62777-B8AD-4F61-89C6-8787008DDA1E}"/>
               </a:ext>
             </a:extLst>
           </p:cNvPr>
@@ -4361,7 +3689,7 @@
           <p:cNvPr id="6" name="灯片编号占位符 5">
             <a:extLst>
               <a:ext uri="{FF2B5EF4-FFF2-40B4-BE49-F238E27FC236}">
-                <a16:creationId xmlns="" xmlns:a16="http://schemas.microsoft.com/office/drawing/2014/main" id="{063EE630-86FB-4D01-9923-1E398E79CB8C}"/>
+                <a16:creationId xmlns:a16="http://schemas.microsoft.com/office/drawing/2014/main" xmlns="" id="{063EE630-86FB-4D01-9923-1E398E79CB8C}"/>
               </a:ext>
             </a:extLst>
           </p:cNvPr>
@@ -4420,7 +3748,7 @@
           <p:cNvPr id="2" name="标题 1">
             <a:extLst>
               <a:ext uri="{FF2B5EF4-FFF2-40B4-BE49-F238E27FC236}">
-                <a16:creationId xmlns="" xmlns:a16="http://schemas.microsoft.com/office/drawing/2014/main" id="{F6E9B3B1-300E-4EFC-92C6-27B59A24FD23}"/>
+                <a16:creationId xmlns:a16="http://schemas.microsoft.com/office/drawing/2014/main" xmlns="" id="{F6E9B3B1-300E-4EFC-92C6-27B59A24FD23}"/>
               </a:ext>
             </a:extLst>
           </p:cNvPr>
@@ -4448,7 +3776,7 @@
           <p:cNvPr id="3" name="竖排文字占位符 2">
             <a:extLst>
               <a:ext uri="{FF2B5EF4-FFF2-40B4-BE49-F238E27FC236}">
-                <a16:creationId xmlns="" xmlns:a16="http://schemas.microsoft.com/office/drawing/2014/main" id="{8EEB17A2-819A-4A53-BA0D-B0DEE41237CE}"/>
+                <a16:creationId xmlns:a16="http://schemas.microsoft.com/office/drawing/2014/main" xmlns="" id="{8EEB17A2-819A-4A53-BA0D-B0DEE41237CE}"/>
               </a:ext>
             </a:extLst>
           </p:cNvPr>
@@ -4505,7 +3833,7 @@
           <p:cNvPr id="4" name="日期占位符 3">
             <a:extLst>
               <a:ext uri="{FF2B5EF4-FFF2-40B4-BE49-F238E27FC236}">
-                <a16:creationId xmlns="" xmlns:a16="http://schemas.microsoft.com/office/drawing/2014/main" id="{7D53F4CF-D135-4337-ADB9-0D6D0C414AC7}"/>
+                <a16:creationId xmlns:a16="http://schemas.microsoft.com/office/drawing/2014/main" xmlns="" id="{7D53F4CF-D135-4337-ADB9-0D6D0C414AC7}"/>
               </a:ext>
             </a:extLst>
           </p:cNvPr>
@@ -4534,7 +3862,7 @@
           <p:cNvPr id="5" name="页脚占位符 4">
             <a:extLst>
               <a:ext uri="{FF2B5EF4-FFF2-40B4-BE49-F238E27FC236}">
-                <a16:creationId xmlns="" xmlns:a16="http://schemas.microsoft.com/office/drawing/2014/main" id="{10BAB563-DE22-4C8E-8D2F-DE3C2A61B068}"/>
+                <a16:creationId xmlns:a16="http://schemas.microsoft.com/office/drawing/2014/main" xmlns="" id="{10BAB563-DE22-4C8E-8D2F-DE3C2A61B068}"/>
               </a:ext>
             </a:extLst>
           </p:cNvPr>
@@ -4559,7 +3887,7 @@
           <p:cNvPr id="6" name="灯片编号占位符 5">
             <a:extLst>
               <a:ext uri="{FF2B5EF4-FFF2-40B4-BE49-F238E27FC236}">
-                <a16:creationId xmlns="" xmlns:a16="http://schemas.microsoft.com/office/drawing/2014/main" id="{67A87ACA-7292-4740-B97A-0940B3D0BA4A}"/>
+                <a16:creationId xmlns:a16="http://schemas.microsoft.com/office/drawing/2014/main" xmlns="" id="{67A87ACA-7292-4740-B97A-0940B3D0BA4A}"/>
               </a:ext>
             </a:extLst>
           </p:cNvPr>
@@ -4618,7 +3946,7 @@
           <p:cNvPr id="2" name="竖排标题 1">
             <a:extLst>
               <a:ext uri="{FF2B5EF4-FFF2-40B4-BE49-F238E27FC236}">
-                <a16:creationId xmlns="" xmlns:a16="http://schemas.microsoft.com/office/drawing/2014/main" id="{37938B48-734B-4A20-981D-193E96988694}"/>
+                <a16:creationId xmlns:a16="http://schemas.microsoft.com/office/drawing/2014/main" xmlns="" id="{37938B48-734B-4A20-981D-193E96988694}"/>
               </a:ext>
             </a:extLst>
           </p:cNvPr>
@@ -4651,7 +3979,7 @@
           <p:cNvPr id="3" name="竖排文字占位符 2">
             <a:extLst>
               <a:ext uri="{FF2B5EF4-FFF2-40B4-BE49-F238E27FC236}">
-                <a16:creationId xmlns="" xmlns:a16="http://schemas.microsoft.com/office/drawing/2014/main" id="{EEDA0763-0543-4BDF-856E-6F6CC172BD8E}"/>
+                <a16:creationId xmlns:a16="http://schemas.microsoft.com/office/drawing/2014/main" xmlns="" id="{EEDA0763-0543-4BDF-856E-6F6CC172BD8E}"/>
               </a:ext>
             </a:extLst>
           </p:cNvPr>
@@ -4713,7 +4041,7 @@
           <p:cNvPr id="4" name="日期占位符 3">
             <a:extLst>
               <a:ext uri="{FF2B5EF4-FFF2-40B4-BE49-F238E27FC236}">
-                <a16:creationId xmlns="" xmlns:a16="http://schemas.microsoft.com/office/drawing/2014/main" id="{97371D18-9EA5-410A-85F5-B7F25802578C}"/>
+                <a16:creationId xmlns:a16="http://schemas.microsoft.com/office/drawing/2014/main" xmlns="" id="{97371D18-9EA5-410A-85F5-B7F25802578C}"/>
               </a:ext>
             </a:extLst>
           </p:cNvPr>
@@ -4742,7 +4070,7 @@
           <p:cNvPr id="5" name="页脚占位符 4">
             <a:extLst>
               <a:ext uri="{FF2B5EF4-FFF2-40B4-BE49-F238E27FC236}">
-                <a16:creationId xmlns="" xmlns:a16="http://schemas.microsoft.com/office/drawing/2014/main" id="{0A790481-A62A-4217-9890-31441B3D04BE}"/>
+                <a16:creationId xmlns:a16="http://schemas.microsoft.com/office/drawing/2014/main" xmlns="" id="{0A790481-A62A-4217-9890-31441B3D04BE}"/>
               </a:ext>
             </a:extLst>
           </p:cNvPr>
@@ -4767,7 +4095,7 @@
           <p:cNvPr id="6" name="灯片编号占位符 5">
             <a:extLst>
               <a:ext uri="{FF2B5EF4-FFF2-40B4-BE49-F238E27FC236}">
-                <a16:creationId xmlns="" xmlns:a16="http://schemas.microsoft.com/office/drawing/2014/main" id="{D1A35AF4-86DA-4087-A7F3-4B58A032E54F}"/>
+                <a16:creationId xmlns:a16="http://schemas.microsoft.com/office/drawing/2014/main" xmlns="" id="{D1A35AF4-86DA-4087-A7F3-4B58A032E54F}"/>
               </a:ext>
             </a:extLst>
           </p:cNvPr>
@@ -4826,7 +4154,7 @@
           <p:cNvPr id="2" name="标题 1">
             <a:extLst>
               <a:ext uri="{FF2B5EF4-FFF2-40B4-BE49-F238E27FC236}">
-                <a16:creationId xmlns="" xmlns:a16="http://schemas.microsoft.com/office/drawing/2014/main" id="{28C0D371-7879-4734-9E8C-A1804D5DCD95}"/>
+                <a16:creationId xmlns:a16="http://schemas.microsoft.com/office/drawing/2014/main" xmlns="" id="{28C0D371-7879-4734-9E8C-A1804D5DCD95}"/>
               </a:ext>
             </a:extLst>
           </p:cNvPr>
@@ -4854,7 +4182,7 @@
           <p:cNvPr id="3" name="内容占位符 2">
             <a:extLst>
               <a:ext uri="{FF2B5EF4-FFF2-40B4-BE49-F238E27FC236}">
-                <a16:creationId xmlns="" xmlns:a16="http://schemas.microsoft.com/office/drawing/2014/main" id="{994E48C4-F41A-4752-82E0-21DF3A7E6C42}"/>
+                <a16:creationId xmlns:a16="http://schemas.microsoft.com/office/drawing/2014/main" xmlns="" id="{994E48C4-F41A-4752-82E0-21DF3A7E6C42}"/>
               </a:ext>
             </a:extLst>
           </p:cNvPr>
@@ -4911,7 +4239,7 @@
           <p:cNvPr id="4" name="日期占位符 3">
             <a:extLst>
               <a:ext uri="{FF2B5EF4-FFF2-40B4-BE49-F238E27FC236}">
-                <a16:creationId xmlns="" xmlns:a16="http://schemas.microsoft.com/office/drawing/2014/main" id="{5D375AB6-08B9-4BC0-9417-38841EC226EB}"/>
+                <a16:creationId xmlns:a16="http://schemas.microsoft.com/office/drawing/2014/main" xmlns="" id="{5D375AB6-08B9-4BC0-9417-38841EC226EB}"/>
               </a:ext>
             </a:extLst>
           </p:cNvPr>
@@ -4940,7 +4268,7 @@
           <p:cNvPr id="5" name="页脚占位符 4">
             <a:extLst>
               <a:ext uri="{FF2B5EF4-FFF2-40B4-BE49-F238E27FC236}">
-                <a16:creationId xmlns="" xmlns:a16="http://schemas.microsoft.com/office/drawing/2014/main" id="{E9E4DB89-0DA2-4583-9E9F-FDA1C82EA615}"/>
+                <a16:creationId xmlns:a16="http://schemas.microsoft.com/office/drawing/2014/main" xmlns="" id="{E9E4DB89-0DA2-4583-9E9F-FDA1C82EA615}"/>
               </a:ext>
             </a:extLst>
           </p:cNvPr>
@@ -4965,7 +4293,7 @@
           <p:cNvPr id="6" name="灯片编号占位符 5">
             <a:extLst>
               <a:ext uri="{FF2B5EF4-FFF2-40B4-BE49-F238E27FC236}">
-                <a16:creationId xmlns="" xmlns:a16="http://schemas.microsoft.com/office/drawing/2014/main" id="{0B84B95C-E6E1-4757-BAEB-A0652A5D26E2}"/>
+                <a16:creationId xmlns:a16="http://schemas.microsoft.com/office/drawing/2014/main" xmlns="" id="{0B84B95C-E6E1-4757-BAEB-A0652A5D26E2}"/>
               </a:ext>
             </a:extLst>
           </p:cNvPr>
@@ -5024,7 +4352,7 @@
           <p:cNvPr id="2" name="标题 1">
             <a:extLst>
               <a:ext uri="{FF2B5EF4-FFF2-40B4-BE49-F238E27FC236}">
-                <a16:creationId xmlns="" xmlns:a16="http://schemas.microsoft.com/office/drawing/2014/main" id="{C19B54CE-5AE3-49EC-A671-7E491E5837E1}"/>
+                <a16:creationId xmlns:a16="http://schemas.microsoft.com/office/drawing/2014/main" xmlns="" id="{C19B54CE-5AE3-49EC-A671-7E491E5837E1}"/>
               </a:ext>
             </a:extLst>
           </p:cNvPr>
@@ -5061,7 +4389,7 @@
           <p:cNvPr id="3" name="文本占位符 2">
             <a:extLst>
               <a:ext uri="{FF2B5EF4-FFF2-40B4-BE49-F238E27FC236}">
-                <a16:creationId xmlns="" xmlns:a16="http://schemas.microsoft.com/office/drawing/2014/main" id="{D4CA8CB5-C464-40B3-8B88-EC7411576D2F}"/>
+                <a16:creationId xmlns:a16="http://schemas.microsoft.com/office/drawing/2014/main" xmlns="" id="{D4CA8CB5-C464-40B3-8B88-EC7411576D2F}"/>
               </a:ext>
             </a:extLst>
           </p:cNvPr>
@@ -5186,7 +4514,7 @@
           <p:cNvPr id="4" name="日期占位符 3">
             <a:extLst>
               <a:ext uri="{FF2B5EF4-FFF2-40B4-BE49-F238E27FC236}">
-                <a16:creationId xmlns="" xmlns:a16="http://schemas.microsoft.com/office/drawing/2014/main" id="{D0410D4A-527F-42B8-9463-5AA8ECFB58EF}"/>
+                <a16:creationId xmlns:a16="http://schemas.microsoft.com/office/drawing/2014/main" xmlns="" id="{D0410D4A-527F-42B8-9463-5AA8ECFB58EF}"/>
               </a:ext>
             </a:extLst>
           </p:cNvPr>
@@ -5215,7 +4543,7 @@
           <p:cNvPr id="5" name="页脚占位符 4">
             <a:extLst>
               <a:ext uri="{FF2B5EF4-FFF2-40B4-BE49-F238E27FC236}">
-                <a16:creationId xmlns="" xmlns:a16="http://schemas.microsoft.com/office/drawing/2014/main" id="{8A58023C-0ECC-40DC-98F1-E89E897A89D8}"/>
+                <a16:creationId xmlns:a16="http://schemas.microsoft.com/office/drawing/2014/main" xmlns="" id="{8A58023C-0ECC-40DC-98F1-E89E897A89D8}"/>
               </a:ext>
             </a:extLst>
           </p:cNvPr>
@@ -5240,7 +4568,7 @@
           <p:cNvPr id="6" name="灯片编号占位符 5">
             <a:extLst>
               <a:ext uri="{FF2B5EF4-FFF2-40B4-BE49-F238E27FC236}">
-                <a16:creationId xmlns="" xmlns:a16="http://schemas.microsoft.com/office/drawing/2014/main" id="{F572A47F-7A66-41A7-BDC8-6CC103BAFD75}"/>
+                <a16:creationId xmlns:a16="http://schemas.microsoft.com/office/drawing/2014/main" xmlns="" id="{F572A47F-7A66-41A7-BDC8-6CC103BAFD75}"/>
               </a:ext>
             </a:extLst>
           </p:cNvPr>
@@ -5299,7 +4627,7 @@
           <p:cNvPr id="2" name="标题 1">
             <a:extLst>
               <a:ext uri="{FF2B5EF4-FFF2-40B4-BE49-F238E27FC236}">
-                <a16:creationId xmlns="" xmlns:a16="http://schemas.microsoft.com/office/drawing/2014/main" id="{86F93BFC-8993-4918-8013-8B76E6D232BB}"/>
+                <a16:creationId xmlns:a16="http://schemas.microsoft.com/office/drawing/2014/main" xmlns="" id="{86F93BFC-8993-4918-8013-8B76E6D232BB}"/>
               </a:ext>
             </a:extLst>
           </p:cNvPr>
@@ -5327,7 +4655,7 @@
           <p:cNvPr id="3" name="内容占位符 2">
             <a:extLst>
               <a:ext uri="{FF2B5EF4-FFF2-40B4-BE49-F238E27FC236}">
-                <a16:creationId xmlns="" xmlns:a16="http://schemas.microsoft.com/office/drawing/2014/main" id="{B9CBBFBC-0C49-46B7-9E2D-DCEFC8B268D6}"/>
+                <a16:creationId xmlns:a16="http://schemas.microsoft.com/office/drawing/2014/main" xmlns="" id="{B9CBBFBC-0C49-46B7-9E2D-DCEFC8B268D6}"/>
               </a:ext>
             </a:extLst>
           </p:cNvPr>
@@ -5389,7 +4717,7 @@
           <p:cNvPr id="4" name="内容占位符 3">
             <a:extLst>
               <a:ext uri="{FF2B5EF4-FFF2-40B4-BE49-F238E27FC236}">
-                <a16:creationId xmlns="" xmlns:a16="http://schemas.microsoft.com/office/drawing/2014/main" id="{636B2945-F6B0-485C-9313-06898A3F61CC}"/>
+                <a16:creationId xmlns:a16="http://schemas.microsoft.com/office/drawing/2014/main" xmlns="" id="{636B2945-F6B0-485C-9313-06898A3F61CC}"/>
               </a:ext>
             </a:extLst>
           </p:cNvPr>
@@ -5451,7 +4779,7 @@
           <p:cNvPr id="5" name="日期占位符 4">
             <a:extLst>
               <a:ext uri="{FF2B5EF4-FFF2-40B4-BE49-F238E27FC236}">
-                <a16:creationId xmlns="" xmlns:a16="http://schemas.microsoft.com/office/drawing/2014/main" id="{D0CCE2C4-8812-4E33-A984-8471B5F32DBD}"/>
+                <a16:creationId xmlns:a16="http://schemas.microsoft.com/office/drawing/2014/main" xmlns="" id="{D0CCE2C4-8812-4E33-A984-8471B5F32DBD}"/>
               </a:ext>
             </a:extLst>
           </p:cNvPr>
@@ -5480,7 +4808,7 @@
           <p:cNvPr id="6" name="页脚占位符 5">
             <a:extLst>
               <a:ext uri="{FF2B5EF4-FFF2-40B4-BE49-F238E27FC236}">
-                <a16:creationId xmlns="" xmlns:a16="http://schemas.microsoft.com/office/drawing/2014/main" id="{823F283B-B44C-4BFF-8329-E93083E05A97}"/>
+                <a16:creationId xmlns:a16="http://schemas.microsoft.com/office/drawing/2014/main" xmlns="" id="{823F283B-B44C-4BFF-8329-E93083E05A97}"/>
               </a:ext>
             </a:extLst>
           </p:cNvPr>
@@ -5505,7 +4833,7 @@
           <p:cNvPr id="7" name="灯片编号占位符 6">
             <a:extLst>
               <a:ext uri="{FF2B5EF4-FFF2-40B4-BE49-F238E27FC236}">
-                <a16:creationId xmlns="" xmlns:a16="http://schemas.microsoft.com/office/drawing/2014/main" id="{53676C6B-D444-415A-BAC1-3082F10299DB}"/>
+                <a16:creationId xmlns:a16="http://schemas.microsoft.com/office/drawing/2014/main" xmlns="" id="{53676C6B-D444-415A-BAC1-3082F10299DB}"/>
               </a:ext>
             </a:extLst>
           </p:cNvPr>
@@ -5564,7 +4892,7 @@
           <p:cNvPr id="2" name="标题 1">
             <a:extLst>
               <a:ext uri="{FF2B5EF4-FFF2-40B4-BE49-F238E27FC236}">
-                <a16:creationId xmlns="" xmlns:a16="http://schemas.microsoft.com/office/drawing/2014/main" id="{B34021E4-DFB4-42D7-BD6A-7894FC498A2F}"/>
+                <a16:creationId xmlns:a16="http://schemas.microsoft.com/office/drawing/2014/main" xmlns="" id="{B34021E4-DFB4-42D7-BD6A-7894FC498A2F}"/>
               </a:ext>
             </a:extLst>
           </p:cNvPr>
@@ -5597,7 +4925,7 @@
           <p:cNvPr id="3" name="文本占位符 2">
             <a:extLst>
               <a:ext uri="{FF2B5EF4-FFF2-40B4-BE49-F238E27FC236}">
-                <a16:creationId xmlns="" xmlns:a16="http://schemas.microsoft.com/office/drawing/2014/main" id="{03DF9CE7-4B33-40F1-BA01-4ADAF4486691}"/>
+                <a16:creationId xmlns:a16="http://schemas.microsoft.com/office/drawing/2014/main" xmlns="" id="{03DF9CE7-4B33-40F1-BA01-4ADAF4486691}"/>
               </a:ext>
             </a:extLst>
           </p:cNvPr>
@@ -5668,7 +4996,7 @@
           <p:cNvPr id="4" name="内容占位符 3">
             <a:extLst>
               <a:ext uri="{FF2B5EF4-FFF2-40B4-BE49-F238E27FC236}">
-                <a16:creationId xmlns="" xmlns:a16="http://schemas.microsoft.com/office/drawing/2014/main" id="{F30A9064-86BA-439B-9E17-AD0DEBEBC635}"/>
+                <a16:creationId xmlns:a16="http://schemas.microsoft.com/office/drawing/2014/main" xmlns="" id="{F30A9064-86BA-439B-9E17-AD0DEBEBC635}"/>
               </a:ext>
             </a:extLst>
           </p:cNvPr>
@@ -5730,7 +5058,7 @@
           <p:cNvPr id="5" name="文本占位符 4">
             <a:extLst>
               <a:ext uri="{FF2B5EF4-FFF2-40B4-BE49-F238E27FC236}">
-                <a16:creationId xmlns="" xmlns:a16="http://schemas.microsoft.com/office/drawing/2014/main" id="{394C9965-0E15-41B1-A3A9-642D54F0FB4F}"/>
+                <a16:creationId xmlns:a16="http://schemas.microsoft.com/office/drawing/2014/main" xmlns="" id="{394C9965-0E15-41B1-A3A9-642D54F0FB4F}"/>
               </a:ext>
             </a:extLst>
           </p:cNvPr>
@@ -5801,7 +5129,7 @@
           <p:cNvPr id="6" name="内容占位符 5">
             <a:extLst>
               <a:ext uri="{FF2B5EF4-FFF2-40B4-BE49-F238E27FC236}">
-                <a16:creationId xmlns="" xmlns:a16="http://schemas.microsoft.com/office/drawing/2014/main" id="{38E8DF65-1B52-45BE-95BD-6B83AB1C7006}"/>
+                <a16:creationId xmlns:a16="http://schemas.microsoft.com/office/drawing/2014/main" xmlns="" id="{38E8DF65-1B52-45BE-95BD-6B83AB1C7006}"/>
               </a:ext>
             </a:extLst>
           </p:cNvPr>
@@ -5863,7 +5191,7 @@
           <p:cNvPr id="7" name="日期占位符 6">
             <a:extLst>
               <a:ext uri="{FF2B5EF4-FFF2-40B4-BE49-F238E27FC236}">
-                <a16:creationId xmlns="" xmlns:a16="http://schemas.microsoft.com/office/drawing/2014/main" id="{B6261690-9011-41A6-A59F-24AA2881327F}"/>
+                <a16:creationId xmlns:a16="http://schemas.microsoft.com/office/drawing/2014/main" xmlns="" id="{B6261690-9011-41A6-A59F-24AA2881327F}"/>
               </a:ext>
             </a:extLst>
           </p:cNvPr>
@@ -5892,7 +5220,7 @@
           <p:cNvPr id="8" name="页脚占位符 7">
             <a:extLst>
               <a:ext uri="{FF2B5EF4-FFF2-40B4-BE49-F238E27FC236}">
-                <a16:creationId xmlns="" xmlns:a16="http://schemas.microsoft.com/office/drawing/2014/main" id="{0E4F5DAE-00D8-4923-A718-203B1F3CEFF2}"/>
+                <a16:creationId xmlns:a16="http://schemas.microsoft.com/office/drawing/2014/main" xmlns="" id="{0E4F5DAE-00D8-4923-A718-203B1F3CEFF2}"/>
               </a:ext>
             </a:extLst>
           </p:cNvPr>
@@ -5917,7 +5245,7 @@
           <p:cNvPr id="9" name="灯片编号占位符 8">
             <a:extLst>
               <a:ext uri="{FF2B5EF4-FFF2-40B4-BE49-F238E27FC236}">
-                <a16:creationId xmlns="" xmlns:a16="http://schemas.microsoft.com/office/drawing/2014/main" id="{E7E727E6-DF20-46A1-AED5-0FADE49E358F}"/>
+                <a16:creationId xmlns:a16="http://schemas.microsoft.com/office/drawing/2014/main" xmlns="" id="{E7E727E6-DF20-46A1-AED5-0FADE49E358F}"/>
               </a:ext>
             </a:extLst>
           </p:cNvPr>
@@ -5976,7 +5304,7 @@
           <p:cNvPr id="2" name="标题 1">
             <a:extLst>
               <a:ext uri="{FF2B5EF4-FFF2-40B4-BE49-F238E27FC236}">
-                <a16:creationId xmlns="" xmlns:a16="http://schemas.microsoft.com/office/drawing/2014/main" id="{13D0B4C9-4D8A-4D66-80BF-B59917B68929}"/>
+                <a16:creationId xmlns:a16="http://schemas.microsoft.com/office/drawing/2014/main" xmlns="" id="{13D0B4C9-4D8A-4D66-80BF-B59917B68929}"/>
               </a:ext>
             </a:extLst>
           </p:cNvPr>
@@ -6004,7 +5332,7 @@
           <p:cNvPr id="3" name="日期占位符 2">
             <a:extLst>
               <a:ext uri="{FF2B5EF4-FFF2-40B4-BE49-F238E27FC236}">
-                <a16:creationId xmlns="" xmlns:a16="http://schemas.microsoft.com/office/drawing/2014/main" id="{F71F209A-E516-459C-94F3-F3F8AD606F46}"/>
+                <a16:creationId xmlns:a16="http://schemas.microsoft.com/office/drawing/2014/main" xmlns="" id="{F71F209A-E516-459C-94F3-F3F8AD606F46}"/>
               </a:ext>
             </a:extLst>
           </p:cNvPr>
@@ -6033,7 +5361,7 @@
           <p:cNvPr id="4" name="页脚占位符 3">
             <a:extLst>
               <a:ext uri="{FF2B5EF4-FFF2-40B4-BE49-F238E27FC236}">
-                <a16:creationId xmlns="" xmlns:a16="http://schemas.microsoft.com/office/drawing/2014/main" id="{547A290B-77BE-4AE5-A0A8-6A38F8A78E37}"/>
+                <a16:creationId xmlns:a16="http://schemas.microsoft.com/office/drawing/2014/main" xmlns="" id="{547A290B-77BE-4AE5-A0A8-6A38F8A78E37}"/>
               </a:ext>
             </a:extLst>
           </p:cNvPr>
@@ -6058,7 +5386,7 @@
           <p:cNvPr id="5" name="灯片编号占位符 4">
             <a:extLst>
               <a:ext uri="{FF2B5EF4-FFF2-40B4-BE49-F238E27FC236}">
-                <a16:creationId xmlns="" xmlns:a16="http://schemas.microsoft.com/office/drawing/2014/main" id="{4E7E6A87-2DA8-42C4-8231-E3A1D2636114}"/>
+                <a16:creationId xmlns:a16="http://schemas.microsoft.com/office/drawing/2014/main" xmlns="" id="{4E7E6A87-2DA8-42C4-8231-E3A1D2636114}"/>
               </a:ext>
             </a:extLst>
           </p:cNvPr>
@@ -6117,7 +5445,7 @@
           <p:cNvPr id="2" name="日期占位符 1">
             <a:extLst>
               <a:ext uri="{FF2B5EF4-FFF2-40B4-BE49-F238E27FC236}">
-                <a16:creationId xmlns="" xmlns:a16="http://schemas.microsoft.com/office/drawing/2014/main" id="{717F3A0E-7D42-4F32-8183-1550EDDD5709}"/>
+                <a16:creationId xmlns:a16="http://schemas.microsoft.com/office/drawing/2014/main" xmlns="" id="{717F3A0E-7D42-4F32-8183-1550EDDD5709}"/>
               </a:ext>
             </a:extLst>
           </p:cNvPr>
@@ -6146,7 +5474,7 @@
           <p:cNvPr id="3" name="页脚占位符 2">
             <a:extLst>
               <a:ext uri="{FF2B5EF4-FFF2-40B4-BE49-F238E27FC236}">
-                <a16:creationId xmlns="" xmlns:a16="http://schemas.microsoft.com/office/drawing/2014/main" id="{3FA93688-A693-4D30-AB23-FCA90CB73911}"/>
+                <a16:creationId xmlns:a16="http://schemas.microsoft.com/office/drawing/2014/main" xmlns="" id="{3FA93688-A693-4D30-AB23-FCA90CB73911}"/>
               </a:ext>
             </a:extLst>
           </p:cNvPr>
@@ -6171,7 +5499,7 @@
           <p:cNvPr id="4" name="灯片编号占位符 3">
             <a:extLst>
               <a:ext uri="{FF2B5EF4-FFF2-40B4-BE49-F238E27FC236}">
-                <a16:creationId xmlns="" xmlns:a16="http://schemas.microsoft.com/office/drawing/2014/main" id="{C3865757-238A-41AF-A8E5-097AA42AB980}"/>
+                <a16:creationId xmlns:a16="http://schemas.microsoft.com/office/drawing/2014/main" xmlns="" id="{C3865757-238A-41AF-A8E5-097AA42AB980}"/>
               </a:ext>
             </a:extLst>
           </p:cNvPr>
@@ -6230,7 +5558,7 @@
           <p:cNvPr id="2" name="标题 1">
             <a:extLst>
               <a:ext uri="{FF2B5EF4-FFF2-40B4-BE49-F238E27FC236}">
-                <a16:creationId xmlns="" xmlns:a16="http://schemas.microsoft.com/office/drawing/2014/main" id="{2FF56BD8-B301-4075-92CF-0FC62C8A7CE3}"/>
+                <a16:creationId xmlns:a16="http://schemas.microsoft.com/office/drawing/2014/main" xmlns="" id="{2FF56BD8-B301-4075-92CF-0FC62C8A7CE3}"/>
               </a:ext>
             </a:extLst>
           </p:cNvPr>
@@ -6267,7 +5595,7 @@
           <p:cNvPr id="3" name="内容占位符 2">
             <a:extLst>
               <a:ext uri="{FF2B5EF4-FFF2-40B4-BE49-F238E27FC236}">
-                <a16:creationId xmlns="" xmlns:a16="http://schemas.microsoft.com/office/drawing/2014/main" id="{113C32BB-F9CB-46DE-95C0-62ADE691F33A}"/>
+                <a16:creationId xmlns:a16="http://schemas.microsoft.com/office/drawing/2014/main" xmlns="" id="{113C32BB-F9CB-46DE-95C0-62ADE691F33A}"/>
               </a:ext>
             </a:extLst>
           </p:cNvPr>
@@ -6357,7 +5685,7 @@
           <p:cNvPr id="4" name="文本占位符 3">
             <a:extLst>
               <a:ext uri="{FF2B5EF4-FFF2-40B4-BE49-F238E27FC236}">
-                <a16:creationId xmlns="" xmlns:a16="http://schemas.microsoft.com/office/drawing/2014/main" id="{51C8F21D-5374-4678-AA8E-A8919B889A93}"/>
+                <a16:creationId xmlns:a16="http://schemas.microsoft.com/office/drawing/2014/main" xmlns="" id="{51C8F21D-5374-4678-AA8E-A8919B889A93}"/>
               </a:ext>
             </a:extLst>
           </p:cNvPr>
@@ -6428,7 +5756,7 @@
           <p:cNvPr id="5" name="日期占位符 4">
             <a:extLst>
               <a:ext uri="{FF2B5EF4-FFF2-40B4-BE49-F238E27FC236}">
-                <a16:creationId xmlns="" xmlns:a16="http://schemas.microsoft.com/office/drawing/2014/main" id="{29E3B020-03C8-4192-91E4-20DD9ABDC3E2}"/>
+                <a16:creationId xmlns:a16="http://schemas.microsoft.com/office/drawing/2014/main" xmlns="" id="{29E3B020-03C8-4192-91E4-20DD9ABDC3E2}"/>
               </a:ext>
             </a:extLst>
           </p:cNvPr>
@@ -6457,7 +5785,7 @@
           <p:cNvPr id="6" name="页脚占位符 5">
             <a:extLst>
               <a:ext uri="{FF2B5EF4-FFF2-40B4-BE49-F238E27FC236}">
-                <a16:creationId xmlns="" xmlns:a16="http://schemas.microsoft.com/office/drawing/2014/main" id="{C69B6410-98CA-430A-AED3-013E8696B1ED}"/>
+                <a16:creationId xmlns:a16="http://schemas.microsoft.com/office/drawing/2014/main" xmlns="" id="{C69B6410-98CA-430A-AED3-013E8696B1ED}"/>
               </a:ext>
             </a:extLst>
           </p:cNvPr>
@@ -6482,7 +5810,7 @@
           <p:cNvPr id="7" name="灯片编号占位符 6">
             <a:extLst>
               <a:ext uri="{FF2B5EF4-FFF2-40B4-BE49-F238E27FC236}">
-                <a16:creationId xmlns="" xmlns:a16="http://schemas.microsoft.com/office/drawing/2014/main" id="{1FA94411-3F8B-4094-9406-98D3586564B7}"/>
+                <a16:creationId xmlns:a16="http://schemas.microsoft.com/office/drawing/2014/main" xmlns="" id="{1FA94411-3F8B-4094-9406-98D3586564B7}"/>
               </a:ext>
             </a:extLst>
           </p:cNvPr>
@@ -6541,7 +5869,7 @@
           <p:cNvPr id="2" name="标题 1">
             <a:extLst>
               <a:ext uri="{FF2B5EF4-FFF2-40B4-BE49-F238E27FC236}">
-                <a16:creationId xmlns="" xmlns:a16="http://schemas.microsoft.com/office/drawing/2014/main" id="{CE6F6A8B-82FE-4277-B2D0-3FA16FE87F28}"/>
+                <a16:creationId xmlns:a16="http://schemas.microsoft.com/office/drawing/2014/main" xmlns="" id="{CE6F6A8B-82FE-4277-B2D0-3FA16FE87F28}"/>
               </a:ext>
             </a:extLst>
           </p:cNvPr>
@@ -6578,7 +5906,7 @@
           <p:cNvPr id="3" name="图片占位符 2">
             <a:extLst>
               <a:ext uri="{FF2B5EF4-FFF2-40B4-BE49-F238E27FC236}">
-                <a16:creationId xmlns="" xmlns:a16="http://schemas.microsoft.com/office/drawing/2014/main" id="{C9F0C9F0-88F0-4E59-9F06-C368ADFE0D54}"/>
+                <a16:creationId xmlns:a16="http://schemas.microsoft.com/office/drawing/2014/main" xmlns="" id="{C9F0C9F0-88F0-4E59-9F06-C368ADFE0D54}"/>
               </a:ext>
             </a:extLst>
           </p:cNvPr>
@@ -6645,7 +5973,7 @@
           <p:cNvPr id="4" name="文本占位符 3">
             <a:extLst>
               <a:ext uri="{FF2B5EF4-FFF2-40B4-BE49-F238E27FC236}">
-                <a16:creationId xmlns="" xmlns:a16="http://schemas.microsoft.com/office/drawing/2014/main" id="{E6AB2E20-12A0-4514-BA16-9987801BF500}"/>
+                <a16:creationId xmlns:a16="http://schemas.microsoft.com/office/drawing/2014/main" xmlns="" id="{E6AB2E20-12A0-4514-BA16-9987801BF500}"/>
               </a:ext>
             </a:extLst>
           </p:cNvPr>
@@ -6716,7 +6044,7 @@
           <p:cNvPr id="5" name="日期占位符 4">
             <a:extLst>
               <a:ext uri="{FF2B5EF4-FFF2-40B4-BE49-F238E27FC236}">
-                <a16:creationId xmlns="" xmlns:a16="http://schemas.microsoft.com/office/drawing/2014/main" id="{C7373AED-D214-477F-A342-59D16E1BB343}"/>
+                <a16:creationId xmlns:a16="http://schemas.microsoft.com/office/drawing/2014/main" xmlns="" id="{C7373AED-D214-477F-A342-59D16E1BB343}"/>
               </a:ext>
             </a:extLst>
           </p:cNvPr>
@@ -6745,7 +6073,7 @@
           <p:cNvPr id="6" name="页脚占位符 5">
             <a:extLst>
               <a:ext uri="{FF2B5EF4-FFF2-40B4-BE49-F238E27FC236}">
-                <a16:creationId xmlns="" xmlns:a16="http://schemas.microsoft.com/office/drawing/2014/main" id="{336D0B76-1135-476B-9C70-693865FD902C}"/>
+                <a16:creationId xmlns:a16="http://schemas.microsoft.com/office/drawing/2014/main" xmlns="" id="{336D0B76-1135-476B-9C70-693865FD902C}"/>
               </a:ext>
             </a:extLst>
           </p:cNvPr>
@@ -6770,7 +6098,7 @@
           <p:cNvPr id="7" name="灯片编号占位符 6">
             <a:extLst>
               <a:ext uri="{FF2B5EF4-FFF2-40B4-BE49-F238E27FC236}">
-                <a16:creationId xmlns="" xmlns:a16="http://schemas.microsoft.com/office/drawing/2014/main" id="{A90BDD7F-A6B7-4818-9716-7445163599A8}"/>
+                <a16:creationId xmlns:a16="http://schemas.microsoft.com/office/drawing/2014/main" xmlns="" id="{A90BDD7F-A6B7-4818-9716-7445163599A8}"/>
               </a:ext>
             </a:extLst>
           </p:cNvPr>
@@ -6834,7 +6162,7 @@
           <p:cNvPr id="2" name="标题占位符 1">
             <a:extLst>
               <a:ext uri="{FF2B5EF4-FFF2-40B4-BE49-F238E27FC236}">
-                <a16:creationId xmlns="" xmlns:a16="http://schemas.microsoft.com/office/drawing/2014/main" id="{2DD4BA9D-0BA6-466A-9B35-13A02F6A5E24}"/>
+                <a16:creationId xmlns:a16="http://schemas.microsoft.com/office/drawing/2014/main" xmlns="" id="{2DD4BA9D-0BA6-466A-9B35-13A02F6A5E24}"/>
               </a:ext>
             </a:extLst>
           </p:cNvPr>
@@ -6872,7 +6200,7 @@
           <p:cNvPr id="3" name="文本占位符 2">
             <a:extLst>
               <a:ext uri="{FF2B5EF4-FFF2-40B4-BE49-F238E27FC236}">
-                <a16:creationId xmlns="" xmlns:a16="http://schemas.microsoft.com/office/drawing/2014/main" id="{439C17B4-797F-4BB9-B456-128E3FB3349D}"/>
+                <a16:creationId xmlns:a16="http://schemas.microsoft.com/office/drawing/2014/main" xmlns="" id="{439C17B4-797F-4BB9-B456-128E3FB3349D}"/>
               </a:ext>
             </a:extLst>
           </p:cNvPr>
@@ -6939,7 +6267,7 @@
           <p:cNvPr id="4" name="日期占位符 3">
             <a:extLst>
               <a:ext uri="{FF2B5EF4-FFF2-40B4-BE49-F238E27FC236}">
-                <a16:creationId xmlns="" xmlns:a16="http://schemas.microsoft.com/office/drawing/2014/main" id="{7FA9E796-2BB0-49CE-A372-854AD96BE58D}"/>
+                <a16:creationId xmlns:a16="http://schemas.microsoft.com/office/drawing/2014/main" xmlns="" id="{7FA9E796-2BB0-49CE-A372-854AD96BE58D}"/>
               </a:ext>
             </a:extLst>
           </p:cNvPr>
@@ -6986,7 +6314,7 @@
           <p:cNvPr id="5" name="页脚占位符 4">
             <a:extLst>
               <a:ext uri="{FF2B5EF4-FFF2-40B4-BE49-F238E27FC236}">
-                <a16:creationId xmlns="" xmlns:a16="http://schemas.microsoft.com/office/drawing/2014/main" id="{B1AC8429-2A27-4483-8179-95BA1E0FF3E0}"/>
+                <a16:creationId xmlns:a16="http://schemas.microsoft.com/office/drawing/2014/main" xmlns="" id="{B1AC8429-2A27-4483-8179-95BA1E0FF3E0}"/>
               </a:ext>
             </a:extLst>
           </p:cNvPr>
@@ -7029,7 +6357,7 @@
           <p:cNvPr id="6" name="灯片编号占位符 5">
             <a:extLst>
               <a:ext uri="{FF2B5EF4-FFF2-40B4-BE49-F238E27FC236}">
-                <a16:creationId xmlns="" xmlns:a16="http://schemas.microsoft.com/office/drawing/2014/main" id="{8FABD320-1397-48D8-8EF5-23EE82EBA13F}"/>
+                <a16:creationId xmlns:a16="http://schemas.microsoft.com/office/drawing/2014/main" xmlns="" id="{8FABD320-1397-48D8-8EF5-23EE82EBA13F}"/>
               </a:ext>
             </a:extLst>
           </p:cNvPr>
@@ -7553,7 +6881,7 @@
           <p:cNvPr id="11" name="图示 10">
             <a:extLst>
               <a:ext uri="{FF2B5EF4-FFF2-40B4-BE49-F238E27FC236}">
-                <a16:creationId xmlns="" xmlns:a16="http://schemas.microsoft.com/office/drawing/2014/main" id="{84D49923-8081-4EDB-A8C2-05F33C6EF609}"/>
+                <a16:creationId xmlns:a16="http://schemas.microsoft.com/office/drawing/2014/main" xmlns="" id="{84D49923-8081-4EDB-A8C2-05F33C6EF609}"/>
               </a:ext>
             </a:extLst>
           </p:cNvPr>
@@ -7581,7 +6909,7 @@
           <p:cNvPr id="12" name="文本框 11">
             <a:extLst>
               <a:ext uri="{FF2B5EF4-FFF2-40B4-BE49-F238E27FC236}">
-                <a16:creationId xmlns="" xmlns:a16="http://schemas.microsoft.com/office/drawing/2014/main" id="{BDF9D34B-D809-4EB0-9DA2-98ED79B2D654}"/>
+                <a16:creationId xmlns:a16="http://schemas.microsoft.com/office/drawing/2014/main" xmlns="" id="{BDF9D34B-D809-4EB0-9DA2-98ED79B2D654}"/>
               </a:ext>
             </a:extLst>
           </p:cNvPr>
@@ -7626,7 +6954,7 @@
           <p:cNvPr id="15" name="文本框 14">
             <a:extLst>
               <a:ext uri="{FF2B5EF4-FFF2-40B4-BE49-F238E27FC236}">
-                <a16:creationId xmlns="" xmlns:a16="http://schemas.microsoft.com/office/drawing/2014/main" id="{34567E3E-1A26-49D4-A920-EB0E7C0FC532}"/>
+                <a16:creationId xmlns:a16="http://schemas.microsoft.com/office/drawing/2014/main" xmlns="" id="{34567E3E-1A26-49D4-A920-EB0E7C0FC532}"/>
               </a:ext>
             </a:extLst>
           </p:cNvPr>
@@ -7678,7 +7006,7 @@
           <p:cNvPr id="102" name="文本框 101">
             <a:extLst>
               <a:ext uri="{FF2B5EF4-FFF2-40B4-BE49-F238E27FC236}">
-                <a16:creationId xmlns="" xmlns:a16="http://schemas.microsoft.com/office/drawing/2014/main" id="{38F0E08F-2AA8-4DAE-A241-05F0D2989813}"/>
+                <a16:creationId xmlns:a16="http://schemas.microsoft.com/office/drawing/2014/main" xmlns="" id="{38F0E08F-2AA8-4DAE-A241-05F0D2989813}"/>
               </a:ext>
             </a:extLst>
           </p:cNvPr>
@@ -7726,7 +7054,7 @@
           <p:cNvPr id="103" name="图片 102">
             <a:extLst>
               <a:ext uri="{FF2B5EF4-FFF2-40B4-BE49-F238E27FC236}">
-                <a16:creationId xmlns="" xmlns:a16="http://schemas.microsoft.com/office/drawing/2014/main" id="{831A65AB-5BAC-4728-9490-9A5A1925A330}"/>
+                <a16:creationId xmlns:a16="http://schemas.microsoft.com/office/drawing/2014/main" xmlns="" id="{831A65AB-5BAC-4728-9490-9A5A1925A330}"/>
               </a:ext>
             </a:extLst>
           </p:cNvPr>
@@ -7756,7 +7084,7 @@
           <p:cNvPr id="104" name="文本框 103">
             <a:extLst>
               <a:ext uri="{FF2B5EF4-FFF2-40B4-BE49-F238E27FC236}">
-                <a16:creationId xmlns="" xmlns:a16="http://schemas.microsoft.com/office/drawing/2014/main" id="{C8BA0A73-8C64-473D-B9B2-BD205D7C62EF}"/>
+                <a16:creationId xmlns:a16="http://schemas.microsoft.com/office/drawing/2014/main" xmlns="" id="{C8BA0A73-8C64-473D-B9B2-BD205D7C62EF}"/>
               </a:ext>
             </a:extLst>
           </p:cNvPr>
@@ -7805,7 +7133,7 @@
           <p:cNvPr id="105" name="文本框 104">
             <a:extLst>
               <a:ext uri="{FF2B5EF4-FFF2-40B4-BE49-F238E27FC236}">
-                <a16:creationId xmlns="" xmlns:a16="http://schemas.microsoft.com/office/drawing/2014/main" id="{3A1AE597-42B4-476D-BBED-ECED4E635A9B}"/>
+                <a16:creationId xmlns:a16="http://schemas.microsoft.com/office/drawing/2014/main" xmlns="" id="{3A1AE597-42B4-476D-BBED-ECED4E635A9B}"/>
               </a:ext>
             </a:extLst>
           </p:cNvPr>
@@ -7881,7 +7209,7 @@
           <p:cNvPr id="107" name="文本框 106">
             <a:extLst>
               <a:ext uri="{FF2B5EF4-FFF2-40B4-BE49-F238E27FC236}">
-                <a16:creationId xmlns="" xmlns:a16="http://schemas.microsoft.com/office/drawing/2014/main" id="{05BC91D9-4547-41B8-A09C-0CFCA64E3BB7}"/>
+                <a16:creationId xmlns:a16="http://schemas.microsoft.com/office/drawing/2014/main" xmlns="" id="{05BC91D9-4547-41B8-A09C-0CFCA64E3BB7}"/>
               </a:ext>
             </a:extLst>
           </p:cNvPr>
@@ -7929,7 +7257,7 @@
           <p:cNvPr id="108" name="图片 107">
             <a:extLst>
               <a:ext uri="{FF2B5EF4-FFF2-40B4-BE49-F238E27FC236}">
-                <a16:creationId xmlns="" xmlns:a16="http://schemas.microsoft.com/office/drawing/2014/main" id="{2FE7C702-462D-45A9-B117-87C246ABD768}"/>
+                <a16:creationId xmlns:a16="http://schemas.microsoft.com/office/drawing/2014/main" xmlns="" id="{2FE7C702-462D-45A9-B117-87C246ABD768}"/>
               </a:ext>
             </a:extLst>
           </p:cNvPr>
@@ -7959,7 +7287,7 @@
           <p:cNvPr id="198" name="图片 197">
             <a:extLst>
               <a:ext uri="{FF2B5EF4-FFF2-40B4-BE49-F238E27FC236}">
-                <a16:creationId xmlns="" xmlns:a16="http://schemas.microsoft.com/office/drawing/2014/main" id="{E884607F-59BF-4770-A511-42F7ACBB04F3}"/>
+                <a16:creationId xmlns:a16="http://schemas.microsoft.com/office/drawing/2014/main" xmlns="" id="{E884607F-59BF-4770-A511-42F7ACBB04F3}"/>
               </a:ext>
             </a:extLst>
           </p:cNvPr>
@@ -7989,7 +7317,7 @@
           <p:cNvPr id="199" name="文本框 198">
             <a:extLst>
               <a:ext uri="{FF2B5EF4-FFF2-40B4-BE49-F238E27FC236}">
-                <a16:creationId xmlns="" xmlns:a16="http://schemas.microsoft.com/office/drawing/2014/main" id="{FA619E4D-0942-4B82-AE59-2BB96B5C83BB}"/>
+                <a16:creationId xmlns:a16="http://schemas.microsoft.com/office/drawing/2014/main" xmlns="" id="{FA619E4D-0942-4B82-AE59-2BB96B5C83BB}"/>
               </a:ext>
             </a:extLst>
           </p:cNvPr>
@@ -8040,7 +7368,7 @@
           <p:cNvPr id="200" name="文本框 199">
             <a:extLst>
               <a:ext uri="{FF2B5EF4-FFF2-40B4-BE49-F238E27FC236}">
-                <a16:creationId xmlns="" xmlns:a16="http://schemas.microsoft.com/office/drawing/2014/main" id="{3E91EE5C-4CA5-47B8-8553-77CC314CEC21}"/>
+                <a16:creationId xmlns:a16="http://schemas.microsoft.com/office/drawing/2014/main" xmlns="" id="{3E91EE5C-4CA5-47B8-8553-77CC314CEC21}"/>
               </a:ext>
             </a:extLst>
           </p:cNvPr>
@@ -8119,7 +7447,7 @@
           <p:cNvPr id="201" name="文本框 200">
             <a:extLst>
               <a:ext uri="{FF2B5EF4-FFF2-40B4-BE49-F238E27FC236}">
-                <a16:creationId xmlns="" xmlns:a16="http://schemas.microsoft.com/office/drawing/2014/main" id="{4E94A1A1-5739-4278-A239-E03F7944BF63}"/>
+                <a16:creationId xmlns:a16="http://schemas.microsoft.com/office/drawing/2014/main" xmlns="" id="{4E94A1A1-5739-4278-A239-E03F7944BF63}"/>
               </a:ext>
             </a:extLst>
           </p:cNvPr>
@@ -8189,7 +7517,7 @@
           <p:cNvPr id="203" name="文本框 202">
             <a:extLst>
               <a:ext uri="{FF2B5EF4-FFF2-40B4-BE49-F238E27FC236}">
-                <a16:creationId xmlns="" xmlns:a16="http://schemas.microsoft.com/office/drawing/2014/main" id="{E701167A-20FE-4936-BB5A-444FFB6ED3CF}"/>
+                <a16:creationId xmlns:a16="http://schemas.microsoft.com/office/drawing/2014/main" xmlns="" id="{E701167A-20FE-4936-BB5A-444FFB6ED3CF}"/>
               </a:ext>
             </a:extLst>
           </p:cNvPr>
@@ -8317,7 +7645,7 @@
           <p:cNvPr id="15" name="文本框 14">
             <a:extLst>
               <a:ext uri="{FF2B5EF4-FFF2-40B4-BE49-F238E27FC236}">
-                <a16:creationId xmlns="" xmlns:a16="http://schemas.microsoft.com/office/drawing/2014/main" id="{34567E3E-1A26-49D4-A920-EB0E7C0FC532}"/>
+                <a16:creationId xmlns:a16="http://schemas.microsoft.com/office/drawing/2014/main" xmlns="" id="{34567E3E-1A26-49D4-A920-EB0E7C0FC532}"/>
               </a:ext>
             </a:extLst>
           </p:cNvPr>
@@ -8355,7 +7683,7 @@
           <p:cNvPr id="2" name="文本框 1">
             <a:extLst>
               <a:ext uri="{FF2B5EF4-FFF2-40B4-BE49-F238E27FC236}">
-                <a16:creationId xmlns="" xmlns:a16="http://schemas.microsoft.com/office/drawing/2014/main" id="{448175C1-C1DE-41F0-899F-443B701B4EAA}"/>
+                <a16:creationId xmlns:a16="http://schemas.microsoft.com/office/drawing/2014/main" xmlns="" id="{448175C1-C1DE-41F0-899F-443B701B4EAA}"/>
               </a:ext>
             </a:extLst>
           </p:cNvPr>
@@ -8445,7 +7773,7 @@
           <p:cNvPr id="17" name="文本框 16">
             <a:extLst>
               <a:ext uri="{FF2B5EF4-FFF2-40B4-BE49-F238E27FC236}">
-                <a16:creationId xmlns="" xmlns:a16="http://schemas.microsoft.com/office/drawing/2014/main" id="{A226E4C2-507B-49F6-B035-4E03605D9FE3}"/>
+                <a16:creationId xmlns:a16="http://schemas.microsoft.com/office/drawing/2014/main" xmlns="" id="{A226E4C2-507B-49F6-B035-4E03605D9FE3}"/>
               </a:ext>
             </a:extLst>
           </p:cNvPr>
@@ -8535,7 +7863,7 @@
           <p:cNvPr id="18" name="文本框 17">
             <a:extLst>
               <a:ext uri="{FF2B5EF4-FFF2-40B4-BE49-F238E27FC236}">
-                <a16:creationId xmlns="" xmlns:a16="http://schemas.microsoft.com/office/drawing/2014/main" id="{4CC8D11E-BAE4-47F8-A94F-B7F108D69E61}"/>
+                <a16:creationId xmlns:a16="http://schemas.microsoft.com/office/drawing/2014/main" xmlns="" id="{4CC8D11E-BAE4-47F8-A94F-B7F108D69E61}"/>
               </a:ext>
             </a:extLst>
           </p:cNvPr>
@@ -8632,7 +7960,7 @@
           <p:cNvPr id="3" name="箭头: 下 2">
             <a:extLst>
               <a:ext uri="{FF2B5EF4-FFF2-40B4-BE49-F238E27FC236}">
-                <a16:creationId xmlns="" xmlns:a16="http://schemas.microsoft.com/office/drawing/2014/main" id="{1BDBD5C4-CEB5-4994-A546-2EA0FCD82921}"/>
+                <a16:creationId xmlns:a16="http://schemas.microsoft.com/office/drawing/2014/main" xmlns="" id="{1BDBD5C4-CEB5-4994-A546-2EA0FCD82921}"/>
               </a:ext>
             </a:extLst>
           </p:cNvPr>
@@ -8681,7 +8009,7 @@
           <p:cNvPr id="20" name="箭头: 下 19">
             <a:extLst>
               <a:ext uri="{FF2B5EF4-FFF2-40B4-BE49-F238E27FC236}">
-                <a16:creationId xmlns="" xmlns:a16="http://schemas.microsoft.com/office/drawing/2014/main" id="{23A3D05F-96FC-4CB1-A8FC-EFAD9F87C5AB}"/>
+                <a16:creationId xmlns:a16="http://schemas.microsoft.com/office/drawing/2014/main" xmlns="" id="{23A3D05F-96FC-4CB1-A8FC-EFAD9F87C5AB}"/>
               </a:ext>
             </a:extLst>
           </p:cNvPr>
@@ -8730,7 +8058,7 @@
           <p:cNvPr id="21" name="文本框 20">
             <a:extLst>
               <a:ext uri="{FF2B5EF4-FFF2-40B4-BE49-F238E27FC236}">
-                <a16:creationId xmlns="" xmlns:a16="http://schemas.microsoft.com/office/drawing/2014/main" id="{B90CC40A-23EE-411A-B255-0CEE48056427}"/>
+                <a16:creationId xmlns:a16="http://schemas.microsoft.com/office/drawing/2014/main" xmlns="" id="{B90CC40A-23EE-411A-B255-0CEE48056427}"/>
               </a:ext>
             </a:extLst>
           </p:cNvPr>
@@ -8789,7 +8117,7 @@
           <p:cNvPr id="22" name="箭头: 下 21">
             <a:extLst>
               <a:ext uri="{FF2B5EF4-FFF2-40B4-BE49-F238E27FC236}">
-                <a16:creationId xmlns="" xmlns:a16="http://schemas.microsoft.com/office/drawing/2014/main" id="{B560FFB5-06C6-4BB8-A580-3D157C40C349}"/>
+                <a16:creationId xmlns:a16="http://schemas.microsoft.com/office/drawing/2014/main" xmlns="" id="{B560FFB5-06C6-4BB8-A580-3D157C40C349}"/>
               </a:ext>
             </a:extLst>
           </p:cNvPr>
@@ -8838,7 +8166,7 @@
           <p:cNvPr id="23" name="文本框 22">
             <a:extLst>
               <a:ext uri="{FF2B5EF4-FFF2-40B4-BE49-F238E27FC236}">
-                <a16:creationId xmlns="" xmlns:a16="http://schemas.microsoft.com/office/drawing/2014/main" id="{F6784A20-CC41-41F6-B39B-9AC3B1B40BD9}"/>
+                <a16:creationId xmlns:a16="http://schemas.microsoft.com/office/drawing/2014/main" xmlns="" id="{F6784A20-CC41-41F6-B39B-9AC3B1B40BD9}"/>
               </a:ext>
             </a:extLst>
           </p:cNvPr>
@@ -8909,7 +8237,7 @@
           <p:cNvPr id="4" name="箭头: 右 3">
             <a:extLst>
               <a:ext uri="{FF2B5EF4-FFF2-40B4-BE49-F238E27FC236}">
-                <a16:creationId xmlns="" xmlns:a16="http://schemas.microsoft.com/office/drawing/2014/main" id="{34D7256F-53DE-4554-B5AC-07E143FF8418}"/>
+                <a16:creationId xmlns:a16="http://schemas.microsoft.com/office/drawing/2014/main" xmlns="" id="{34D7256F-53DE-4554-B5AC-07E143FF8418}"/>
               </a:ext>
             </a:extLst>
           </p:cNvPr>
@@ -8958,7 +8286,7 @@
           <p:cNvPr id="25" name="箭头: 右 24">
             <a:extLst>
               <a:ext uri="{FF2B5EF4-FFF2-40B4-BE49-F238E27FC236}">
-                <a16:creationId xmlns="" xmlns:a16="http://schemas.microsoft.com/office/drawing/2014/main" id="{564CB9DE-1AD0-43C3-BC1D-CC21B8495D39}"/>
+                <a16:creationId xmlns:a16="http://schemas.microsoft.com/office/drawing/2014/main" xmlns="" id="{564CB9DE-1AD0-43C3-BC1D-CC21B8495D39}"/>
               </a:ext>
             </a:extLst>
           </p:cNvPr>
@@ -9007,7 +8335,7 @@
           <p:cNvPr id="5" name="文本框 4">
             <a:extLst>
               <a:ext uri="{FF2B5EF4-FFF2-40B4-BE49-F238E27FC236}">
-                <a16:creationId xmlns="" xmlns:a16="http://schemas.microsoft.com/office/drawing/2014/main" id="{C5A2DDBA-C4C1-417B-8F2A-CDCBACB4D3E1}"/>
+                <a16:creationId xmlns:a16="http://schemas.microsoft.com/office/drawing/2014/main" xmlns="" id="{C5A2DDBA-C4C1-417B-8F2A-CDCBACB4D3E1}"/>
               </a:ext>
             </a:extLst>
           </p:cNvPr>
@@ -9042,7 +8370,7 @@
           <p:cNvPr id="27" name="文本框 26">
             <a:extLst>
               <a:ext uri="{FF2B5EF4-FFF2-40B4-BE49-F238E27FC236}">
-                <a16:creationId xmlns="" xmlns:a16="http://schemas.microsoft.com/office/drawing/2014/main" id="{FC34CEA1-871A-468C-8AD1-E165D16E57CC}"/>
+                <a16:creationId xmlns:a16="http://schemas.microsoft.com/office/drawing/2014/main" xmlns="" id="{FC34CEA1-871A-468C-8AD1-E165D16E57CC}"/>
               </a:ext>
             </a:extLst>
           </p:cNvPr>
@@ -9089,7 +8417,7 @@
           <p:cNvPr id="28" name="文本框 27">
             <a:extLst>
               <a:ext uri="{FF2B5EF4-FFF2-40B4-BE49-F238E27FC236}">
-                <a16:creationId xmlns="" xmlns:a16="http://schemas.microsoft.com/office/drawing/2014/main" id="{D5A422F8-50FA-4FF1-9C72-88101A524BD7}"/>
+                <a16:creationId xmlns:a16="http://schemas.microsoft.com/office/drawing/2014/main" xmlns="" id="{D5A422F8-50FA-4FF1-9C72-88101A524BD7}"/>
               </a:ext>
             </a:extLst>
           </p:cNvPr>
@@ -9154,7 +8482,7 @@
           <p:cNvPr id="15" name="文本框 14">
             <a:extLst>
               <a:ext uri="{FF2B5EF4-FFF2-40B4-BE49-F238E27FC236}">
-                <a16:creationId xmlns="" xmlns:a16="http://schemas.microsoft.com/office/drawing/2014/main" id="{34567E3E-1A26-49D4-A920-EB0E7C0FC532}"/>
+                <a16:creationId xmlns:a16="http://schemas.microsoft.com/office/drawing/2014/main" xmlns="" id="{34567E3E-1A26-49D4-A920-EB0E7C0FC532}"/>
               </a:ext>
             </a:extLst>
           </p:cNvPr>
@@ -9199,7 +8527,7 @@
           <p:cNvPr id="6" name="椭圆 5">
             <a:extLst>
               <a:ext uri="{FF2B5EF4-FFF2-40B4-BE49-F238E27FC236}">
-                <a16:creationId xmlns="" xmlns:a16="http://schemas.microsoft.com/office/drawing/2014/main" id="{4B2C8E33-56D6-4201-B560-0934D5A18AD9}"/>
+                <a16:creationId xmlns:a16="http://schemas.microsoft.com/office/drawing/2014/main" xmlns="" id="{4B2C8E33-56D6-4201-B560-0934D5A18AD9}"/>
               </a:ext>
             </a:extLst>
           </p:cNvPr>
@@ -9258,7 +8586,7 @@
           <p:cNvPr id="26" name="椭圆 25">
             <a:extLst>
               <a:ext uri="{FF2B5EF4-FFF2-40B4-BE49-F238E27FC236}">
-                <a16:creationId xmlns="" xmlns:a16="http://schemas.microsoft.com/office/drawing/2014/main" id="{D76D86A5-431F-455D-B722-BEEC739487EA}"/>
+                <a16:creationId xmlns:a16="http://schemas.microsoft.com/office/drawing/2014/main" xmlns="" id="{D76D86A5-431F-455D-B722-BEEC739487EA}"/>
               </a:ext>
             </a:extLst>
           </p:cNvPr>
@@ -9328,7 +8656,7 @@
           <p:cNvPr id="29" name="椭圆 28">
             <a:extLst>
               <a:ext uri="{FF2B5EF4-FFF2-40B4-BE49-F238E27FC236}">
-                <a16:creationId xmlns="" xmlns:a16="http://schemas.microsoft.com/office/drawing/2014/main" id="{1C9B6A78-FDC1-4E8C-887F-6BB291F96F6A}"/>
+                <a16:creationId xmlns:a16="http://schemas.microsoft.com/office/drawing/2014/main" xmlns="" id="{1C9B6A78-FDC1-4E8C-887F-6BB291F96F6A}"/>
               </a:ext>
             </a:extLst>
           </p:cNvPr>
@@ -9396,7 +8724,7 @@
           <p:cNvPr id="8" name="直接箭头连接符 7">
             <a:extLst>
               <a:ext uri="{FF2B5EF4-FFF2-40B4-BE49-F238E27FC236}">
-                <a16:creationId xmlns="" xmlns:a16="http://schemas.microsoft.com/office/drawing/2014/main" id="{45C62F92-2736-48CB-8AA5-AD5777CD174D}"/>
+                <a16:creationId xmlns:a16="http://schemas.microsoft.com/office/drawing/2014/main" xmlns="" id="{45C62F92-2736-48CB-8AA5-AD5777CD174D}"/>
               </a:ext>
             </a:extLst>
           </p:cNvPr>
@@ -9439,7 +8767,7 @@
           <p:cNvPr id="30" name="直接箭头连接符 29">
             <a:extLst>
               <a:ext uri="{FF2B5EF4-FFF2-40B4-BE49-F238E27FC236}">
-                <a16:creationId xmlns="" xmlns:a16="http://schemas.microsoft.com/office/drawing/2014/main" id="{B85477DA-0AD9-41A4-9978-4F25DD1207D5}"/>
+                <a16:creationId xmlns:a16="http://schemas.microsoft.com/office/drawing/2014/main" xmlns="" id="{B85477DA-0AD9-41A4-9978-4F25DD1207D5}"/>
               </a:ext>
             </a:extLst>
           </p:cNvPr>
@@ -9482,7 +8810,7 @@
           <p:cNvPr id="35" name="文本框 34">
             <a:extLst>
               <a:ext uri="{FF2B5EF4-FFF2-40B4-BE49-F238E27FC236}">
-                <a16:creationId xmlns="" xmlns:a16="http://schemas.microsoft.com/office/drawing/2014/main" id="{D24DBE3B-D1D7-4267-944F-2606464AC6F1}"/>
+                <a16:creationId xmlns:a16="http://schemas.microsoft.com/office/drawing/2014/main" xmlns="" id="{D24DBE3B-D1D7-4267-944F-2606464AC6F1}"/>
               </a:ext>
             </a:extLst>
           </p:cNvPr>
@@ -9524,7 +8852,7 @@
           <p:cNvPr id="36" name="文本框 35">
             <a:extLst>
               <a:ext uri="{FF2B5EF4-FFF2-40B4-BE49-F238E27FC236}">
-                <a16:creationId xmlns="" xmlns:a16="http://schemas.microsoft.com/office/drawing/2014/main" id="{DDA4AB98-DA52-464A-B22A-0CE1AE1651FF}"/>
+                <a16:creationId xmlns:a16="http://schemas.microsoft.com/office/drawing/2014/main" xmlns="" id="{DDA4AB98-DA52-464A-B22A-0CE1AE1651FF}"/>
               </a:ext>
             </a:extLst>
           </p:cNvPr>
@@ -9566,7 +8894,7 @@
           <p:cNvPr id="37" name="直接箭头连接符 36">
             <a:extLst>
               <a:ext uri="{FF2B5EF4-FFF2-40B4-BE49-F238E27FC236}">
-                <a16:creationId xmlns="" xmlns:a16="http://schemas.microsoft.com/office/drawing/2014/main" id="{38C1F792-9AD1-49EE-9BCA-E5AF89A8538E}"/>
+                <a16:creationId xmlns:a16="http://schemas.microsoft.com/office/drawing/2014/main" xmlns="" id="{38C1F792-9AD1-49EE-9BCA-E5AF89A8538E}"/>
               </a:ext>
             </a:extLst>
           </p:cNvPr>
@@ -9608,7 +8936,7 @@
           <p:cNvPr id="42" name="文本框 41">
             <a:extLst>
               <a:ext uri="{FF2B5EF4-FFF2-40B4-BE49-F238E27FC236}">
-                <a16:creationId xmlns="" xmlns:a16="http://schemas.microsoft.com/office/drawing/2014/main" id="{C86E9AEE-98A2-420B-A5B7-1AF4F9929694}"/>
+                <a16:creationId xmlns:a16="http://schemas.microsoft.com/office/drawing/2014/main" xmlns="" id="{C86E9AEE-98A2-420B-A5B7-1AF4F9929694}"/>
               </a:ext>
             </a:extLst>
           </p:cNvPr>
@@ -9676,7 +9004,7 @@
           <p:cNvPr id="45" name="矩形 44">
             <a:extLst>
               <a:ext uri="{FF2B5EF4-FFF2-40B4-BE49-F238E27FC236}">
-                <a16:creationId xmlns="" xmlns:a16="http://schemas.microsoft.com/office/drawing/2014/main" id="{5633A548-AE9B-4778-BB99-7007561DF1A7}"/>
+                <a16:creationId xmlns:a16="http://schemas.microsoft.com/office/drawing/2014/main" xmlns="" id="{5633A548-AE9B-4778-BB99-7007561DF1A7}"/>
               </a:ext>
             </a:extLst>
           </p:cNvPr>
@@ -9745,7 +9073,7 @@
           <p:cNvPr id="46" name="矩形 45">
             <a:extLst>
               <a:ext uri="{FF2B5EF4-FFF2-40B4-BE49-F238E27FC236}">
-                <a16:creationId xmlns="" xmlns:a16="http://schemas.microsoft.com/office/drawing/2014/main" id="{76EBC637-BF99-49E5-B8AF-AB651E53FB5D}"/>
+                <a16:creationId xmlns:a16="http://schemas.microsoft.com/office/drawing/2014/main" xmlns="" id="{76EBC637-BF99-49E5-B8AF-AB651E53FB5D}"/>
               </a:ext>
             </a:extLst>
           </p:cNvPr>
@@ -9814,7 +9142,7 @@
           <p:cNvPr id="47" name="矩形 46">
             <a:extLst>
               <a:ext uri="{FF2B5EF4-FFF2-40B4-BE49-F238E27FC236}">
-                <a16:creationId xmlns="" xmlns:a16="http://schemas.microsoft.com/office/drawing/2014/main" id="{497B8A3D-1F5E-49C0-BB59-819E136DF524}"/>
+                <a16:creationId xmlns:a16="http://schemas.microsoft.com/office/drawing/2014/main" xmlns="" id="{497B8A3D-1F5E-49C0-BB59-819E136DF524}"/>
               </a:ext>
             </a:extLst>
           </p:cNvPr>
@@ -9969,7 +9297,7 @@
           <p:cNvPr id="15" name="文本框 14">
             <a:extLst>
               <a:ext uri="{FF2B5EF4-FFF2-40B4-BE49-F238E27FC236}">
-                <a16:creationId xmlns="" xmlns:a16="http://schemas.microsoft.com/office/drawing/2014/main" id="{34567E3E-1A26-49D4-A920-EB0E7C0FC532}"/>
+                <a16:creationId xmlns:a16="http://schemas.microsoft.com/office/drawing/2014/main" xmlns="" id="{34567E3E-1A26-49D4-A920-EB0E7C0FC532}"/>
               </a:ext>
             </a:extLst>
           </p:cNvPr>
@@ -10042,7 +9370,7 @@
           <p:cNvPr id="6" name="椭圆 5">
             <a:extLst>
               <a:ext uri="{FF2B5EF4-FFF2-40B4-BE49-F238E27FC236}">
-                <a16:creationId xmlns="" xmlns:a16="http://schemas.microsoft.com/office/drawing/2014/main" id="{4B2C8E33-56D6-4201-B560-0934D5A18AD9}"/>
+                <a16:creationId xmlns:a16="http://schemas.microsoft.com/office/drawing/2014/main" xmlns="" id="{4B2C8E33-56D6-4201-B560-0934D5A18AD9}"/>
               </a:ext>
             </a:extLst>
           </p:cNvPr>
@@ -10101,7 +9429,7 @@
           <p:cNvPr id="26" name="椭圆 25">
             <a:extLst>
               <a:ext uri="{FF2B5EF4-FFF2-40B4-BE49-F238E27FC236}">
-                <a16:creationId xmlns="" xmlns:a16="http://schemas.microsoft.com/office/drawing/2014/main" id="{D76D86A5-431F-455D-B722-BEEC739487EA}"/>
+                <a16:creationId xmlns:a16="http://schemas.microsoft.com/office/drawing/2014/main" xmlns="" id="{D76D86A5-431F-455D-B722-BEEC739487EA}"/>
               </a:ext>
             </a:extLst>
           </p:cNvPr>
@@ -10171,7 +9499,7 @@
           <p:cNvPr id="29" name="椭圆 28">
             <a:extLst>
               <a:ext uri="{FF2B5EF4-FFF2-40B4-BE49-F238E27FC236}">
-                <a16:creationId xmlns="" xmlns:a16="http://schemas.microsoft.com/office/drawing/2014/main" id="{1C9B6A78-FDC1-4E8C-887F-6BB291F96F6A}"/>
+                <a16:creationId xmlns:a16="http://schemas.microsoft.com/office/drawing/2014/main" xmlns="" id="{1C9B6A78-FDC1-4E8C-887F-6BB291F96F6A}"/>
               </a:ext>
             </a:extLst>
           </p:cNvPr>
@@ -10239,7 +9567,7 @@
           <p:cNvPr id="8" name="直接箭头连接符 7">
             <a:extLst>
               <a:ext uri="{FF2B5EF4-FFF2-40B4-BE49-F238E27FC236}">
-                <a16:creationId xmlns="" xmlns:a16="http://schemas.microsoft.com/office/drawing/2014/main" id="{45C62F92-2736-48CB-8AA5-AD5777CD174D}"/>
+                <a16:creationId xmlns:a16="http://schemas.microsoft.com/office/drawing/2014/main" xmlns="" id="{45C62F92-2736-48CB-8AA5-AD5777CD174D}"/>
               </a:ext>
             </a:extLst>
           </p:cNvPr>
@@ -10282,7 +9610,7 @@
           <p:cNvPr id="30" name="直接箭头连接符 29">
             <a:extLst>
               <a:ext uri="{FF2B5EF4-FFF2-40B4-BE49-F238E27FC236}">
-                <a16:creationId xmlns="" xmlns:a16="http://schemas.microsoft.com/office/drawing/2014/main" id="{B85477DA-0AD9-41A4-9978-4F25DD1207D5}"/>
+                <a16:creationId xmlns:a16="http://schemas.microsoft.com/office/drawing/2014/main" xmlns="" id="{B85477DA-0AD9-41A4-9978-4F25DD1207D5}"/>
               </a:ext>
             </a:extLst>
           </p:cNvPr>
@@ -10325,7 +9653,7 @@
           <p:cNvPr id="35" name="文本框 34">
             <a:extLst>
               <a:ext uri="{FF2B5EF4-FFF2-40B4-BE49-F238E27FC236}">
-                <a16:creationId xmlns="" xmlns:a16="http://schemas.microsoft.com/office/drawing/2014/main" id="{D24DBE3B-D1D7-4267-944F-2606464AC6F1}"/>
+                <a16:creationId xmlns:a16="http://schemas.microsoft.com/office/drawing/2014/main" xmlns="" id="{D24DBE3B-D1D7-4267-944F-2606464AC6F1}"/>
               </a:ext>
             </a:extLst>
           </p:cNvPr>
@@ -10367,7 +9695,7 @@
           <p:cNvPr id="36" name="文本框 35">
             <a:extLst>
               <a:ext uri="{FF2B5EF4-FFF2-40B4-BE49-F238E27FC236}">
-                <a16:creationId xmlns="" xmlns:a16="http://schemas.microsoft.com/office/drawing/2014/main" id="{DDA4AB98-DA52-464A-B22A-0CE1AE1651FF}"/>
+                <a16:creationId xmlns:a16="http://schemas.microsoft.com/office/drawing/2014/main" xmlns="" id="{DDA4AB98-DA52-464A-B22A-0CE1AE1651FF}"/>
               </a:ext>
             </a:extLst>
           </p:cNvPr>
@@ -10409,7 +9737,7 @@
           <p:cNvPr id="37" name="直接箭头连接符 36">
             <a:extLst>
               <a:ext uri="{FF2B5EF4-FFF2-40B4-BE49-F238E27FC236}">
-                <a16:creationId xmlns="" xmlns:a16="http://schemas.microsoft.com/office/drawing/2014/main" id="{38C1F792-9AD1-49EE-9BCA-E5AF89A8538E}"/>
+                <a16:creationId xmlns:a16="http://schemas.microsoft.com/office/drawing/2014/main" xmlns="" id="{38C1F792-9AD1-49EE-9BCA-E5AF89A8538E}"/>
               </a:ext>
             </a:extLst>
           </p:cNvPr>
@@ -10452,7 +9780,7 @@
           <p:cNvPr id="42" name="文本框 41">
             <a:extLst>
               <a:ext uri="{FF2B5EF4-FFF2-40B4-BE49-F238E27FC236}">
-                <a16:creationId xmlns="" xmlns:a16="http://schemas.microsoft.com/office/drawing/2014/main" id="{C86E9AEE-98A2-420B-A5B7-1AF4F9929694}"/>
+                <a16:creationId xmlns:a16="http://schemas.microsoft.com/office/drawing/2014/main" xmlns="" id="{C86E9AEE-98A2-420B-A5B7-1AF4F9929694}"/>
               </a:ext>
             </a:extLst>
           </p:cNvPr>
@@ -10508,7 +9836,7 @@
           <p:cNvPr id="45" name="矩形 44">
             <a:extLst>
               <a:ext uri="{FF2B5EF4-FFF2-40B4-BE49-F238E27FC236}">
-                <a16:creationId xmlns="" xmlns:a16="http://schemas.microsoft.com/office/drawing/2014/main" id="{5633A548-AE9B-4778-BB99-7007561DF1A7}"/>
+                <a16:creationId xmlns:a16="http://schemas.microsoft.com/office/drawing/2014/main" xmlns="" id="{5633A548-AE9B-4778-BB99-7007561DF1A7}"/>
               </a:ext>
             </a:extLst>
           </p:cNvPr>
@@ -10577,7 +9905,7 @@
           <p:cNvPr id="46" name="矩形 45">
             <a:extLst>
               <a:ext uri="{FF2B5EF4-FFF2-40B4-BE49-F238E27FC236}">
-                <a16:creationId xmlns="" xmlns:a16="http://schemas.microsoft.com/office/drawing/2014/main" id="{76EBC637-BF99-49E5-B8AF-AB651E53FB5D}"/>
+                <a16:creationId xmlns:a16="http://schemas.microsoft.com/office/drawing/2014/main" xmlns="" id="{76EBC637-BF99-49E5-B8AF-AB651E53FB5D}"/>
               </a:ext>
             </a:extLst>
           </p:cNvPr>
@@ -10646,7 +9974,7 @@
           <p:cNvPr id="17" name="椭圆 16">
             <a:extLst>
               <a:ext uri="{FF2B5EF4-FFF2-40B4-BE49-F238E27FC236}">
-                <a16:creationId xmlns="" xmlns:a16="http://schemas.microsoft.com/office/drawing/2014/main" id="{1359D5B3-FAF8-4DF1-A299-7D7EB839B71D}"/>
+                <a16:creationId xmlns:a16="http://schemas.microsoft.com/office/drawing/2014/main" xmlns="" id="{1359D5B3-FAF8-4DF1-A299-7D7EB839B71D}"/>
               </a:ext>
             </a:extLst>
           </p:cNvPr>
@@ -10716,7 +10044,7 @@
           <p:cNvPr id="18" name="椭圆 17">
             <a:extLst>
               <a:ext uri="{FF2B5EF4-FFF2-40B4-BE49-F238E27FC236}">
-                <a16:creationId xmlns="" xmlns:a16="http://schemas.microsoft.com/office/drawing/2014/main" id="{F6279AA0-5F02-444A-9812-831598F6F9AB}"/>
+                <a16:creationId xmlns:a16="http://schemas.microsoft.com/office/drawing/2014/main" xmlns="" id="{F6279AA0-5F02-444A-9812-831598F6F9AB}"/>
               </a:ext>
             </a:extLst>
           </p:cNvPr>
@@ -10784,7 +10112,7 @@
           <p:cNvPr id="20" name="直接箭头连接符 19">
             <a:extLst>
               <a:ext uri="{FF2B5EF4-FFF2-40B4-BE49-F238E27FC236}">
-                <a16:creationId xmlns="" xmlns:a16="http://schemas.microsoft.com/office/drawing/2014/main" id="{BAD032B5-8F88-41BA-849B-303E829A1F5E}"/>
+                <a16:creationId xmlns:a16="http://schemas.microsoft.com/office/drawing/2014/main" xmlns="" id="{BAD032B5-8F88-41BA-849B-303E829A1F5E}"/>
               </a:ext>
             </a:extLst>
           </p:cNvPr>
@@ -10827,7 +10155,7 @@
           <p:cNvPr id="27" name="文本框 26">
             <a:extLst>
               <a:ext uri="{FF2B5EF4-FFF2-40B4-BE49-F238E27FC236}">
-                <a16:creationId xmlns="" xmlns:a16="http://schemas.microsoft.com/office/drawing/2014/main" id="{3DA6E0E1-F944-41F5-BBE7-BB3D7643620D}"/>
+                <a16:creationId xmlns:a16="http://schemas.microsoft.com/office/drawing/2014/main" xmlns="" id="{3DA6E0E1-F944-41F5-BBE7-BB3D7643620D}"/>
               </a:ext>
             </a:extLst>
           </p:cNvPr>
@@ -10895,7 +10223,7 @@
           <p:cNvPr id="28" name="直接箭头连接符 27">
             <a:extLst>
               <a:ext uri="{FF2B5EF4-FFF2-40B4-BE49-F238E27FC236}">
-                <a16:creationId xmlns="" xmlns:a16="http://schemas.microsoft.com/office/drawing/2014/main" id="{2D1E6E72-5E1A-4E09-BEB3-4ECD58AB6381}"/>
+                <a16:creationId xmlns:a16="http://schemas.microsoft.com/office/drawing/2014/main" xmlns="" id="{2D1E6E72-5E1A-4E09-BEB3-4ECD58AB6381}"/>
               </a:ext>
             </a:extLst>
           </p:cNvPr>
@@ -10937,7 +10265,7 @@
           <p:cNvPr id="31" name="文本框 30">
             <a:extLst>
               <a:ext uri="{FF2B5EF4-FFF2-40B4-BE49-F238E27FC236}">
-                <a16:creationId xmlns="" xmlns:a16="http://schemas.microsoft.com/office/drawing/2014/main" id="{FBD0200F-D23D-4C7B-99FA-B594FD03A457}"/>
+                <a16:creationId xmlns:a16="http://schemas.microsoft.com/office/drawing/2014/main" xmlns="" id="{FBD0200F-D23D-4C7B-99FA-B594FD03A457}"/>
               </a:ext>
             </a:extLst>
           </p:cNvPr>
@@ -10979,7 +10307,7 @@
           <p:cNvPr id="33" name="文本框 32">
             <a:extLst>
               <a:ext uri="{FF2B5EF4-FFF2-40B4-BE49-F238E27FC236}">
-                <a16:creationId xmlns="" xmlns:a16="http://schemas.microsoft.com/office/drawing/2014/main" id="{50212CB7-4566-46A3-B34D-F63BC5733F71}"/>
+                <a16:creationId xmlns:a16="http://schemas.microsoft.com/office/drawing/2014/main" xmlns="" id="{50212CB7-4566-46A3-B34D-F63BC5733F71}"/>
               </a:ext>
             </a:extLst>
           </p:cNvPr>
@@ -11064,7 +10392,7 @@
           <p:cNvPr id="38" name="文本框 37">
             <a:extLst>
               <a:ext uri="{FF2B5EF4-FFF2-40B4-BE49-F238E27FC236}">
-                <a16:creationId xmlns="" xmlns:a16="http://schemas.microsoft.com/office/drawing/2014/main" id="{D28D6FFC-6CF0-4ADB-9F68-81C40851F057}"/>
+                <a16:creationId xmlns:a16="http://schemas.microsoft.com/office/drawing/2014/main" xmlns="" id="{D28D6FFC-6CF0-4ADB-9F68-81C40851F057}"/>
               </a:ext>
             </a:extLst>
           </p:cNvPr>
@@ -11198,7 +10526,7 @@
           <p:cNvPr id="39" name="矩形 38">
             <a:extLst>
               <a:ext uri="{FF2B5EF4-FFF2-40B4-BE49-F238E27FC236}">
-                <a16:creationId xmlns="" xmlns:a16="http://schemas.microsoft.com/office/drawing/2014/main" id="{612023BD-D0F7-4479-B7C7-3BAD1838AA4C}"/>
+                <a16:creationId xmlns:a16="http://schemas.microsoft.com/office/drawing/2014/main" xmlns="" id="{612023BD-D0F7-4479-B7C7-3BAD1838AA4C}"/>
               </a:ext>
             </a:extLst>
           </p:cNvPr>
@@ -11375,7 +10703,7 @@
           <p:cNvPr id="15" name="文本框 14">
             <a:extLst>
               <a:ext uri="{FF2B5EF4-FFF2-40B4-BE49-F238E27FC236}">
-                <a16:creationId xmlns="" xmlns:a16="http://schemas.microsoft.com/office/drawing/2014/main" id="{34567E3E-1A26-49D4-A920-EB0E7C0FC532}"/>
+                <a16:creationId xmlns:a16="http://schemas.microsoft.com/office/drawing/2014/main" xmlns="" id="{34567E3E-1A26-49D4-A920-EB0E7C0FC532}"/>
               </a:ext>
             </a:extLst>
           </p:cNvPr>
@@ -11486,7 +10814,7 @@
           <p:cNvPr id="2" name="文本框 1">
             <a:extLst>
               <a:ext uri="{FF2B5EF4-FFF2-40B4-BE49-F238E27FC236}">
-                <a16:creationId xmlns="" xmlns:a16="http://schemas.microsoft.com/office/drawing/2014/main" id="{E4F86F29-0F18-4D11-91A0-47B23C3433C4}"/>
+                <a16:creationId xmlns:a16="http://schemas.microsoft.com/office/drawing/2014/main" xmlns="" id="{E4F86F29-0F18-4D11-91A0-47B23C3433C4}"/>
               </a:ext>
             </a:extLst>
           </p:cNvPr>
@@ -11547,7 +10875,7 @@
               <p:cNvPr id="24" name="文本框 23">
                 <a:extLst>
                   <a:ext uri="{FF2B5EF4-FFF2-40B4-BE49-F238E27FC236}">
-                    <a16:creationId xmlns="" xmlns:a16="http://schemas.microsoft.com/office/drawing/2014/main" id="{4DC70B15-2607-4E16-9986-C2DE899EF3A9}"/>
+                    <a16:creationId xmlns:a16="http://schemas.microsoft.com/office/drawing/2014/main" xmlns="" id="{4DC70B15-2607-4E16-9986-C2DE899EF3A9}"/>
                   </a:ext>
                 </a:extLst>
               </p:cNvPr>
@@ -11909,7 +11237,7 @@
           <p:cNvPr id="25" name="文本框 24">
             <a:extLst>
               <a:ext uri="{FF2B5EF4-FFF2-40B4-BE49-F238E27FC236}">
-                <a16:creationId xmlns="" xmlns:a16="http://schemas.microsoft.com/office/drawing/2014/main" id="{7682298F-D26D-4E59-8734-57F6DBFE3C7D}"/>
+                <a16:creationId xmlns:a16="http://schemas.microsoft.com/office/drawing/2014/main" xmlns="" id="{7682298F-D26D-4E59-8734-57F6DBFE3C7D}"/>
               </a:ext>
             </a:extLst>
           </p:cNvPr>
@@ -12020,7 +11348,7 @@
           <p:cNvPr id="3" name="矩形 2">
             <a:extLst>
               <a:ext uri="{FF2B5EF4-FFF2-40B4-BE49-F238E27FC236}">
-                <a16:creationId xmlns="" xmlns:a16="http://schemas.microsoft.com/office/drawing/2014/main" id="{0E567DBE-E995-44A4-8A31-87DF4D74249A}"/>
+                <a16:creationId xmlns:a16="http://schemas.microsoft.com/office/drawing/2014/main" xmlns="" id="{0E567DBE-E995-44A4-8A31-87DF4D74249A}"/>
               </a:ext>
             </a:extLst>
           </p:cNvPr>
@@ -12108,7 +11436,7 @@
           <p:cNvPr id="7" name="文本框 6">
             <a:extLst>
               <a:ext uri="{FF2B5EF4-FFF2-40B4-BE49-F238E27FC236}">
-                <a16:creationId xmlns="" xmlns:a16="http://schemas.microsoft.com/office/drawing/2014/main" id="{E91F25E4-22B2-41FC-8AA9-A7AD59513B08}"/>
+                <a16:creationId xmlns:a16="http://schemas.microsoft.com/office/drawing/2014/main" xmlns="" id="{E91F25E4-22B2-41FC-8AA9-A7AD59513B08}"/>
               </a:ext>
             </a:extLst>
           </p:cNvPr>
@@ -12163,7 +11491,7 @@
           <p:cNvPr id="8" name="椭圆 7">
             <a:extLst>
               <a:ext uri="{FF2B5EF4-FFF2-40B4-BE49-F238E27FC236}">
-                <a16:creationId xmlns="" xmlns:a16="http://schemas.microsoft.com/office/drawing/2014/main" id="{3F40977F-01A7-4C2B-A5AF-5AF830C41F88}"/>
+                <a16:creationId xmlns:a16="http://schemas.microsoft.com/office/drawing/2014/main" xmlns="" id="{3F40977F-01A7-4C2B-A5AF-5AF830C41F88}"/>
               </a:ext>
             </a:extLst>
           </p:cNvPr>
@@ -12222,7 +11550,7 @@
           <p:cNvPr id="9" name="椭圆 8">
             <a:extLst>
               <a:ext uri="{FF2B5EF4-FFF2-40B4-BE49-F238E27FC236}">
-                <a16:creationId xmlns="" xmlns:a16="http://schemas.microsoft.com/office/drawing/2014/main" id="{A28B8B30-9F70-4061-9D4D-9E4A972669F0}"/>
+                <a16:creationId xmlns:a16="http://schemas.microsoft.com/office/drawing/2014/main" xmlns="" id="{A28B8B30-9F70-4061-9D4D-9E4A972669F0}"/>
               </a:ext>
             </a:extLst>
           </p:cNvPr>
@@ -12292,7 +11620,7 @@
           <p:cNvPr id="10" name="椭圆 9">
             <a:extLst>
               <a:ext uri="{FF2B5EF4-FFF2-40B4-BE49-F238E27FC236}">
-                <a16:creationId xmlns="" xmlns:a16="http://schemas.microsoft.com/office/drawing/2014/main" id="{E5BDB8A6-FEE2-409D-A870-34D48BE214A9}"/>
+                <a16:creationId xmlns:a16="http://schemas.microsoft.com/office/drawing/2014/main" xmlns="" id="{E5BDB8A6-FEE2-409D-A870-34D48BE214A9}"/>
               </a:ext>
             </a:extLst>
           </p:cNvPr>
@@ -12360,7 +11688,7 @@
           <p:cNvPr id="11" name="直接箭头连接符 10">
             <a:extLst>
               <a:ext uri="{FF2B5EF4-FFF2-40B4-BE49-F238E27FC236}">
-                <a16:creationId xmlns="" xmlns:a16="http://schemas.microsoft.com/office/drawing/2014/main" id="{A4DE27C4-16D8-4C5E-9F5F-95B40DE427BF}"/>
+                <a16:creationId xmlns:a16="http://schemas.microsoft.com/office/drawing/2014/main" xmlns="" id="{A4DE27C4-16D8-4C5E-9F5F-95B40DE427BF}"/>
               </a:ext>
             </a:extLst>
           </p:cNvPr>
@@ -12403,7 +11731,7 @@
           <p:cNvPr id="12" name="直接箭头连接符 11">
             <a:extLst>
               <a:ext uri="{FF2B5EF4-FFF2-40B4-BE49-F238E27FC236}">
-                <a16:creationId xmlns="" xmlns:a16="http://schemas.microsoft.com/office/drawing/2014/main" id="{11F767BB-2166-4C65-A961-E6C36768953A}"/>
+                <a16:creationId xmlns:a16="http://schemas.microsoft.com/office/drawing/2014/main" xmlns="" id="{11F767BB-2166-4C65-A961-E6C36768953A}"/>
               </a:ext>
             </a:extLst>
           </p:cNvPr>
@@ -12446,7 +11774,7 @@
           <p:cNvPr id="13" name="文本框 12">
             <a:extLst>
               <a:ext uri="{FF2B5EF4-FFF2-40B4-BE49-F238E27FC236}">
-                <a16:creationId xmlns="" xmlns:a16="http://schemas.microsoft.com/office/drawing/2014/main" id="{70E16A3D-7774-4264-A33C-BBDAADDA2C8F}"/>
+                <a16:creationId xmlns:a16="http://schemas.microsoft.com/office/drawing/2014/main" xmlns="" id="{70E16A3D-7774-4264-A33C-BBDAADDA2C8F}"/>
               </a:ext>
             </a:extLst>
           </p:cNvPr>
@@ -12488,7 +11816,7 @@
           <p:cNvPr id="14" name="文本框 13">
             <a:extLst>
               <a:ext uri="{FF2B5EF4-FFF2-40B4-BE49-F238E27FC236}">
-                <a16:creationId xmlns="" xmlns:a16="http://schemas.microsoft.com/office/drawing/2014/main" id="{7E5298FD-F8CB-4573-89CD-2B5955FBA1B3}"/>
+                <a16:creationId xmlns:a16="http://schemas.microsoft.com/office/drawing/2014/main" xmlns="" id="{7E5298FD-F8CB-4573-89CD-2B5955FBA1B3}"/>
               </a:ext>
             </a:extLst>
           </p:cNvPr>
@@ -12530,7 +11858,7 @@
           <p:cNvPr id="16" name="直接箭头连接符 15">
             <a:extLst>
               <a:ext uri="{FF2B5EF4-FFF2-40B4-BE49-F238E27FC236}">
-                <a16:creationId xmlns="" xmlns:a16="http://schemas.microsoft.com/office/drawing/2014/main" id="{65A8EEF6-2A17-4BAA-8924-C700993A4627}"/>
+                <a16:creationId xmlns:a16="http://schemas.microsoft.com/office/drawing/2014/main" xmlns="" id="{65A8EEF6-2A17-4BAA-8924-C700993A4627}"/>
               </a:ext>
             </a:extLst>
           </p:cNvPr>
@@ -12573,7 +11901,7 @@
           <p:cNvPr id="17" name="文本框 16">
             <a:extLst>
               <a:ext uri="{FF2B5EF4-FFF2-40B4-BE49-F238E27FC236}">
-                <a16:creationId xmlns="" xmlns:a16="http://schemas.microsoft.com/office/drawing/2014/main" id="{BF470FE0-A29F-4C21-AE88-CD8F064E4F5F}"/>
+                <a16:creationId xmlns:a16="http://schemas.microsoft.com/office/drawing/2014/main" xmlns="" id="{BF470FE0-A29F-4C21-AE88-CD8F064E4F5F}"/>
               </a:ext>
             </a:extLst>
           </p:cNvPr>
@@ -12629,7 +11957,7 @@
           <p:cNvPr id="18" name="矩形 17">
             <a:extLst>
               <a:ext uri="{FF2B5EF4-FFF2-40B4-BE49-F238E27FC236}">
-                <a16:creationId xmlns="" xmlns:a16="http://schemas.microsoft.com/office/drawing/2014/main" id="{2C2318DF-ED9E-445C-992F-478C23CC425B}"/>
+                <a16:creationId xmlns:a16="http://schemas.microsoft.com/office/drawing/2014/main" xmlns="" id="{2C2318DF-ED9E-445C-992F-478C23CC425B}"/>
               </a:ext>
             </a:extLst>
           </p:cNvPr>
@@ -12698,7 +12026,7 @@
           <p:cNvPr id="19" name="矩形 18">
             <a:extLst>
               <a:ext uri="{FF2B5EF4-FFF2-40B4-BE49-F238E27FC236}">
-                <a16:creationId xmlns="" xmlns:a16="http://schemas.microsoft.com/office/drawing/2014/main" id="{EDEA15B1-0FE6-40E4-974D-A9338C745326}"/>
+                <a16:creationId xmlns:a16="http://schemas.microsoft.com/office/drawing/2014/main" xmlns="" id="{EDEA15B1-0FE6-40E4-974D-A9338C745326}"/>
               </a:ext>
             </a:extLst>
           </p:cNvPr>
@@ -12767,7 +12095,7 @@
           <p:cNvPr id="20" name="椭圆 19">
             <a:extLst>
               <a:ext uri="{FF2B5EF4-FFF2-40B4-BE49-F238E27FC236}">
-                <a16:creationId xmlns="" xmlns:a16="http://schemas.microsoft.com/office/drawing/2014/main" id="{1374C813-D91C-44AB-9C4E-CD9E68A247DA}"/>
+                <a16:creationId xmlns:a16="http://schemas.microsoft.com/office/drawing/2014/main" xmlns="" id="{1374C813-D91C-44AB-9C4E-CD9E68A247DA}"/>
               </a:ext>
             </a:extLst>
           </p:cNvPr>
@@ -12837,7 +12165,7 @@
           <p:cNvPr id="21" name="椭圆 20">
             <a:extLst>
               <a:ext uri="{FF2B5EF4-FFF2-40B4-BE49-F238E27FC236}">
-                <a16:creationId xmlns="" xmlns:a16="http://schemas.microsoft.com/office/drawing/2014/main" id="{E903162B-BB59-4A19-8E16-636EB6438C97}"/>
+                <a16:creationId xmlns:a16="http://schemas.microsoft.com/office/drawing/2014/main" xmlns="" id="{E903162B-BB59-4A19-8E16-636EB6438C97}"/>
               </a:ext>
             </a:extLst>
           </p:cNvPr>
@@ -12905,7 +12233,7 @@
           <p:cNvPr id="22" name="直接箭头连接符 21">
             <a:extLst>
               <a:ext uri="{FF2B5EF4-FFF2-40B4-BE49-F238E27FC236}">
-                <a16:creationId xmlns="" xmlns:a16="http://schemas.microsoft.com/office/drawing/2014/main" id="{36937FE7-9E24-46A2-9C66-8E46DDF83EEF}"/>
+                <a16:creationId xmlns:a16="http://schemas.microsoft.com/office/drawing/2014/main" xmlns="" id="{36937FE7-9E24-46A2-9C66-8E46DDF83EEF}"/>
               </a:ext>
             </a:extLst>
           </p:cNvPr>
@@ -12948,7 +12276,7 @@
           <p:cNvPr id="23" name="文本框 22">
             <a:extLst>
               <a:ext uri="{FF2B5EF4-FFF2-40B4-BE49-F238E27FC236}">
-                <a16:creationId xmlns="" xmlns:a16="http://schemas.microsoft.com/office/drawing/2014/main" id="{5D51FEE3-6780-488F-BB18-7689D4D199F9}"/>
+                <a16:creationId xmlns:a16="http://schemas.microsoft.com/office/drawing/2014/main" xmlns="" id="{5D51FEE3-6780-488F-BB18-7689D4D199F9}"/>
               </a:ext>
             </a:extLst>
           </p:cNvPr>
@@ -13004,7 +12332,7 @@
           <p:cNvPr id="26" name="直接箭头连接符 25">
             <a:extLst>
               <a:ext uri="{FF2B5EF4-FFF2-40B4-BE49-F238E27FC236}">
-                <a16:creationId xmlns="" xmlns:a16="http://schemas.microsoft.com/office/drawing/2014/main" id="{D5CF051E-665F-4888-AEF1-79C794100FBB}"/>
+                <a16:creationId xmlns:a16="http://schemas.microsoft.com/office/drawing/2014/main" xmlns="" id="{D5CF051E-665F-4888-AEF1-79C794100FBB}"/>
               </a:ext>
             </a:extLst>
           </p:cNvPr>
@@ -13046,7 +12374,7 @@
           <p:cNvPr id="27" name="文本框 26">
             <a:extLst>
               <a:ext uri="{FF2B5EF4-FFF2-40B4-BE49-F238E27FC236}">
-                <a16:creationId xmlns="" xmlns:a16="http://schemas.microsoft.com/office/drawing/2014/main" id="{F2C8640A-610C-4317-92D5-F9A5644BBB2E}"/>
+                <a16:creationId xmlns:a16="http://schemas.microsoft.com/office/drawing/2014/main" xmlns="" id="{F2C8640A-610C-4317-92D5-F9A5644BBB2E}"/>
               </a:ext>
             </a:extLst>
           </p:cNvPr>
@@ -13088,7 +12416,7 @@
           <p:cNvPr id="28" name="文本框 27">
             <a:extLst>
               <a:ext uri="{FF2B5EF4-FFF2-40B4-BE49-F238E27FC236}">
-                <a16:creationId xmlns="" xmlns:a16="http://schemas.microsoft.com/office/drawing/2014/main" id="{D39482E6-D64E-4103-8A8C-C45DB106CB7E}"/>
+                <a16:creationId xmlns:a16="http://schemas.microsoft.com/office/drawing/2014/main" xmlns="" id="{D39482E6-D64E-4103-8A8C-C45DB106CB7E}"/>
               </a:ext>
             </a:extLst>
           </p:cNvPr>
@@ -13171,7 +12499,7 @@
           <p:cNvPr id="29" name="矩形 28">
             <a:extLst>
               <a:ext uri="{FF2B5EF4-FFF2-40B4-BE49-F238E27FC236}">
-                <a16:creationId xmlns="" xmlns:a16="http://schemas.microsoft.com/office/drawing/2014/main" id="{EA638147-8373-4139-86D6-BB47B13510F3}"/>
+                <a16:creationId xmlns:a16="http://schemas.microsoft.com/office/drawing/2014/main" xmlns="" id="{EA638147-8373-4139-86D6-BB47B13510F3}"/>
               </a:ext>
             </a:extLst>
           </p:cNvPr>
@@ -13240,7 +12568,7 @@
           <p:cNvPr id="30" name="直接箭头连接符 29">
             <a:extLst>
               <a:ext uri="{FF2B5EF4-FFF2-40B4-BE49-F238E27FC236}">
-                <a16:creationId xmlns="" xmlns:a16="http://schemas.microsoft.com/office/drawing/2014/main" id="{069C74C0-F531-4D01-A4F2-2328152D9C16}"/>
+                <a16:creationId xmlns:a16="http://schemas.microsoft.com/office/drawing/2014/main" xmlns="" id="{069C74C0-F531-4D01-A4F2-2328152D9C16}"/>
               </a:ext>
             </a:extLst>
           </p:cNvPr>
@@ -13281,7 +12609,7 @@
           <p:cNvPr id="31" name="文本框 30">
             <a:extLst>
               <a:ext uri="{FF2B5EF4-FFF2-40B4-BE49-F238E27FC236}">
-                <a16:creationId xmlns="" xmlns:a16="http://schemas.microsoft.com/office/drawing/2014/main" id="{ED9BEF5A-51C7-41B1-90CD-B561BFAC057C}"/>
+                <a16:creationId xmlns:a16="http://schemas.microsoft.com/office/drawing/2014/main" xmlns="" id="{ED9BEF5A-51C7-41B1-90CD-B561BFAC057C}"/>
               </a:ext>
             </a:extLst>
           </p:cNvPr>
@@ -13329,7 +12657,7 @@
           <p:cNvPr id="32" name="文本框 31">
             <a:extLst>
               <a:ext uri="{FF2B5EF4-FFF2-40B4-BE49-F238E27FC236}">
-                <a16:creationId xmlns="" xmlns:a16="http://schemas.microsoft.com/office/drawing/2014/main" id="{66D2E270-7FC7-46C4-83E8-346EA3EF6F84}"/>
+                <a16:creationId xmlns:a16="http://schemas.microsoft.com/office/drawing/2014/main" xmlns="" id="{66D2E270-7FC7-46C4-83E8-346EA3EF6F84}"/>
               </a:ext>
             </a:extLst>
           </p:cNvPr>
@@ -13377,7 +12705,7 @@
           <p:cNvPr id="33" name="文本框 32">
             <a:extLst>
               <a:ext uri="{FF2B5EF4-FFF2-40B4-BE49-F238E27FC236}">
-                <a16:creationId xmlns="" xmlns:a16="http://schemas.microsoft.com/office/drawing/2014/main" id="{70D29BAE-E69E-4D15-B5CD-C2EB30EC0B90}"/>
+                <a16:creationId xmlns:a16="http://schemas.microsoft.com/office/drawing/2014/main" xmlns="" id="{70D29BAE-E69E-4D15-B5CD-C2EB30EC0B90}"/>
               </a:ext>
             </a:extLst>
           </p:cNvPr>
@@ -13425,7 +12753,7 @@
           <p:cNvPr id="34" name="直接箭头连接符 33">
             <a:extLst>
               <a:ext uri="{FF2B5EF4-FFF2-40B4-BE49-F238E27FC236}">
-                <a16:creationId xmlns="" xmlns:a16="http://schemas.microsoft.com/office/drawing/2014/main" id="{F770AC23-A05B-4C1D-B45A-273268153932}"/>
+                <a16:creationId xmlns:a16="http://schemas.microsoft.com/office/drawing/2014/main" xmlns="" id="{F770AC23-A05B-4C1D-B45A-273268153932}"/>
               </a:ext>
             </a:extLst>
           </p:cNvPr>
@@ -13466,7 +12794,7 @@
           <p:cNvPr id="37" name="直接箭头连接符 36">
             <a:extLst>
               <a:ext uri="{FF2B5EF4-FFF2-40B4-BE49-F238E27FC236}">
-                <a16:creationId xmlns="" xmlns:a16="http://schemas.microsoft.com/office/drawing/2014/main" id="{5AA40016-2B24-4D7E-A881-16544995D2C5}"/>
+                <a16:creationId xmlns:a16="http://schemas.microsoft.com/office/drawing/2014/main" xmlns="" id="{5AA40016-2B24-4D7E-A881-16544995D2C5}"/>
               </a:ext>
             </a:extLst>
           </p:cNvPr>
@@ -13509,7 +12837,7 @@
               <p:cNvPr id="40" name="文本框 39">
                 <a:extLst>
                   <a:ext uri="{FF2B5EF4-FFF2-40B4-BE49-F238E27FC236}">
-                    <a16:creationId xmlns="" xmlns:a16="http://schemas.microsoft.com/office/drawing/2014/main" id="{E2C91D0E-964D-4B50-A030-126A6AB78378}"/>
+                    <a16:creationId xmlns:a16="http://schemas.microsoft.com/office/drawing/2014/main" xmlns="" id="{E2C91D0E-964D-4B50-A030-126A6AB78378}"/>
                   </a:ext>
                 </a:extLst>
               </p:cNvPr>
@@ -13720,7 +13048,7 @@
           <p:cNvPr id="41" name="箭头: 右 40">
             <a:extLst>
               <a:ext uri="{FF2B5EF4-FFF2-40B4-BE49-F238E27FC236}">
-                <a16:creationId xmlns="" xmlns:a16="http://schemas.microsoft.com/office/drawing/2014/main" id="{6DF5C69B-9110-4067-A120-EC3CE1E17F9F}"/>
+                <a16:creationId xmlns:a16="http://schemas.microsoft.com/office/drawing/2014/main" xmlns="" id="{6DF5C69B-9110-4067-A120-EC3CE1E17F9F}"/>
               </a:ext>
             </a:extLst>
           </p:cNvPr>
@@ -13879,11 +13207,40 @@
             <p:ph type="ctrTitle"/>
           </p:nvPr>
         </p:nvSpPr>
-        <p:spPr/>
-        <p:txBody>
-          <a:bodyPr/>
+        <p:spPr>
+          <a:xfrm>
+            <a:off x="1612287" y="88144"/>
+            <a:ext cx="8856016" cy="2387600"/>
+          </a:xfrm>
+        </p:spPr>
+        <p:txBody>
+          <a:bodyPr>
+            <a:normAutofit fontScale="90000"/>
+          </a:bodyPr>
           <a:lstStyle/>
           <a:p>
+            <a:r>
+              <a:rPr lang="en-US" altLang="zh-CN" dirty="0" err="1" smtClean="0"/>
+              <a:t>ai</a:t>
+            </a:r>
+            <a:r>
+              <a:rPr lang="zh-CN" altLang="en-US" dirty="0" smtClean="0"/>
+              <a:t>基础</a:t>
+            </a:r>
+            <a:r>
+              <a:rPr lang="en-US" altLang="zh-CN" dirty="0" smtClean="0"/>
+              <a:t/>
+            </a:r>
+            <a:br>
+              <a:rPr lang="en-US" altLang="zh-CN" dirty="0" smtClean="0"/>
+            </a:br>
+            <a:r>
+              <a:rPr lang="en-US" altLang="zh-CN" dirty="0" smtClean="0"/>
+              <a:t>&amp;</a:t>
+            </a:r>
+            <a:br>
+              <a:rPr lang="en-US" altLang="zh-CN" dirty="0" smtClean="0"/>
+            </a:br>
             <a:r>
               <a:rPr lang="en-US" altLang="zh-CN" dirty="0" smtClean="0"/>
               <a:t>Transformer</a:t>
@@ -13896,30 +13253,211 @@
           </a:p>
         </p:txBody>
       </p:sp>
-      <p:sp>
-        <p:nvSpPr>
-          <p:cNvPr id="4" name="副标题 3"/>
-          <p:cNvSpPr>
-            <a:spLocks noGrp="1"/>
+      <p:pic>
+        <p:nvPicPr>
+          <p:cNvPr id="3" name="图片 2"/>
+          <p:cNvPicPr>
+            <a:picLocks noChangeAspect="1"/>
+          </p:cNvPicPr>
+          <p:nvPr/>
+        </p:nvPicPr>
+        <p:blipFill>
+          <a:blip r:embed="rId2" cstate="print">
+            <a:extLst>
+              <a:ext uri="{28A0092B-C50C-407E-A947-70E740481C1C}">
+                <a14:useLocalDpi xmlns:a14="http://schemas.microsoft.com/office/drawing/2010/main" val="0"/>
+              </a:ext>
+            </a:extLst>
+          </a:blip>
+          <a:stretch>
+            <a:fillRect/>
+          </a:stretch>
+        </p:blipFill>
+        <p:spPr>
+          <a:xfrm>
+            <a:off x="3095795" y="3279227"/>
+            <a:ext cx="2676364" cy="3332830"/>
+          </a:xfrm>
+          <a:prstGeom prst="rect">
+            <a:avLst/>
+          </a:prstGeom>
+        </p:spPr>
+      </p:pic>
+      <p:sp>
+        <p:nvSpPr>
+          <p:cNvPr id="6" name="标题 1"/>
+          <p:cNvSpPr txBox="1">
+            <a:spLocks/>
           </p:cNvSpPr>
-          <p:nvPr>
-            <p:ph type="subTitle" idx="1"/>
-          </p:nvPr>
-        </p:nvSpPr>
-        <p:spPr/>
-        <p:txBody>
-          <a:bodyPr/>
+          <p:nvPr/>
+        </p:nvSpPr>
+        <p:spPr>
+          <a:xfrm>
+            <a:off x="7279340" y="3538689"/>
+            <a:ext cx="6253779" cy="1954017"/>
+          </a:xfrm>
+          <a:prstGeom prst="rect">
+            <a:avLst/>
+          </a:prstGeom>
+        </p:spPr>
+        <p:txBody>
+          <a:bodyPr vert="horz" lIns="91440" tIns="45720" rIns="91440" bIns="45720" rtlCol="0" anchor="b">
+            <a:normAutofit fontScale="97500"/>
+          </a:bodyPr>
+          <a:lstStyle>
+            <a:lvl1pPr algn="ctr" defTabSz="914400" rtl="0" eaLnBrk="1" latinLnBrk="0" hangingPunct="1">
+              <a:lnSpc>
+                <a:spcPct val="90000"/>
+              </a:lnSpc>
+              <a:spcBef>
+                <a:spcPct val="0"/>
+              </a:spcBef>
+              <a:buNone/>
+              <a:defRPr sz="6000" kern="1200">
+                <a:solidFill>
+                  <a:schemeClr val="tx1"/>
+                </a:solidFill>
+                <a:latin typeface="+mj-lt"/>
+                <a:ea typeface="+mj-ea"/>
+                <a:cs typeface="+mj-cs"/>
+              </a:defRPr>
+            </a:lvl1pPr>
+          </a:lstStyle>
+          <a:p>
+            <a:pPr algn="l"/>
+            <a:r>
+              <a:rPr lang="zh-CN" altLang="en-US" sz="2000" b="1" dirty="0">
+                <a:solidFill>
+                  <a:srgbClr val="00B0F0"/>
+                </a:solidFill>
+              </a:rPr>
+              <a:t>在</a:t>
+            </a:r>
+            <a:r>
+              <a:rPr lang="zh-CN" altLang="en-US" sz="2000" b="1" dirty="0" smtClean="0">
+                <a:solidFill>
+                  <a:srgbClr val="00B0F0"/>
+                </a:solidFill>
+              </a:rPr>
+              <a:t>这里你可以学会：</a:t>
+            </a:r>
+            <a:endParaRPr lang="en-US" altLang="zh-CN" sz="2000" b="1" dirty="0" smtClean="0">
+              <a:solidFill>
+                <a:srgbClr val="00B0F0"/>
+              </a:solidFill>
+            </a:endParaRPr>
+          </a:p>
+          <a:p>
+            <a:pPr algn="l"/>
+            <a:r>
+              <a:rPr lang="en-US" altLang="zh-CN" sz="2000" dirty="0" smtClean="0"/>
+              <a:t>1</a:t>
+            </a:r>
+            <a:r>
+              <a:rPr lang="zh-CN" altLang="en-US" sz="2000" dirty="0" smtClean="0"/>
+              <a:t>，</a:t>
+            </a:r>
+            <a:r>
+              <a:rPr lang="en-US" altLang="zh-CN" sz="2000" dirty="0" smtClean="0"/>
+              <a:t>AI</a:t>
+            </a:r>
+            <a:r>
+              <a:rPr lang="zh-CN" altLang="en-US" sz="2000" dirty="0" smtClean="0"/>
+              <a:t>基础原理</a:t>
+            </a:r>
+            <a:endParaRPr lang="en-US" altLang="zh-CN" sz="2000" dirty="0" smtClean="0"/>
+          </a:p>
+          <a:p>
+            <a:pPr algn="l"/>
+            <a:r>
+              <a:rPr lang="en-US" altLang="zh-CN" sz="2000" dirty="0" smtClean="0"/>
+              <a:t>2</a:t>
+            </a:r>
+            <a:r>
+              <a:rPr lang="zh-CN" altLang="en-US" sz="2000" dirty="0" smtClean="0"/>
+              <a:t>，</a:t>
+            </a:r>
+            <a:r>
+              <a:rPr lang="en-US" altLang="zh-CN" sz="2000" dirty="0" err="1" smtClean="0"/>
+              <a:t>Pytorch</a:t>
+            </a:r>
+            <a:r>
+              <a:rPr lang="zh-CN" altLang="en-US" sz="2000" dirty="0" smtClean="0"/>
+              <a:t>框架</a:t>
+            </a:r>
+            <a:endParaRPr lang="en-US" altLang="zh-CN" sz="2000" dirty="0" smtClean="0"/>
+          </a:p>
+          <a:p>
+            <a:pPr algn="l"/>
+            <a:r>
+              <a:rPr lang="en-US" altLang="zh-CN" sz="2000" dirty="0" smtClean="0"/>
+              <a:t>3</a:t>
+            </a:r>
+            <a:r>
+              <a:rPr lang="zh-CN" altLang="en-US" sz="2000" dirty="0" smtClean="0"/>
+              <a:t>，</a:t>
+            </a:r>
+            <a:r>
+              <a:rPr lang="en-US" altLang="zh-CN" sz="2000" dirty="0" smtClean="0"/>
+              <a:t>transformer</a:t>
+            </a:r>
+            <a:r>
+              <a:rPr lang="zh-CN" altLang="en-US" sz="2000" dirty="0" smtClean="0"/>
+              <a:t>模型原理实现</a:t>
+            </a:r>
+            <a:endParaRPr lang="en-US" altLang="zh-CN" sz="2000" dirty="0" smtClean="0"/>
+          </a:p>
+          <a:p>
+            <a:pPr algn="l"/>
+            <a:r>
+              <a:rPr lang="en-US" altLang="zh-CN" sz="2000" dirty="0" smtClean="0"/>
+              <a:t>4</a:t>
+            </a:r>
+            <a:r>
+              <a:rPr lang="zh-CN" altLang="en-US" sz="2000" dirty="0" smtClean="0"/>
+              <a:t>，了解近期的新鲜玩意</a:t>
+            </a:r>
+            <a:endParaRPr lang="zh-CN" altLang="en-US" sz="2000" dirty="0"/>
+          </a:p>
+        </p:txBody>
+      </p:sp>
+      <p:sp>
+        <p:nvSpPr>
+          <p:cNvPr id="7" name="右箭头 6"/>
+          <p:cNvSpPr/>
+          <p:nvPr/>
+        </p:nvSpPr>
+        <p:spPr>
+          <a:xfrm rot="10800000">
+            <a:off x="6040295" y="4414345"/>
+            <a:ext cx="808246" cy="668458"/>
+          </a:xfrm>
+          <a:prstGeom prst="rightArrow">
+            <a:avLst/>
+          </a:prstGeom>
+        </p:spPr>
+        <p:style>
+          <a:lnRef idx="2">
+            <a:schemeClr val="accent1">
+              <a:shade val="50000"/>
+            </a:schemeClr>
+          </a:lnRef>
+          <a:fillRef idx="1">
+            <a:schemeClr val="accent1"/>
+          </a:fillRef>
+          <a:effectRef idx="0">
+            <a:schemeClr val="accent1"/>
+          </a:effectRef>
+          <a:fontRef idx="minor">
+            <a:schemeClr val="lt1"/>
+          </a:fontRef>
+        </p:style>
+        <p:txBody>
+          <a:bodyPr rtlCol="0" anchor="ctr"/>
           <a:lstStyle/>
           <a:p>
-            <a:r>
-              <a:rPr lang="zh-CN" altLang="en-US" dirty="0" smtClean="0"/>
-              <a:t>联系微信：</a:t>
-            </a:r>
-            <a:r>
-              <a:rPr lang="en-US" altLang="zh-CN" dirty="0" smtClean="0"/>
-              <a:t>owenliang1990</a:t>
-            </a:r>
-            <a:endParaRPr lang="zh-CN" altLang="en-US" dirty="0"/>
+            <a:pPr algn="ctr"/>
+            <a:endParaRPr lang="zh-CN" altLang="en-US"/>
           </a:p>
         </p:txBody>
       </p:sp>

--- a/ref/AI是如何学习的.pptx
+++ b/ref/AI是如何学习的.pptx
@@ -5,7 +5,7 @@
     <p:sldMasterId id="2147483648" r:id="rId1"/>
   </p:sldMasterIdLst>
   <p:notesMasterIdLst>
-    <p:notesMasterId r:id="rId10"/>
+    <p:notesMasterId r:id="rId11"/>
   </p:notesMasterIdLst>
   <p:sldIdLst>
     <p:sldId id="262" r:id="rId2"/>
@@ -15,7 +15,8 @@
     <p:sldId id="259" r:id="rId6"/>
     <p:sldId id="260" r:id="rId7"/>
     <p:sldId id="261" r:id="rId8"/>
-    <p:sldId id="263" r:id="rId9"/>
+    <p:sldId id="264" r:id="rId9"/>
+    <p:sldId id="263" r:id="rId10"/>
   </p:sldIdLst>
   <p:sldSz cx="12192000" cy="6858000"/>
   <p:notesSz cx="6858000" cy="9144000"/>
@@ -1469,6 +1470,678 @@
       <dsp:cNvGrpSpPr/>
     </dsp:nvGrpSpPr>
     <dsp:grpSpPr/>
+    <dsp:sp modelId="{477A2058-E72E-4D5F-B059-8F53B2CB5799}">
+      <dsp:nvSpPr>
+        <dsp:cNvPr id="0" name=""/>
+        <dsp:cNvSpPr/>
+      </dsp:nvSpPr>
+      <dsp:spPr>
+        <a:xfrm>
+          <a:off x="5127" y="219109"/>
+          <a:ext cx="1589502" cy="953701"/>
+        </a:xfrm>
+        <a:prstGeom prst="roundRect">
+          <a:avLst>
+            <a:gd name="adj" fmla="val 10000"/>
+          </a:avLst>
+        </a:prstGeom>
+        <a:solidFill>
+          <a:schemeClr val="accent2">
+            <a:hueOff val="0"/>
+            <a:satOff val="0"/>
+            <a:lumOff val="0"/>
+            <a:alphaOff val="0"/>
+          </a:schemeClr>
+        </a:solidFill>
+        <a:ln w="12700" cap="flat" cmpd="sng" algn="ctr">
+          <a:solidFill>
+            <a:schemeClr val="lt1">
+              <a:hueOff val="0"/>
+              <a:satOff val="0"/>
+              <a:lumOff val="0"/>
+              <a:alphaOff val="0"/>
+            </a:schemeClr>
+          </a:solidFill>
+          <a:prstDash val="solid"/>
+          <a:miter lim="800000"/>
+        </a:ln>
+        <a:effectLst/>
+      </dsp:spPr>
+      <dsp:style>
+        <a:lnRef idx="2">
+          <a:scrgbClr r="0" g="0" b="0"/>
+        </a:lnRef>
+        <a:fillRef idx="1">
+          <a:scrgbClr r="0" g="0" b="0"/>
+        </a:fillRef>
+        <a:effectRef idx="0">
+          <a:scrgbClr r="0" g="0" b="0"/>
+        </a:effectRef>
+        <a:fontRef idx="minor">
+          <a:schemeClr val="lt1"/>
+        </a:fontRef>
+      </dsp:style>
+      <dsp:txBody>
+        <a:bodyPr spcFirstLastPara="0" vert="horz" wrap="square" lIns="95250" tIns="95250" rIns="95250" bIns="95250" numCol="1" spcCol="1270" anchor="ctr" anchorCtr="0">
+          <a:noAutofit/>
+        </a:bodyPr>
+        <a:lstStyle/>
+        <a:p>
+          <a:pPr lvl="0" algn="ctr" defTabSz="1111250">
+            <a:lnSpc>
+              <a:spcPct val="90000"/>
+            </a:lnSpc>
+            <a:spcBef>
+              <a:spcPct val="0"/>
+            </a:spcBef>
+            <a:spcAft>
+              <a:spcPct val="35000"/>
+            </a:spcAft>
+          </a:pPr>
+          <a:r>
+            <a:rPr lang="en-US" altLang="zh-CN" sz="2500" kern="1200" dirty="0"/>
+            <a:t>dataset</a:t>
+          </a:r>
+          <a:endParaRPr lang="zh-CN" altLang="en-US" sz="2500" kern="1200" dirty="0"/>
+        </a:p>
+      </dsp:txBody>
+      <dsp:txXfrm>
+        <a:off x="33060" y="247042"/>
+        <a:ext cx="1533636" cy="897835"/>
+      </dsp:txXfrm>
+    </dsp:sp>
+    <dsp:sp modelId="{E771F793-FD92-4AB3-B8BE-665A5E50B0C5}">
+      <dsp:nvSpPr>
+        <dsp:cNvPr id="0" name=""/>
+        <dsp:cNvSpPr/>
+      </dsp:nvSpPr>
+      <dsp:spPr>
+        <a:xfrm>
+          <a:off x="1753580" y="498862"/>
+          <a:ext cx="336974" cy="394196"/>
+        </a:xfrm>
+        <a:prstGeom prst="rightArrow">
+          <a:avLst>
+            <a:gd name="adj1" fmla="val 60000"/>
+            <a:gd name="adj2" fmla="val 50000"/>
+          </a:avLst>
+        </a:prstGeom>
+        <a:solidFill>
+          <a:schemeClr val="accent2">
+            <a:hueOff val="0"/>
+            <a:satOff val="0"/>
+            <a:lumOff val="0"/>
+            <a:alphaOff val="0"/>
+          </a:schemeClr>
+        </a:solidFill>
+        <a:ln>
+          <a:noFill/>
+        </a:ln>
+        <a:effectLst/>
+      </dsp:spPr>
+      <dsp:style>
+        <a:lnRef idx="0">
+          <a:scrgbClr r="0" g="0" b="0"/>
+        </a:lnRef>
+        <a:fillRef idx="1">
+          <a:scrgbClr r="0" g="0" b="0"/>
+        </a:fillRef>
+        <a:effectRef idx="0">
+          <a:scrgbClr r="0" g="0" b="0"/>
+        </a:effectRef>
+        <a:fontRef idx="minor">
+          <a:schemeClr val="lt1"/>
+        </a:fontRef>
+      </dsp:style>
+      <dsp:txBody>
+        <a:bodyPr spcFirstLastPara="0" vert="horz" wrap="square" lIns="0" tIns="0" rIns="0" bIns="0" numCol="1" spcCol="1270" anchor="ctr" anchorCtr="0">
+          <a:noAutofit/>
+        </a:bodyPr>
+        <a:lstStyle/>
+        <a:p>
+          <a:pPr lvl="0" algn="ctr" defTabSz="622300">
+            <a:lnSpc>
+              <a:spcPct val="90000"/>
+            </a:lnSpc>
+            <a:spcBef>
+              <a:spcPct val="0"/>
+            </a:spcBef>
+            <a:spcAft>
+              <a:spcPct val="35000"/>
+            </a:spcAft>
+          </a:pPr>
+          <a:endParaRPr lang="zh-CN" altLang="en-US" sz="1400" kern="1200"/>
+        </a:p>
+      </dsp:txBody>
+      <dsp:txXfrm>
+        <a:off x="1753580" y="577701"/>
+        <a:ext cx="235882" cy="236518"/>
+      </dsp:txXfrm>
+    </dsp:sp>
+    <dsp:sp modelId="{4E25BAD6-C71E-4140-AC43-A109262FD322}">
+      <dsp:nvSpPr>
+        <dsp:cNvPr id="0" name=""/>
+        <dsp:cNvSpPr/>
+      </dsp:nvSpPr>
+      <dsp:spPr>
+        <a:xfrm>
+          <a:off x="2230430" y="219109"/>
+          <a:ext cx="1589502" cy="953701"/>
+        </a:xfrm>
+        <a:prstGeom prst="roundRect">
+          <a:avLst>
+            <a:gd name="adj" fmla="val 10000"/>
+          </a:avLst>
+        </a:prstGeom>
+        <a:solidFill>
+          <a:schemeClr val="accent3">
+            <a:hueOff val="0"/>
+            <a:satOff val="0"/>
+            <a:lumOff val="0"/>
+            <a:alphaOff val="0"/>
+          </a:schemeClr>
+        </a:solidFill>
+        <a:ln w="12700" cap="flat" cmpd="sng" algn="ctr">
+          <a:solidFill>
+            <a:schemeClr val="lt1">
+              <a:hueOff val="0"/>
+              <a:satOff val="0"/>
+              <a:lumOff val="0"/>
+              <a:alphaOff val="0"/>
+            </a:schemeClr>
+          </a:solidFill>
+          <a:prstDash val="solid"/>
+          <a:miter lim="800000"/>
+        </a:ln>
+        <a:effectLst/>
+      </dsp:spPr>
+      <dsp:style>
+        <a:lnRef idx="2">
+          <a:scrgbClr r="0" g="0" b="0"/>
+        </a:lnRef>
+        <a:fillRef idx="1">
+          <a:scrgbClr r="0" g="0" b="0"/>
+        </a:fillRef>
+        <a:effectRef idx="0">
+          <a:scrgbClr r="0" g="0" b="0"/>
+        </a:effectRef>
+        <a:fontRef idx="minor">
+          <a:schemeClr val="lt1"/>
+        </a:fontRef>
+      </dsp:style>
+      <dsp:txBody>
+        <a:bodyPr spcFirstLastPara="0" vert="horz" wrap="square" lIns="95250" tIns="95250" rIns="95250" bIns="95250" numCol="1" spcCol="1270" anchor="ctr" anchorCtr="0">
+          <a:noAutofit/>
+        </a:bodyPr>
+        <a:lstStyle/>
+        <a:p>
+          <a:pPr lvl="0" algn="ctr" defTabSz="1111250">
+            <a:lnSpc>
+              <a:spcPct val="90000"/>
+            </a:lnSpc>
+            <a:spcBef>
+              <a:spcPct val="0"/>
+            </a:spcBef>
+            <a:spcAft>
+              <a:spcPct val="35000"/>
+            </a:spcAft>
+          </a:pPr>
+          <a:r>
+            <a:rPr lang="en-US" altLang="zh-CN" sz="2500" kern="1200" dirty="0"/>
+            <a:t>forward</a:t>
+          </a:r>
+          <a:endParaRPr lang="zh-CN" altLang="en-US" sz="2500" kern="1200" dirty="0"/>
+        </a:p>
+      </dsp:txBody>
+      <dsp:txXfrm>
+        <a:off x="2258363" y="247042"/>
+        <a:ext cx="1533636" cy="897835"/>
+      </dsp:txXfrm>
+    </dsp:sp>
+    <dsp:sp modelId="{8A312217-A52F-40DB-86C4-0223A1779896}">
+      <dsp:nvSpPr>
+        <dsp:cNvPr id="0" name=""/>
+        <dsp:cNvSpPr/>
+      </dsp:nvSpPr>
+      <dsp:spPr>
+        <a:xfrm>
+          <a:off x="3978883" y="498862"/>
+          <a:ext cx="336974" cy="394196"/>
+        </a:xfrm>
+        <a:prstGeom prst="rightArrow">
+          <a:avLst>
+            <a:gd name="adj1" fmla="val 60000"/>
+            <a:gd name="adj2" fmla="val 50000"/>
+          </a:avLst>
+        </a:prstGeom>
+        <a:solidFill>
+          <a:schemeClr val="accent3">
+            <a:hueOff val="0"/>
+            <a:satOff val="0"/>
+            <a:lumOff val="0"/>
+            <a:alphaOff val="0"/>
+          </a:schemeClr>
+        </a:solidFill>
+        <a:ln>
+          <a:noFill/>
+        </a:ln>
+        <a:effectLst/>
+      </dsp:spPr>
+      <dsp:style>
+        <a:lnRef idx="0">
+          <a:scrgbClr r="0" g="0" b="0"/>
+        </a:lnRef>
+        <a:fillRef idx="1">
+          <a:scrgbClr r="0" g="0" b="0"/>
+        </a:fillRef>
+        <a:effectRef idx="0">
+          <a:scrgbClr r="0" g="0" b="0"/>
+        </a:effectRef>
+        <a:fontRef idx="minor">
+          <a:schemeClr val="lt1"/>
+        </a:fontRef>
+      </dsp:style>
+      <dsp:txBody>
+        <a:bodyPr spcFirstLastPara="0" vert="horz" wrap="square" lIns="0" tIns="0" rIns="0" bIns="0" numCol="1" spcCol="1270" anchor="ctr" anchorCtr="0">
+          <a:noAutofit/>
+        </a:bodyPr>
+        <a:lstStyle/>
+        <a:p>
+          <a:pPr lvl="0" algn="ctr" defTabSz="622300">
+            <a:lnSpc>
+              <a:spcPct val="90000"/>
+            </a:lnSpc>
+            <a:spcBef>
+              <a:spcPct val="0"/>
+            </a:spcBef>
+            <a:spcAft>
+              <a:spcPct val="35000"/>
+            </a:spcAft>
+          </a:pPr>
+          <a:endParaRPr lang="zh-CN" altLang="en-US" sz="1400" kern="1200"/>
+        </a:p>
+      </dsp:txBody>
+      <dsp:txXfrm>
+        <a:off x="3978883" y="577701"/>
+        <a:ext cx="235882" cy="236518"/>
+      </dsp:txXfrm>
+    </dsp:sp>
+    <dsp:sp modelId="{3108ADEF-CD3C-4898-B327-25BD8BF34CB3}">
+      <dsp:nvSpPr>
+        <dsp:cNvPr id="0" name=""/>
+        <dsp:cNvSpPr/>
+      </dsp:nvSpPr>
+      <dsp:spPr>
+        <a:xfrm>
+          <a:off x="4455734" y="219109"/>
+          <a:ext cx="1589502" cy="953701"/>
+        </a:xfrm>
+        <a:prstGeom prst="roundRect">
+          <a:avLst>
+            <a:gd name="adj" fmla="val 10000"/>
+          </a:avLst>
+        </a:prstGeom>
+        <a:solidFill>
+          <a:schemeClr val="accent4">
+            <a:hueOff val="0"/>
+            <a:satOff val="0"/>
+            <a:lumOff val="0"/>
+            <a:alphaOff val="0"/>
+          </a:schemeClr>
+        </a:solidFill>
+        <a:ln w="12700" cap="flat" cmpd="sng" algn="ctr">
+          <a:solidFill>
+            <a:schemeClr val="lt1">
+              <a:hueOff val="0"/>
+              <a:satOff val="0"/>
+              <a:lumOff val="0"/>
+              <a:alphaOff val="0"/>
+            </a:schemeClr>
+          </a:solidFill>
+          <a:prstDash val="solid"/>
+          <a:miter lim="800000"/>
+        </a:ln>
+        <a:effectLst/>
+      </dsp:spPr>
+      <dsp:style>
+        <a:lnRef idx="2">
+          <a:scrgbClr r="0" g="0" b="0"/>
+        </a:lnRef>
+        <a:fillRef idx="1">
+          <a:scrgbClr r="0" g="0" b="0"/>
+        </a:fillRef>
+        <a:effectRef idx="0">
+          <a:scrgbClr r="0" g="0" b="0"/>
+        </a:effectRef>
+        <a:fontRef idx="minor">
+          <a:schemeClr val="lt1"/>
+        </a:fontRef>
+      </dsp:style>
+      <dsp:txBody>
+        <a:bodyPr spcFirstLastPara="0" vert="horz" wrap="square" lIns="95250" tIns="95250" rIns="95250" bIns="95250" numCol="1" spcCol="1270" anchor="ctr" anchorCtr="0">
+          <a:noAutofit/>
+        </a:bodyPr>
+        <a:lstStyle/>
+        <a:p>
+          <a:pPr lvl="0" algn="ctr" defTabSz="1111250">
+            <a:lnSpc>
+              <a:spcPct val="90000"/>
+            </a:lnSpc>
+            <a:spcBef>
+              <a:spcPct val="0"/>
+            </a:spcBef>
+            <a:spcAft>
+              <a:spcPct val="35000"/>
+            </a:spcAft>
+          </a:pPr>
+          <a:r>
+            <a:rPr lang="en-US" altLang="zh-CN" sz="2500" kern="1200" dirty="0"/>
+            <a:t>loss</a:t>
+          </a:r>
+          <a:endParaRPr lang="zh-CN" altLang="en-US" sz="2500" kern="1200" dirty="0"/>
+        </a:p>
+      </dsp:txBody>
+      <dsp:txXfrm>
+        <a:off x="4483667" y="247042"/>
+        <a:ext cx="1533636" cy="897835"/>
+      </dsp:txXfrm>
+    </dsp:sp>
+    <dsp:sp modelId="{50EC36E0-736A-4CF3-B033-AC1906913E54}">
+      <dsp:nvSpPr>
+        <dsp:cNvPr id="0" name=""/>
+        <dsp:cNvSpPr/>
+      </dsp:nvSpPr>
+      <dsp:spPr>
+        <a:xfrm>
+          <a:off x="6204186" y="498862"/>
+          <a:ext cx="336974" cy="394196"/>
+        </a:xfrm>
+        <a:prstGeom prst="rightArrow">
+          <a:avLst>
+            <a:gd name="adj1" fmla="val 60000"/>
+            <a:gd name="adj2" fmla="val 50000"/>
+          </a:avLst>
+        </a:prstGeom>
+        <a:solidFill>
+          <a:schemeClr val="accent4">
+            <a:hueOff val="0"/>
+            <a:satOff val="0"/>
+            <a:lumOff val="0"/>
+            <a:alphaOff val="0"/>
+          </a:schemeClr>
+        </a:solidFill>
+        <a:ln>
+          <a:noFill/>
+        </a:ln>
+        <a:effectLst/>
+      </dsp:spPr>
+      <dsp:style>
+        <a:lnRef idx="0">
+          <a:scrgbClr r="0" g="0" b="0"/>
+        </a:lnRef>
+        <a:fillRef idx="1">
+          <a:scrgbClr r="0" g="0" b="0"/>
+        </a:fillRef>
+        <a:effectRef idx="0">
+          <a:scrgbClr r="0" g="0" b="0"/>
+        </a:effectRef>
+        <a:fontRef idx="minor">
+          <a:schemeClr val="lt1"/>
+        </a:fontRef>
+      </dsp:style>
+      <dsp:txBody>
+        <a:bodyPr spcFirstLastPara="0" vert="horz" wrap="square" lIns="0" tIns="0" rIns="0" bIns="0" numCol="1" spcCol="1270" anchor="ctr" anchorCtr="0">
+          <a:noAutofit/>
+        </a:bodyPr>
+        <a:lstStyle/>
+        <a:p>
+          <a:pPr lvl="0" algn="ctr" defTabSz="622300">
+            <a:lnSpc>
+              <a:spcPct val="90000"/>
+            </a:lnSpc>
+            <a:spcBef>
+              <a:spcPct val="0"/>
+            </a:spcBef>
+            <a:spcAft>
+              <a:spcPct val="35000"/>
+            </a:spcAft>
+          </a:pPr>
+          <a:endParaRPr lang="zh-CN" altLang="en-US" sz="1400" kern="1200"/>
+        </a:p>
+      </dsp:txBody>
+      <dsp:txXfrm>
+        <a:off x="6204186" y="577701"/>
+        <a:ext cx="235882" cy="236518"/>
+      </dsp:txXfrm>
+    </dsp:sp>
+    <dsp:sp modelId="{CCA124A9-1048-4550-971A-3F274DB03DFC}">
+      <dsp:nvSpPr>
+        <dsp:cNvPr id="0" name=""/>
+        <dsp:cNvSpPr/>
+      </dsp:nvSpPr>
+      <dsp:spPr>
+        <a:xfrm>
+          <a:off x="6681037" y="219109"/>
+          <a:ext cx="1589502" cy="953701"/>
+        </a:xfrm>
+        <a:prstGeom prst="roundRect">
+          <a:avLst>
+            <a:gd name="adj" fmla="val 10000"/>
+          </a:avLst>
+        </a:prstGeom>
+        <a:solidFill>
+          <a:schemeClr val="accent5">
+            <a:hueOff val="0"/>
+            <a:satOff val="0"/>
+            <a:lumOff val="0"/>
+            <a:alphaOff val="0"/>
+          </a:schemeClr>
+        </a:solidFill>
+        <a:ln w="12700" cap="flat" cmpd="sng" algn="ctr">
+          <a:solidFill>
+            <a:schemeClr val="lt1">
+              <a:hueOff val="0"/>
+              <a:satOff val="0"/>
+              <a:lumOff val="0"/>
+              <a:alphaOff val="0"/>
+            </a:schemeClr>
+          </a:solidFill>
+          <a:prstDash val="solid"/>
+          <a:miter lim="800000"/>
+        </a:ln>
+        <a:effectLst/>
+      </dsp:spPr>
+      <dsp:style>
+        <a:lnRef idx="2">
+          <a:scrgbClr r="0" g="0" b="0"/>
+        </a:lnRef>
+        <a:fillRef idx="1">
+          <a:scrgbClr r="0" g="0" b="0"/>
+        </a:fillRef>
+        <a:effectRef idx="0">
+          <a:scrgbClr r="0" g="0" b="0"/>
+        </a:effectRef>
+        <a:fontRef idx="minor">
+          <a:schemeClr val="lt1"/>
+        </a:fontRef>
+      </dsp:style>
+      <dsp:txBody>
+        <a:bodyPr spcFirstLastPara="0" vert="horz" wrap="square" lIns="95250" tIns="95250" rIns="95250" bIns="95250" numCol="1" spcCol="1270" anchor="ctr" anchorCtr="0">
+          <a:noAutofit/>
+        </a:bodyPr>
+        <a:lstStyle/>
+        <a:p>
+          <a:pPr lvl="0" algn="ctr" defTabSz="1111250">
+            <a:lnSpc>
+              <a:spcPct val="90000"/>
+            </a:lnSpc>
+            <a:spcBef>
+              <a:spcPct val="0"/>
+            </a:spcBef>
+            <a:spcAft>
+              <a:spcPct val="35000"/>
+            </a:spcAft>
+          </a:pPr>
+          <a:r>
+            <a:rPr lang="en-US" altLang="zh-CN" sz="2500" kern="1200"/>
+            <a:t>backward</a:t>
+          </a:r>
+          <a:endParaRPr lang="zh-CN" altLang="en-US" sz="2500" kern="1200" dirty="0"/>
+        </a:p>
+      </dsp:txBody>
+      <dsp:txXfrm>
+        <a:off x="6708970" y="247042"/>
+        <a:ext cx="1533636" cy="897835"/>
+      </dsp:txXfrm>
+    </dsp:sp>
+    <dsp:sp modelId="{126E16DF-2368-42DE-9E08-F63009F3EB88}">
+      <dsp:nvSpPr>
+        <dsp:cNvPr id="0" name=""/>
+        <dsp:cNvSpPr/>
+      </dsp:nvSpPr>
+      <dsp:spPr>
+        <a:xfrm>
+          <a:off x="8429490" y="498862"/>
+          <a:ext cx="336974" cy="394196"/>
+        </a:xfrm>
+        <a:prstGeom prst="rightArrow">
+          <a:avLst>
+            <a:gd name="adj1" fmla="val 60000"/>
+            <a:gd name="adj2" fmla="val 50000"/>
+          </a:avLst>
+        </a:prstGeom>
+        <a:solidFill>
+          <a:schemeClr val="accent5">
+            <a:hueOff val="0"/>
+            <a:satOff val="0"/>
+            <a:lumOff val="0"/>
+            <a:alphaOff val="0"/>
+          </a:schemeClr>
+        </a:solidFill>
+        <a:ln>
+          <a:noFill/>
+        </a:ln>
+        <a:effectLst/>
+      </dsp:spPr>
+      <dsp:style>
+        <a:lnRef idx="0">
+          <a:scrgbClr r="0" g="0" b="0"/>
+        </a:lnRef>
+        <a:fillRef idx="1">
+          <a:scrgbClr r="0" g="0" b="0"/>
+        </a:fillRef>
+        <a:effectRef idx="0">
+          <a:scrgbClr r="0" g="0" b="0"/>
+        </a:effectRef>
+        <a:fontRef idx="minor">
+          <a:schemeClr val="lt1"/>
+        </a:fontRef>
+      </dsp:style>
+      <dsp:txBody>
+        <a:bodyPr spcFirstLastPara="0" vert="horz" wrap="square" lIns="0" tIns="0" rIns="0" bIns="0" numCol="1" spcCol="1270" anchor="ctr" anchorCtr="0">
+          <a:noAutofit/>
+        </a:bodyPr>
+        <a:lstStyle/>
+        <a:p>
+          <a:pPr lvl="0" algn="ctr" defTabSz="622300">
+            <a:lnSpc>
+              <a:spcPct val="90000"/>
+            </a:lnSpc>
+            <a:spcBef>
+              <a:spcPct val="0"/>
+            </a:spcBef>
+            <a:spcAft>
+              <a:spcPct val="35000"/>
+            </a:spcAft>
+          </a:pPr>
+          <a:endParaRPr lang="zh-CN" altLang="en-US" sz="1400" kern="1200"/>
+        </a:p>
+      </dsp:txBody>
+      <dsp:txXfrm>
+        <a:off x="8429490" y="577701"/>
+        <a:ext cx="235882" cy="236518"/>
+      </dsp:txXfrm>
+    </dsp:sp>
+    <dsp:sp modelId="{D29F269F-A581-4251-A721-205560CF8181}">
+      <dsp:nvSpPr>
+        <dsp:cNvPr id="0" name=""/>
+        <dsp:cNvSpPr/>
+      </dsp:nvSpPr>
+      <dsp:spPr>
+        <a:xfrm>
+          <a:off x="8906341" y="219109"/>
+          <a:ext cx="1589502" cy="953701"/>
+        </a:xfrm>
+        <a:prstGeom prst="roundRect">
+          <a:avLst>
+            <a:gd name="adj" fmla="val 10000"/>
+          </a:avLst>
+        </a:prstGeom>
+        <a:solidFill>
+          <a:schemeClr val="accent6">
+            <a:hueOff val="0"/>
+            <a:satOff val="0"/>
+            <a:lumOff val="0"/>
+            <a:alphaOff val="0"/>
+          </a:schemeClr>
+        </a:solidFill>
+        <a:ln w="12700" cap="flat" cmpd="sng" algn="ctr">
+          <a:solidFill>
+            <a:schemeClr val="lt1">
+              <a:hueOff val="0"/>
+              <a:satOff val="0"/>
+              <a:lumOff val="0"/>
+              <a:alphaOff val="0"/>
+            </a:schemeClr>
+          </a:solidFill>
+          <a:prstDash val="solid"/>
+          <a:miter lim="800000"/>
+        </a:ln>
+        <a:effectLst/>
+      </dsp:spPr>
+      <dsp:style>
+        <a:lnRef idx="2">
+          <a:scrgbClr r="0" g="0" b="0"/>
+        </a:lnRef>
+        <a:fillRef idx="1">
+          <a:scrgbClr r="0" g="0" b="0"/>
+        </a:fillRef>
+        <a:effectRef idx="0">
+          <a:scrgbClr r="0" g="0" b="0"/>
+        </a:effectRef>
+        <a:fontRef idx="minor">
+          <a:schemeClr val="lt1"/>
+        </a:fontRef>
+      </dsp:style>
+      <dsp:txBody>
+        <a:bodyPr spcFirstLastPara="0" vert="horz" wrap="square" lIns="95250" tIns="95250" rIns="95250" bIns="95250" numCol="1" spcCol="1270" anchor="ctr" anchorCtr="0">
+          <a:noAutofit/>
+        </a:bodyPr>
+        <a:lstStyle/>
+        <a:p>
+          <a:pPr lvl="0" algn="ctr" defTabSz="1111250">
+            <a:lnSpc>
+              <a:spcPct val="90000"/>
+            </a:lnSpc>
+            <a:spcBef>
+              <a:spcPct val="0"/>
+            </a:spcBef>
+            <a:spcAft>
+              <a:spcPct val="35000"/>
+            </a:spcAft>
+          </a:pPr>
+          <a:r>
+            <a:rPr lang="en-US" altLang="zh-CN" sz="2500" kern="1200" dirty="0" err="1"/>
+            <a:t>optmizer</a:t>
+          </a:r>
+          <a:endParaRPr lang="zh-CN" altLang="en-US" sz="2500" kern="1200" dirty="0"/>
+        </a:p>
+      </dsp:txBody>
+      <dsp:txXfrm>
+        <a:off x="8934274" y="247042"/>
+        <a:ext cx="1533636" cy="897835"/>
+      </dsp:txXfrm>
+    </dsp:sp>
   </dsp:spTree>
 </dsp:drawing>
 </file>
@@ -2735,7 +3408,7 @@
           <a:p>
             <a:fld id="{C4FD5381-3FFC-498D-8C5E-5AEBD412FB5A}" type="datetimeFigureOut">
               <a:rPr lang="zh-CN" altLang="en-US" smtClean="0"/>
-              <a:t>2023/6/18</a:t>
+              <a:t>2023/6/21</a:t>
             </a:fld>
             <a:endParaRPr lang="zh-CN" altLang="en-US"/>
           </a:p>
@@ -3506,6 +4179,90 @@
 </p:notes>
 </file>
 
+<file path=ppt/notesSlides/notesSlide7.xml><?xml version="1.0" encoding="utf-8"?>
+<p:notes xmlns:a="http://schemas.openxmlformats.org/drawingml/2006/main" xmlns:r="http://schemas.openxmlformats.org/officeDocument/2006/relationships" xmlns:p="http://schemas.openxmlformats.org/presentationml/2006/main">
+  <p:cSld>
+    <p:spTree>
+      <p:nvGrpSpPr>
+        <p:cNvPr id="1" name=""/>
+        <p:cNvGrpSpPr/>
+        <p:nvPr/>
+      </p:nvGrpSpPr>
+      <p:grpSpPr>
+        <a:xfrm>
+          <a:off x="0" y="0"/>
+          <a:ext cx="0" cy="0"/>
+          <a:chOff x="0" y="0"/>
+          <a:chExt cx="0" cy="0"/>
+        </a:xfrm>
+      </p:grpSpPr>
+      <p:sp>
+        <p:nvSpPr>
+          <p:cNvPr id="2" name="幻灯片图像占位符 1"/>
+          <p:cNvSpPr>
+            <a:spLocks noGrp="1" noRot="1" noChangeAspect="1"/>
+          </p:cNvSpPr>
+          <p:nvPr>
+            <p:ph type="sldImg"/>
+          </p:nvPr>
+        </p:nvSpPr>
+        <p:spPr/>
+      </p:sp>
+      <p:sp>
+        <p:nvSpPr>
+          <p:cNvPr id="3" name="备注占位符 2"/>
+          <p:cNvSpPr>
+            <a:spLocks noGrp="1"/>
+          </p:cNvSpPr>
+          <p:nvPr>
+            <p:ph type="body" idx="1"/>
+          </p:nvPr>
+        </p:nvSpPr>
+        <p:spPr/>
+        <p:txBody>
+          <a:bodyPr/>
+          <a:lstStyle/>
+          <a:p>
+            <a:endParaRPr lang="zh-CN" altLang="en-US" dirty="0"/>
+          </a:p>
+        </p:txBody>
+      </p:sp>
+      <p:sp>
+        <p:nvSpPr>
+          <p:cNvPr id="4" name="灯片编号占位符 3"/>
+          <p:cNvSpPr>
+            <a:spLocks noGrp="1"/>
+          </p:cNvSpPr>
+          <p:nvPr>
+            <p:ph type="sldNum" sz="quarter" idx="5"/>
+          </p:nvPr>
+        </p:nvSpPr>
+        <p:spPr/>
+        <p:txBody>
+          <a:bodyPr/>
+          <a:lstStyle/>
+          <a:p>
+            <a:fld id="{D81E5BB4-7B93-4CD4-87FC-29E01D28FF25}" type="slidenum">
+              <a:rPr lang="zh-CN" altLang="en-US" smtClean="0"/>
+              <a:t>8</a:t>
+            </a:fld>
+            <a:endParaRPr lang="zh-CN" altLang="en-US"/>
+          </a:p>
+        </p:txBody>
+      </p:sp>
+    </p:spTree>
+    <p:extLst>
+      <p:ext uri="{BB962C8B-B14F-4D97-AF65-F5344CB8AC3E}">
+        <p14:creationId xmlns:p14="http://schemas.microsoft.com/office/powerpoint/2010/main" val="3889143642"/>
+      </p:ext>
+    </p:extLst>
+  </p:cSld>
+  <p:clrMapOvr>
+    <a:masterClrMapping/>
+  </p:clrMapOvr>
+</p:notes>
+</file>
+
 <file path=ppt/slideLayouts/slideLayout1.xml><?xml version="1.0" encoding="utf-8"?>
 <p:sldLayout xmlns:a="http://schemas.openxmlformats.org/drawingml/2006/main" xmlns:r="http://schemas.openxmlformats.org/officeDocument/2006/relationships" xmlns:p="http://schemas.openxmlformats.org/presentationml/2006/main" type="title" preserve="1">
   <p:cSld name="标题幻灯片">
@@ -3528,7 +4285,7 @@
           <p:cNvPr id="2" name="标题 1">
             <a:extLst>
               <a:ext uri="{FF2B5EF4-FFF2-40B4-BE49-F238E27FC236}">
-                <a16:creationId xmlns:a16="http://schemas.microsoft.com/office/drawing/2014/main" xmlns="" id="{8AA519DA-CD7F-48F5-BFF3-7474AD4E0F69}"/>
+                <a16:creationId xmlns="" xmlns:a16="http://schemas.microsoft.com/office/drawing/2014/main" id="{8AA519DA-CD7F-48F5-BFF3-7474AD4E0F69}"/>
               </a:ext>
             </a:extLst>
           </p:cNvPr>
@@ -3565,7 +4322,7 @@
           <p:cNvPr id="3" name="副标题 2">
             <a:extLst>
               <a:ext uri="{FF2B5EF4-FFF2-40B4-BE49-F238E27FC236}">
-                <a16:creationId xmlns:a16="http://schemas.microsoft.com/office/drawing/2014/main" xmlns="" id="{605167AA-5E52-48AC-B109-1E4AD750F4C6}"/>
+                <a16:creationId xmlns="" xmlns:a16="http://schemas.microsoft.com/office/drawing/2014/main" id="{605167AA-5E52-48AC-B109-1E4AD750F4C6}"/>
               </a:ext>
             </a:extLst>
           </p:cNvPr>
@@ -3635,7 +4392,7 @@
           <p:cNvPr id="4" name="日期占位符 3">
             <a:extLst>
               <a:ext uri="{FF2B5EF4-FFF2-40B4-BE49-F238E27FC236}">
-                <a16:creationId xmlns:a16="http://schemas.microsoft.com/office/drawing/2014/main" xmlns="" id="{E87E1FD4-13FC-4A25-BB3A-3146405B971E}"/>
+                <a16:creationId xmlns="" xmlns:a16="http://schemas.microsoft.com/office/drawing/2014/main" id="{E87E1FD4-13FC-4A25-BB3A-3146405B971E}"/>
               </a:ext>
             </a:extLst>
           </p:cNvPr>
@@ -3653,7 +4410,7 @@
           <a:p>
             <a:fld id="{30E26E65-4B48-49AE-B3EA-65E8DDD8160F}" type="datetimeFigureOut">
               <a:rPr lang="zh-CN" altLang="en-US" smtClean="0"/>
-              <a:t>2023/6/18</a:t>
+              <a:t>2023/6/21</a:t>
             </a:fld>
             <a:endParaRPr lang="zh-CN" altLang="en-US"/>
           </a:p>
@@ -3664,7 +4421,7 @@
           <p:cNvPr id="5" name="页脚占位符 4">
             <a:extLst>
               <a:ext uri="{FF2B5EF4-FFF2-40B4-BE49-F238E27FC236}">
-                <a16:creationId xmlns:a16="http://schemas.microsoft.com/office/drawing/2014/main" xmlns="" id="{03A62777-B8AD-4F61-89C6-8787008DDA1E}"/>
+                <a16:creationId xmlns="" xmlns:a16="http://schemas.microsoft.com/office/drawing/2014/main" id="{03A62777-B8AD-4F61-89C6-8787008DDA1E}"/>
               </a:ext>
             </a:extLst>
           </p:cNvPr>
@@ -3689,7 +4446,7 @@
           <p:cNvPr id="6" name="灯片编号占位符 5">
             <a:extLst>
               <a:ext uri="{FF2B5EF4-FFF2-40B4-BE49-F238E27FC236}">
-                <a16:creationId xmlns:a16="http://schemas.microsoft.com/office/drawing/2014/main" xmlns="" id="{063EE630-86FB-4D01-9923-1E398E79CB8C}"/>
+                <a16:creationId xmlns="" xmlns:a16="http://schemas.microsoft.com/office/drawing/2014/main" id="{063EE630-86FB-4D01-9923-1E398E79CB8C}"/>
               </a:ext>
             </a:extLst>
           </p:cNvPr>
@@ -3748,7 +4505,7 @@
           <p:cNvPr id="2" name="标题 1">
             <a:extLst>
               <a:ext uri="{FF2B5EF4-FFF2-40B4-BE49-F238E27FC236}">
-                <a16:creationId xmlns:a16="http://schemas.microsoft.com/office/drawing/2014/main" xmlns="" id="{F6E9B3B1-300E-4EFC-92C6-27B59A24FD23}"/>
+                <a16:creationId xmlns="" xmlns:a16="http://schemas.microsoft.com/office/drawing/2014/main" id="{F6E9B3B1-300E-4EFC-92C6-27B59A24FD23}"/>
               </a:ext>
             </a:extLst>
           </p:cNvPr>
@@ -3776,7 +4533,7 @@
           <p:cNvPr id="3" name="竖排文字占位符 2">
             <a:extLst>
               <a:ext uri="{FF2B5EF4-FFF2-40B4-BE49-F238E27FC236}">
-                <a16:creationId xmlns:a16="http://schemas.microsoft.com/office/drawing/2014/main" xmlns="" id="{8EEB17A2-819A-4A53-BA0D-B0DEE41237CE}"/>
+                <a16:creationId xmlns="" xmlns:a16="http://schemas.microsoft.com/office/drawing/2014/main" id="{8EEB17A2-819A-4A53-BA0D-B0DEE41237CE}"/>
               </a:ext>
             </a:extLst>
           </p:cNvPr>
@@ -3833,7 +4590,7 @@
           <p:cNvPr id="4" name="日期占位符 3">
             <a:extLst>
               <a:ext uri="{FF2B5EF4-FFF2-40B4-BE49-F238E27FC236}">
-                <a16:creationId xmlns:a16="http://schemas.microsoft.com/office/drawing/2014/main" xmlns="" id="{7D53F4CF-D135-4337-ADB9-0D6D0C414AC7}"/>
+                <a16:creationId xmlns="" xmlns:a16="http://schemas.microsoft.com/office/drawing/2014/main" id="{7D53F4CF-D135-4337-ADB9-0D6D0C414AC7}"/>
               </a:ext>
             </a:extLst>
           </p:cNvPr>
@@ -3851,7 +4608,7 @@
           <a:p>
             <a:fld id="{30E26E65-4B48-49AE-B3EA-65E8DDD8160F}" type="datetimeFigureOut">
               <a:rPr lang="zh-CN" altLang="en-US" smtClean="0"/>
-              <a:t>2023/6/18</a:t>
+              <a:t>2023/6/21</a:t>
             </a:fld>
             <a:endParaRPr lang="zh-CN" altLang="en-US"/>
           </a:p>
@@ -3862,7 +4619,7 @@
           <p:cNvPr id="5" name="页脚占位符 4">
             <a:extLst>
               <a:ext uri="{FF2B5EF4-FFF2-40B4-BE49-F238E27FC236}">
-                <a16:creationId xmlns:a16="http://schemas.microsoft.com/office/drawing/2014/main" xmlns="" id="{10BAB563-DE22-4C8E-8D2F-DE3C2A61B068}"/>
+                <a16:creationId xmlns="" xmlns:a16="http://schemas.microsoft.com/office/drawing/2014/main" id="{10BAB563-DE22-4C8E-8D2F-DE3C2A61B068}"/>
               </a:ext>
             </a:extLst>
           </p:cNvPr>
@@ -3887,7 +4644,7 @@
           <p:cNvPr id="6" name="灯片编号占位符 5">
             <a:extLst>
               <a:ext uri="{FF2B5EF4-FFF2-40B4-BE49-F238E27FC236}">
-                <a16:creationId xmlns:a16="http://schemas.microsoft.com/office/drawing/2014/main" xmlns="" id="{67A87ACA-7292-4740-B97A-0940B3D0BA4A}"/>
+                <a16:creationId xmlns="" xmlns:a16="http://schemas.microsoft.com/office/drawing/2014/main" id="{67A87ACA-7292-4740-B97A-0940B3D0BA4A}"/>
               </a:ext>
             </a:extLst>
           </p:cNvPr>
@@ -3946,7 +4703,7 @@
           <p:cNvPr id="2" name="竖排标题 1">
             <a:extLst>
               <a:ext uri="{FF2B5EF4-FFF2-40B4-BE49-F238E27FC236}">
-                <a16:creationId xmlns:a16="http://schemas.microsoft.com/office/drawing/2014/main" xmlns="" id="{37938B48-734B-4A20-981D-193E96988694}"/>
+                <a16:creationId xmlns="" xmlns:a16="http://schemas.microsoft.com/office/drawing/2014/main" id="{37938B48-734B-4A20-981D-193E96988694}"/>
               </a:ext>
             </a:extLst>
           </p:cNvPr>
@@ -3979,7 +4736,7 @@
           <p:cNvPr id="3" name="竖排文字占位符 2">
             <a:extLst>
               <a:ext uri="{FF2B5EF4-FFF2-40B4-BE49-F238E27FC236}">
-                <a16:creationId xmlns:a16="http://schemas.microsoft.com/office/drawing/2014/main" xmlns="" id="{EEDA0763-0543-4BDF-856E-6F6CC172BD8E}"/>
+                <a16:creationId xmlns="" xmlns:a16="http://schemas.microsoft.com/office/drawing/2014/main" id="{EEDA0763-0543-4BDF-856E-6F6CC172BD8E}"/>
               </a:ext>
             </a:extLst>
           </p:cNvPr>
@@ -4041,7 +4798,7 @@
           <p:cNvPr id="4" name="日期占位符 3">
             <a:extLst>
               <a:ext uri="{FF2B5EF4-FFF2-40B4-BE49-F238E27FC236}">
-                <a16:creationId xmlns:a16="http://schemas.microsoft.com/office/drawing/2014/main" xmlns="" id="{97371D18-9EA5-410A-85F5-B7F25802578C}"/>
+                <a16:creationId xmlns="" xmlns:a16="http://schemas.microsoft.com/office/drawing/2014/main" id="{97371D18-9EA5-410A-85F5-B7F25802578C}"/>
               </a:ext>
             </a:extLst>
           </p:cNvPr>
@@ -4059,7 +4816,7 @@
           <a:p>
             <a:fld id="{30E26E65-4B48-49AE-B3EA-65E8DDD8160F}" type="datetimeFigureOut">
               <a:rPr lang="zh-CN" altLang="en-US" smtClean="0"/>
-              <a:t>2023/6/18</a:t>
+              <a:t>2023/6/21</a:t>
             </a:fld>
             <a:endParaRPr lang="zh-CN" altLang="en-US"/>
           </a:p>
@@ -4070,7 +4827,7 @@
           <p:cNvPr id="5" name="页脚占位符 4">
             <a:extLst>
               <a:ext uri="{FF2B5EF4-FFF2-40B4-BE49-F238E27FC236}">
-                <a16:creationId xmlns:a16="http://schemas.microsoft.com/office/drawing/2014/main" xmlns="" id="{0A790481-A62A-4217-9890-31441B3D04BE}"/>
+                <a16:creationId xmlns="" xmlns:a16="http://schemas.microsoft.com/office/drawing/2014/main" id="{0A790481-A62A-4217-9890-31441B3D04BE}"/>
               </a:ext>
             </a:extLst>
           </p:cNvPr>
@@ -4095,7 +4852,7 @@
           <p:cNvPr id="6" name="灯片编号占位符 5">
             <a:extLst>
               <a:ext uri="{FF2B5EF4-FFF2-40B4-BE49-F238E27FC236}">
-                <a16:creationId xmlns:a16="http://schemas.microsoft.com/office/drawing/2014/main" xmlns="" id="{D1A35AF4-86DA-4087-A7F3-4B58A032E54F}"/>
+                <a16:creationId xmlns="" xmlns:a16="http://schemas.microsoft.com/office/drawing/2014/main" id="{D1A35AF4-86DA-4087-A7F3-4B58A032E54F}"/>
               </a:ext>
             </a:extLst>
           </p:cNvPr>
@@ -4154,7 +4911,7 @@
           <p:cNvPr id="2" name="标题 1">
             <a:extLst>
               <a:ext uri="{FF2B5EF4-FFF2-40B4-BE49-F238E27FC236}">
-                <a16:creationId xmlns:a16="http://schemas.microsoft.com/office/drawing/2014/main" xmlns="" id="{28C0D371-7879-4734-9E8C-A1804D5DCD95}"/>
+                <a16:creationId xmlns="" xmlns:a16="http://schemas.microsoft.com/office/drawing/2014/main" id="{28C0D371-7879-4734-9E8C-A1804D5DCD95}"/>
               </a:ext>
             </a:extLst>
           </p:cNvPr>
@@ -4182,7 +4939,7 @@
           <p:cNvPr id="3" name="内容占位符 2">
             <a:extLst>
               <a:ext uri="{FF2B5EF4-FFF2-40B4-BE49-F238E27FC236}">
-                <a16:creationId xmlns:a16="http://schemas.microsoft.com/office/drawing/2014/main" xmlns="" id="{994E48C4-F41A-4752-82E0-21DF3A7E6C42}"/>
+                <a16:creationId xmlns="" xmlns:a16="http://schemas.microsoft.com/office/drawing/2014/main" id="{994E48C4-F41A-4752-82E0-21DF3A7E6C42}"/>
               </a:ext>
             </a:extLst>
           </p:cNvPr>
@@ -4239,7 +4996,7 @@
           <p:cNvPr id="4" name="日期占位符 3">
             <a:extLst>
               <a:ext uri="{FF2B5EF4-FFF2-40B4-BE49-F238E27FC236}">
-                <a16:creationId xmlns:a16="http://schemas.microsoft.com/office/drawing/2014/main" xmlns="" id="{5D375AB6-08B9-4BC0-9417-38841EC226EB}"/>
+                <a16:creationId xmlns="" xmlns:a16="http://schemas.microsoft.com/office/drawing/2014/main" id="{5D375AB6-08B9-4BC0-9417-38841EC226EB}"/>
               </a:ext>
             </a:extLst>
           </p:cNvPr>
@@ -4257,7 +5014,7 @@
           <a:p>
             <a:fld id="{30E26E65-4B48-49AE-B3EA-65E8DDD8160F}" type="datetimeFigureOut">
               <a:rPr lang="zh-CN" altLang="en-US" smtClean="0"/>
-              <a:t>2023/6/18</a:t>
+              <a:t>2023/6/21</a:t>
             </a:fld>
             <a:endParaRPr lang="zh-CN" altLang="en-US"/>
           </a:p>
@@ -4268,7 +5025,7 @@
           <p:cNvPr id="5" name="页脚占位符 4">
             <a:extLst>
               <a:ext uri="{FF2B5EF4-FFF2-40B4-BE49-F238E27FC236}">
-                <a16:creationId xmlns:a16="http://schemas.microsoft.com/office/drawing/2014/main" xmlns="" id="{E9E4DB89-0DA2-4583-9E9F-FDA1C82EA615}"/>
+                <a16:creationId xmlns="" xmlns:a16="http://schemas.microsoft.com/office/drawing/2014/main" id="{E9E4DB89-0DA2-4583-9E9F-FDA1C82EA615}"/>
               </a:ext>
             </a:extLst>
           </p:cNvPr>
@@ -4293,7 +5050,7 @@
           <p:cNvPr id="6" name="灯片编号占位符 5">
             <a:extLst>
               <a:ext uri="{FF2B5EF4-FFF2-40B4-BE49-F238E27FC236}">
-                <a16:creationId xmlns:a16="http://schemas.microsoft.com/office/drawing/2014/main" xmlns="" id="{0B84B95C-E6E1-4757-BAEB-A0652A5D26E2}"/>
+                <a16:creationId xmlns="" xmlns:a16="http://schemas.microsoft.com/office/drawing/2014/main" id="{0B84B95C-E6E1-4757-BAEB-A0652A5D26E2}"/>
               </a:ext>
             </a:extLst>
           </p:cNvPr>
@@ -4352,7 +5109,7 @@
           <p:cNvPr id="2" name="标题 1">
             <a:extLst>
               <a:ext uri="{FF2B5EF4-FFF2-40B4-BE49-F238E27FC236}">
-                <a16:creationId xmlns:a16="http://schemas.microsoft.com/office/drawing/2014/main" xmlns="" id="{C19B54CE-5AE3-49EC-A671-7E491E5837E1}"/>
+                <a16:creationId xmlns="" xmlns:a16="http://schemas.microsoft.com/office/drawing/2014/main" id="{C19B54CE-5AE3-49EC-A671-7E491E5837E1}"/>
               </a:ext>
             </a:extLst>
           </p:cNvPr>
@@ -4389,7 +5146,7 @@
           <p:cNvPr id="3" name="文本占位符 2">
             <a:extLst>
               <a:ext uri="{FF2B5EF4-FFF2-40B4-BE49-F238E27FC236}">
-                <a16:creationId xmlns:a16="http://schemas.microsoft.com/office/drawing/2014/main" xmlns="" id="{D4CA8CB5-C464-40B3-8B88-EC7411576D2F}"/>
+                <a16:creationId xmlns="" xmlns:a16="http://schemas.microsoft.com/office/drawing/2014/main" id="{D4CA8CB5-C464-40B3-8B88-EC7411576D2F}"/>
               </a:ext>
             </a:extLst>
           </p:cNvPr>
@@ -4514,7 +5271,7 @@
           <p:cNvPr id="4" name="日期占位符 3">
             <a:extLst>
               <a:ext uri="{FF2B5EF4-FFF2-40B4-BE49-F238E27FC236}">
-                <a16:creationId xmlns:a16="http://schemas.microsoft.com/office/drawing/2014/main" xmlns="" id="{D0410D4A-527F-42B8-9463-5AA8ECFB58EF}"/>
+                <a16:creationId xmlns="" xmlns:a16="http://schemas.microsoft.com/office/drawing/2014/main" id="{D0410D4A-527F-42B8-9463-5AA8ECFB58EF}"/>
               </a:ext>
             </a:extLst>
           </p:cNvPr>
@@ -4532,7 +5289,7 @@
           <a:p>
             <a:fld id="{30E26E65-4B48-49AE-B3EA-65E8DDD8160F}" type="datetimeFigureOut">
               <a:rPr lang="zh-CN" altLang="en-US" smtClean="0"/>
-              <a:t>2023/6/18</a:t>
+              <a:t>2023/6/21</a:t>
             </a:fld>
             <a:endParaRPr lang="zh-CN" altLang="en-US"/>
           </a:p>
@@ -4543,7 +5300,7 @@
           <p:cNvPr id="5" name="页脚占位符 4">
             <a:extLst>
               <a:ext uri="{FF2B5EF4-FFF2-40B4-BE49-F238E27FC236}">
-                <a16:creationId xmlns:a16="http://schemas.microsoft.com/office/drawing/2014/main" xmlns="" id="{8A58023C-0ECC-40DC-98F1-E89E897A89D8}"/>
+                <a16:creationId xmlns="" xmlns:a16="http://schemas.microsoft.com/office/drawing/2014/main" id="{8A58023C-0ECC-40DC-98F1-E89E897A89D8}"/>
               </a:ext>
             </a:extLst>
           </p:cNvPr>
@@ -4568,7 +5325,7 @@
           <p:cNvPr id="6" name="灯片编号占位符 5">
             <a:extLst>
               <a:ext uri="{FF2B5EF4-FFF2-40B4-BE49-F238E27FC236}">
-                <a16:creationId xmlns:a16="http://schemas.microsoft.com/office/drawing/2014/main" xmlns="" id="{F572A47F-7A66-41A7-BDC8-6CC103BAFD75}"/>
+                <a16:creationId xmlns="" xmlns:a16="http://schemas.microsoft.com/office/drawing/2014/main" id="{F572A47F-7A66-41A7-BDC8-6CC103BAFD75}"/>
               </a:ext>
             </a:extLst>
           </p:cNvPr>
@@ -4627,7 +5384,7 @@
           <p:cNvPr id="2" name="标题 1">
             <a:extLst>
               <a:ext uri="{FF2B5EF4-FFF2-40B4-BE49-F238E27FC236}">
-                <a16:creationId xmlns:a16="http://schemas.microsoft.com/office/drawing/2014/main" xmlns="" id="{86F93BFC-8993-4918-8013-8B76E6D232BB}"/>
+                <a16:creationId xmlns="" xmlns:a16="http://schemas.microsoft.com/office/drawing/2014/main" id="{86F93BFC-8993-4918-8013-8B76E6D232BB}"/>
               </a:ext>
             </a:extLst>
           </p:cNvPr>
@@ -4655,7 +5412,7 @@
           <p:cNvPr id="3" name="内容占位符 2">
             <a:extLst>
               <a:ext uri="{FF2B5EF4-FFF2-40B4-BE49-F238E27FC236}">
-                <a16:creationId xmlns:a16="http://schemas.microsoft.com/office/drawing/2014/main" xmlns="" id="{B9CBBFBC-0C49-46B7-9E2D-DCEFC8B268D6}"/>
+                <a16:creationId xmlns="" xmlns:a16="http://schemas.microsoft.com/office/drawing/2014/main" id="{B9CBBFBC-0C49-46B7-9E2D-DCEFC8B268D6}"/>
               </a:ext>
             </a:extLst>
           </p:cNvPr>
@@ -4717,7 +5474,7 @@
           <p:cNvPr id="4" name="内容占位符 3">
             <a:extLst>
               <a:ext uri="{FF2B5EF4-FFF2-40B4-BE49-F238E27FC236}">
-                <a16:creationId xmlns:a16="http://schemas.microsoft.com/office/drawing/2014/main" xmlns="" id="{636B2945-F6B0-485C-9313-06898A3F61CC}"/>
+                <a16:creationId xmlns="" xmlns:a16="http://schemas.microsoft.com/office/drawing/2014/main" id="{636B2945-F6B0-485C-9313-06898A3F61CC}"/>
               </a:ext>
             </a:extLst>
           </p:cNvPr>
@@ -4779,7 +5536,7 @@
           <p:cNvPr id="5" name="日期占位符 4">
             <a:extLst>
               <a:ext uri="{FF2B5EF4-FFF2-40B4-BE49-F238E27FC236}">
-                <a16:creationId xmlns:a16="http://schemas.microsoft.com/office/drawing/2014/main" xmlns="" id="{D0CCE2C4-8812-4E33-A984-8471B5F32DBD}"/>
+                <a16:creationId xmlns="" xmlns:a16="http://schemas.microsoft.com/office/drawing/2014/main" id="{D0CCE2C4-8812-4E33-A984-8471B5F32DBD}"/>
               </a:ext>
             </a:extLst>
           </p:cNvPr>
@@ -4797,7 +5554,7 @@
           <a:p>
             <a:fld id="{30E26E65-4B48-49AE-B3EA-65E8DDD8160F}" type="datetimeFigureOut">
               <a:rPr lang="zh-CN" altLang="en-US" smtClean="0"/>
-              <a:t>2023/6/18</a:t>
+              <a:t>2023/6/21</a:t>
             </a:fld>
             <a:endParaRPr lang="zh-CN" altLang="en-US"/>
           </a:p>
@@ -4808,7 +5565,7 @@
           <p:cNvPr id="6" name="页脚占位符 5">
             <a:extLst>
               <a:ext uri="{FF2B5EF4-FFF2-40B4-BE49-F238E27FC236}">
-                <a16:creationId xmlns:a16="http://schemas.microsoft.com/office/drawing/2014/main" xmlns="" id="{823F283B-B44C-4BFF-8329-E93083E05A97}"/>
+                <a16:creationId xmlns="" xmlns:a16="http://schemas.microsoft.com/office/drawing/2014/main" id="{823F283B-B44C-4BFF-8329-E93083E05A97}"/>
               </a:ext>
             </a:extLst>
           </p:cNvPr>
@@ -4833,7 +5590,7 @@
           <p:cNvPr id="7" name="灯片编号占位符 6">
             <a:extLst>
               <a:ext uri="{FF2B5EF4-FFF2-40B4-BE49-F238E27FC236}">
-                <a16:creationId xmlns:a16="http://schemas.microsoft.com/office/drawing/2014/main" xmlns="" id="{53676C6B-D444-415A-BAC1-3082F10299DB}"/>
+                <a16:creationId xmlns="" xmlns:a16="http://schemas.microsoft.com/office/drawing/2014/main" id="{53676C6B-D444-415A-BAC1-3082F10299DB}"/>
               </a:ext>
             </a:extLst>
           </p:cNvPr>
@@ -4892,7 +5649,7 @@
           <p:cNvPr id="2" name="标题 1">
             <a:extLst>
               <a:ext uri="{FF2B5EF4-FFF2-40B4-BE49-F238E27FC236}">
-                <a16:creationId xmlns:a16="http://schemas.microsoft.com/office/drawing/2014/main" xmlns="" id="{B34021E4-DFB4-42D7-BD6A-7894FC498A2F}"/>
+                <a16:creationId xmlns="" xmlns:a16="http://schemas.microsoft.com/office/drawing/2014/main" id="{B34021E4-DFB4-42D7-BD6A-7894FC498A2F}"/>
               </a:ext>
             </a:extLst>
           </p:cNvPr>
@@ -4925,7 +5682,7 @@
           <p:cNvPr id="3" name="文本占位符 2">
             <a:extLst>
               <a:ext uri="{FF2B5EF4-FFF2-40B4-BE49-F238E27FC236}">
-                <a16:creationId xmlns:a16="http://schemas.microsoft.com/office/drawing/2014/main" xmlns="" id="{03DF9CE7-4B33-40F1-BA01-4ADAF4486691}"/>
+                <a16:creationId xmlns="" xmlns:a16="http://schemas.microsoft.com/office/drawing/2014/main" id="{03DF9CE7-4B33-40F1-BA01-4ADAF4486691}"/>
               </a:ext>
             </a:extLst>
           </p:cNvPr>
@@ -4996,7 +5753,7 @@
           <p:cNvPr id="4" name="内容占位符 3">
             <a:extLst>
               <a:ext uri="{FF2B5EF4-FFF2-40B4-BE49-F238E27FC236}">
-                <a16:creationId xmlns:a16="http://schemas.microsoft.com/office/drawing/2014/main" xmlns="" id="{F30A9064-86BA-439B-9E17-AD0DEBEBC635}"/>
+                <a16:creationId xmlns="" xmlns:a16="http://schemas.microsoft.com/office/drawing/2014/main" id="{F30A9064-86BA-439B-9E17-AD0DEBEBC635}"/>
               </a:ext>
             </a:extLst>
           </p:cNvPr>
@@ -5058,7 +5815,7 @@
           <p:cNvPr id="5" name="文本占位符 4">
             <a:extLst>
               <a:ext uri="{FF2B5EF4-FFF2-40B4-BE49-F238E27FC236}">
-                <a16:creationId xmlns:a16="http://schemas.microsoft.com/office/drawing/2014/main" xmlns="" id="{394C9965-0E15-41B1-A3A9-642D54F0FB4F}"/>
+                <a16:creationId xmlns="" xmlns:a16="http://schemas.microsoft.com/office/drawing/2014/main" id="{394C9965-0E15-41B1-A3A9-642D54F0FB4F}"/>
               </a:ext>
             </a:extLst>
           </p:cNvPr>
@@ -5129,7 +5886,7 @@
           <p:cNvPr id="6" name="内容占位符 5">
             <a:extLst>
               <a:ext uri="{FF2B5EF4-FFF2-40B4-BE49-F238E27FC236}">
-                <a16:creationId xmlns:a16="http://schemas.microsoft.com/office/drawing/2014/main" xmlns="" id="{38E8DF65-1B52-45BE-95BD-6B83AB1C7006}"/>
+                <a16:creationId xmlns="" xmlns:a16="http://schemas.microsoft.com/office/drawing/2014/main" id="{38E8DF65-1B52-45BE-95BD-6B83AB1C7006}"/>
               </a:ext>
             </a:extLst>
           </p:cNvPr>
@@ -5191,7 +5948,7 @@
           <p:cNvPr id="7" name="日期占位符 6">
             <a:extLst>
               <a:ext uri="{FF2B5EF4-FFF2-40B4-BE49-F238E27FC236}">
-                <a16:creationId xmlns:a16="http://schemas.microsoft.com/office/drawing/2014/main" xmlns="" id="{B6261690-9011-41A6-A59F-24AA2881327F}"/>
+                <a16:creationId xmlns="" xmlns:a16="http://schemas.microsoft.com/office/drawing/2014/main" id="{B6261690-9011-41A6-A59F-24AA2881327F}"/>
               </a:ext>
             </a:extLst>
           </p:cNvPr>
@@ -5209,7 +5966,7 @@
           <a:p>
             <a:fld id="{30E26E65-4B48-49AE-B3EA-65E8DDD8160F}" type="datetimeFigureOut">
               <a:rPr lang="zh-CN" altLang="en-US" smtClean="0"/>
-              <a:t>2023/6/18</a:t>
+              <a:t>2023/6/21</a:t>
             </a:fld>
             <a:endParaRPr lang="zh-CN" altLang="en-US"/>
           </a:p>
@@ -5220,7 +5977,7 @@
           <p:cNvPr id="8" name="页脚占位符 7">
             <a:extLst>
               <a:ext uri="{FF2B5EF4-FFF2-40B4-BE49-F238E27FC236}">
-                <a16:creationId xmlns:a16="http://schemas.microsoft.com/office/drawing/2014/main" xmlns="" id="{0E4F5DAE-00D8-4923-A718-203B1F3CEFF2}"/>
+                <a16:creationId xmlns="" xmlns:a16="http://schemas.microsoft.com/office/drawing/2014/main" id="{0E4F5DAE-00D8-4923-A718-203B1F3CEFF2}"/>
               </a:ext>
             </a:extLst>
           </p:cNvPr>
@@ -5245,7 +6002,7 @@
           <p:cNvPr id="9" name="灯片编号占位符 8">
             <a:extLst>
               <a:ext uri="{FF2B5EF4-FFF2-40B4-BE49-F238E27FC236}">
-                <a16:creationId xmlns:a16="http://schemas.microsoft.com/office/drawing/2014/main" xmlns="" id="{E7E727E6-DF20-46A1-AED5-0FADE49E358F}"/>
+                <a16:creationId xmlns="" xmlns:a16="http://schemas.microsoft.com/office/drawing/2014/main" id="{E7E727E6-DF20-46A1-AED5-0FADE49E358F}"/>
               </a:ext>
             </a:extLst>
           </p:cNvPr>
@@ -5304,7 +6061,7 @@
           <p:cNvPr id="2" name="标题 1">
             <a:extLst>
               <a:ext uri="{FF2B5EF4-FFF2-40B4-BE49-F238E27FC236}">
-                <a16:creationId xmlns:a16="http://schemas.microsoft.com/office/drawing/2014/main" xmlns="" id="{13D0B4C9-4D8A-4D66-80BF-B59917B68929}"/>
+                <a16:creationId xmlns="" xmlns:a16="http://schemas.microsoft.com/office/drawing/2014/main" id="{13D0B4C9-4D8A-4D66-80BF-B59917B68929}"/>
               </a:ext>
             </a:extLst>
           </p:cNvPr>
@@ -5332,7 +6089,7 @@
           <p:cNvPr id="3" name="日期占位符 2">
             <a:extLst>
               <a:ext uri="{FF2B5EF4-FFF2-40B4-BE49-F238E27FC236}">
-                <a16:creationId xmlns:a16="http://schemas.microsoft.com/office/drawing/2014/main" xmlns="" id="{F71F209A-E516-459C-94F3-F3F8AD606F46}"/>
+                <a16:creationId xmlns="" xmlns:a16="http://schemas.microsoft.com/office/drawing/2014/main" id="{F71F209A-E516-459C-94F3-F3F8AD606F46}"/>
               </a:ext>
             </a:extLst>
           </p:cNvPr>
@@ -5350,7 +6107,7 @@
           <a:p>
             <a:fld id="{30E26E65-4B48-49AE-B3EA-65E8DDD8160F}" type="datetimeFigureOut">
               <a:rPr lang="zh-CN" altLang="en-US" smtClean="0"/>
-              <a:t>2023/6/18</a:t>
+              <a:t>2023/6/21</a:t>
             </a:fld>
             <a:endParaRPr lang="zh-CN" altLang="en-US"/>
           </a:p>
@@ -5361,7 +6118,7 @@
           <p:cNvPr id="4" name="页脚占位符 3">
             <a:extLst>
               <a:ext uri="{FF2B5EF4-FFF2-40B4-BE49-F238E27FC236}">
-                <a16:creationId xmlns:a16="http://schemas.microsoft.com/office/drawing/2014/main" xmlns="" id="{547A290B-77BE-4AE5-A0A8-6A38F8A78E37}"/>
+                <a16:creationId xmlns="" xmlns:a16="http://schemas.microsoft.com/office/drawing/2014/main" id="{547A290B-77BE-4AE5-A0A8-6A38F8A78E37}"/>
               </a:ext>
             </a:extLst>
           </p:cNvPr>
@@ -5386,7 +6143,7 @@
           <p:cNvPr id="5" name="灯片编号占位符 4">
             <a:extLst>
               <a:ext uri="{FF2B5EF4-FFF2-40B4-BE49-F238E27FC236}">
-                <a16:creationId xmlns:a16="http://schemas.microsoft.com/office/drawing/2014/main" xmlns="" id="{4E7E6A87-2DA8-42C4-8231-E3A1D2636114}"/>
+                <a16:creationId xmlns="" xmlns:a16="http://schemas.microsoft.com/office/drawing/2014/main" id="{4E7E6A87-2DA8-42C4-8231-E3A1D2636114}"/>
               </a:ext>
             </a:extLst>
           </p:cNvPr>
@@ -5445,7 +6202,7 @@
           <p:cNvPr id="2" name="日期占位符 1">
             <a:extLst>
               <a:ext uri="{FF2B5EF4-FFF2-40B4-BE49-F238E27FC236}">
-                <a16:creationId xmlns:a16="http://schemas.microsoft.com/office/drawing/2014/main" xmlns="" id="{717F3A0E-7D42-4F32-8183-1550EDDD5709}"/>
+                <a16:creationId xmlns="" xmlns:a16="http://schemas.microsoft.com/office/drawing/2014/main" id="{717F3A0E-7D42-4F32-8183-1550EDDD5709}"/>
               </a:ext>
             </a:extLst>
           </p:cNvPr>
@@ -5463,7 +6220,7 @@
           <a:p>
             <a:fld id="{30E26E65-4B48-49AE-B3EA-65E8DDD8160F}" type="datetimeFigureOut">
               <a:rPr lang="zh-CN" altLang="en-US" smtClean="0"/>
-              <a:t>2023/6/18</a:t>
+              <a:t>2023/6/21</a:t>
             </a:fld>
             <a:endParaRPr lang="zh-CN" altLang="en-US"/>
           </a:p>
@@ -5474,7 +6231,7 @@
           <p:cNvPr id="3" name="页脚占位符 2">
             <a:extLst>
               <a:ext uri="{FF2B5EF4-FFF2-40B4-BE49-F238E27FC236}">
-                <a16:creationId xmlns:a16="http://schemas.microsoft.com/office/drawing/2014/main" xmlns="" id="{3FA93688-A693-4D30-AB23-FCA90CB73911}"/>
+                <a16:creationId xmlns="" xmlns:a16="http://schemas.microsoft.com/office/drawing/2014/main" id="{3FA93688-A693-4D30-AB23-FCA90CB73911}"/>
               </a:ext>
             </a:extLst>
           </p:cNvPr>
@@ -5499,7 +6256,7 @@
           <p:cNvPr id="4" name="灯片编号占位符 3">
             <a:extLst>
               <a:ext uri="{FF2B5EF4-FFF2-40B4-BE49-F238E27FC236}">
-                <a16:creationId xmlns:a16="http://schemas.microsoft.com/office/drawing/2014/main" xmlns="" id="{C3865757-238A-41AF-A8E5-097AA42AB980}"/>
+                <a16:creationId xmlns="" xmlns:a16="http://schemas.microsoft.com/office/drawing/2014/main" id="{C3865757-238A-41AF-A8E5-097AA42AB980}"/>
               </a:ext>
             </a:extLst>
           </p:cNvPr>
@@ -5558,7 +6315,7 @@
           <p:cNvPr id="2" name="标题 1">
             <a:extLst>
               <a:ext uri="{FF2B5EF4-FFF2-40B4-BE49-F238E27FC236}">
-                <a16:creationId xmlns:a16="http://schemas.microsoft.com/office/drawing/2014/main" xmlns="" id="{2FF56BD8-B301-4075-92CF-0FC62C8A7CE3}"/>
+                <a16:creationId xmlns="" xmlns:a16="http://schemas.microsoft.com/office/drawing/2014/main" id="{2FF56BD8-B301-4075-92CF-0FC62C8A7CE3}"/>
               </a:ext>
             </a:extLst>
           </p:cNvPr>
@@ -5595,7 +6352,7 @@
           <p:cNvPr id="3" name="内容占位符 2">
             <a:extLst>
               <a:ext uri="{FF2B5EF4-FFF2-40B4-BE49-F238E27FC236}">
-                <a16:creationId xmlns:a16="http://schemas.microsoft.com/office/drawing/2014/main" xmlns="" id="{113C32BB-F9CB-46DE-95C0-62ADE691F33A}"/>
+                <a16:creationId xmlns="" xmlns:a16="http://schemas.microsoft.com/office/drawing/2014/main" id="{113C32BB-F9CB-46DE-95C0-62ADE691F33A}"/>
               </a:ext>
             </a:extLst>
           </p:cNvPr>
@@ -5685,7 +6442,7 @@
           <p:cNvPr id="4" name="文本占位符 3">
             <a:extLst>
               <a:ext uri="{FF2B5EF4-FFF2-40B4-BE49-F238E27FC236}">
-                <a16:creationId xmlns:a16="http://schemas.microsoft.com/office/drawing/2014/main" xmlns="" id="{51C8F21D-5374-4678-AA8E-A8919B889A93}"/>
+                <a16:creationId xmlns="" xmlns:a16="http://schemas.microsoft.com/office/drawing/2014/main" id="{51C8F21D-5374-4678-AA8E-A8919B889A93}"/>
               </a:ext>
             </a:extLst>
           </p:cNvPr>
@@ -5756,7 +6513,7 @@
           <p:cNvPr id="5" name="日期占位符 4">
             <a:extLst>
               <a:ext uri="{FF2B5EF4-FFF2-40B4-BE49-F238E27FC236}">
-                <a16:creationId xmlns:a16="http://schemas.microsoft.com/office/drawing/2014/main" xmlns="" id="{29E3B020-03C8-4192-91E4-20DD9ABDC3E2}"/>
+                <a16:creationId xmlns="" xmlns:a16="http://schemas.microsoft.com/office/drawing/2014/main" id="{29E3B020-03C8-4192-91E4-20DD9ABDC3E2}"/>
               </a:ext>
             </a:extLst>
           </p:cNvPr>
@@ -5774,7 +6531,7 @@
           <a:p>
             <a:fld id="{30E26E65-4B48-49AE-B3EA-65E8DDD8160F}" type="datetimeFigureOut">
               <a:rPr lang="zh-CN" altLang="en-US" smtClean="0"/>
-              <a:t>2023/6/18</a:t>
+              <a:t>2023/6/21</a:t>
             </a:fld>
             <a:endParaRPr lang="zh-CN" altLang="en-US"/>
           </a:p>
@@ -5785,7 +6542,7 @@
           <p:cNvPr id="6" name="页脚占位符 5">
             <a:extLst>
               <a:ext uri="{FF2B5EF4-FFF2-40B4-BE49-F238E27FC236}">
-                <a16:creationId xmlns:a16="http://schemas.microsoft.com/office/drawing/2014/main" xmlns="" id="{C69B6410-98CA-430A-AED3-013E8696B1ED}"/>
+                <a16:creationId xmlns="" xmlns:a16="http://schemas.microsoft.com/office/drawing/2014/main" id="{C69B6410-98CA-430A-AED3-013E8696B1ED}"/>
               </a:ext>
             </a:extLst>
           </p:cNvPr>
@@ -5810,7 +6567,7 @@
           <p:cNvPr id="7" name="灯片编号占位符 6">
             <a:extLst>
               <a:ext uri="{FF2B5EF4-FFF2-40B4-BE49-F238E27FC236}">
-                <a16:creationId xmlns:a16="http://schemas.microsoft.com/office/drawing/2014/main" xmlns="" id="{1FA94411-3F8B-4094-9406-98D3586564B7}"/>
+                <a16:creationId xmlns="" xmlns:a16="http://schemas.microsoft.com/office/drawing/2014/main" id="{1FA94411-3F8B-4094-9406-98D3586564B7}"/>
               </a:ext>
             </a:extLst>
           </p:cNvPr>
@@ -5869,7 +6626,7 @@
           <p:cNvPr id="2" name="标题 1">
             <a:extLst>
               <a:ext uri="{FF2B5EF4-FFF2-40B4-BE49-F238E27FC236}">
-                <a16:creationId xmlns:a16="http://schemas.microsoft.com/office/drawing/2014/main" xmlns="" id="{CE6F6A8B-82FE-4277-B2D0-3FA16FE87F28}"/>
+                <a16:creationId xmlns="" xmlns:a16="http://schemas.microsoft.com/office/drawing/2014/main" id="{CE6F6A8B-82FE-4277-B2D0-3FA16FE87F28}"/>
               </a:ext>
             </a:extLst>
           </p:cNvPr>
@@ -5906,7 +6663,7 @@
           <p:cNvPr id="3" name="图片占位符 2">
             <a:extLst>
               <a:ext uri="{FF2B5EF4-FFF2-40B4-BE49-F238E27FC236}">
-                <a16:creationId xmlns:a16="http://schemas.microsoft.com/office/drawing/2014/main" xmlns="" id="{C9F0C9F0-88F0-4E59-9F06-C368ADFE0D54}"/>
+                <a16:creationId xmlns="" xmlns:a16="http://schemas.microsoft.com/office/drawing/2014/main" id="{C9F0C9F0-88F0-4E59-9F06-C368ADFE0D54}"/>
               </a:ext>
             </a:extLst>
           </p:cNvPr>
@@ -5973,7 +6730,7 @@
           <p:cNvPr id="4" name="文本占位符 3">
             <a:extLst>
               <a:ext uri="{FF2B5EF4-FFF2-40B4-BE49-F238E27FC236}">
-                <a16:creationId xmlns:a16="http://schemas.microsoft.com/office/drawing/2014/main" xmlns="" id="{E6AB2E20-12A0-4514-BA16-9987801BF500}"/>
+                <a16:creationId xmlns="" xmlns:a16="http://schemas.microsoft.com/office/drawing/2014/main" id="{E6AB2E20-12A0-4514-BA16-9987801BF500}"/>
               </a:ext>
             </a:extLst>
           </p:cNvPr>
@@ -6044,7 +6801,7 @@
           <p:cNvPr id="5" name="日期占位符 4">
             <a:extLst>
               <a:ext uri="{FF2B5EF4-FFF2-40B4-BE49-F238E27FC236}">
-                <a16:creationId xmlns:a16="http://schemas.microsoft.com/office/drawing/2014/main" xmlns="" id="{C7373AED-D214-477F-A342-59D16E1BB343}"/>
+                <a16:creationId xmlns="" xmlns:a16="http://schemas.microsoft.com/office/drawing/2014/main" id="{C7373AED-D214-477F-A342-59D16E1BB343}"/>
               </a:ext>
             </a:extLst>
           </p:cNvPr>
@@ -6062,7 +6819,7 @@
           <a:p>
             <a:fld id="{30E26E65-4B48-49AE-B3EA-65E8DDD8160F}" type="datetimeFigureOut">
               <a:rPr lang="zh-CN" altLang="en-US" smtClean="0"/>
-              <a:t>2023/6/18</a:t>
+              <a:t>2023/6/21</a:t>
             </a:fld>
             <a:endParaRPr lang="zh-CN" altLang="en-US"/>
           </a:p>
@@ -6073,7 +6830,7 @@
           <p:cNvPr id="6" name="页脚占位符 5">
             <a:extLst>
               <a:ext uri="{FF2B5EF4-FFF2-40B4-BE49-F238E27FC236}">
-                <a16:creationId xmlns:a16="http://schemas.microsoft.com/office/drawing/2014/main" xmlns="" id="{336D0B76-1135-476B-9C70-693865FD902C}"/>
+                <a16:creationId xmlns="" xmlns:a16="http://schemas.microsoft.com/office/drawing/2014/main" id="{336D0B76-1135-476B-9C70-693865FD902C}"/>
               </a:ext>
             </a:extLst>
           </p:cNvPr>
@@ -6098,7 +6855,7 @@
           <p:cNvPr id="7" name="灯片编号占位符 6">
             <a:extLst>
               <a:ext uri="{FF2B5EF4-FFF2-40B4-BE49-F238E27FC236}">
-                <a16:creationId xmlns:a16="http://schemas.microsoft.com/office/drawing/2014/main" xmlns="" id="{A90BDD7F-A6B7-4818-9716-7445163599A8}"/>
+                <a16:creationId xmlns="" xmlns:a16="http://schemas.microsoft.com/office/drawing/2014/main" id="{A90BDD7F-A6B7-4818-9716-7445163599A8}"/>
               </a:ext>
             </a:extLst>
           </p:cNvPr>
@@ -6162,7 +6919,7 @@
           <p:cNvPr id="2" name="标题占位符 1">
             <a:extLst>
               <a:ext uri="{FF2B5EF4-FFF2-40B4-BE49-F238E27FC236}">
-                <a16:creationId xmlns:a16="http://schemas.microsoft.com/office/drawing/2014/main" xmlns="" id="{2DD4BA9D-0BA6-466A-9B35-13A02F6A5E24}"/>
+                <a16:creationId xmlns="" xmlns:a16="http://schemas.microsoft.com/office/drawing/2014/main" id="{2DD4BA9D-0BA6-466A-9B35-13A02F6A5E24}"/>
               </a:ext>
             </a:extLst>
           </p:cNvPr>
@@ -6200,7 +6957,7 @@
           <p:cNvPr id="3" name="文本占位符 2">
             <a:extLst>
               <a:ext uri="{FF2B5EF4-FFF2-40B4-BE49-F238E27FC236}">
-                <a16:creationId xmlns:a16="http://schemas.microsoft.com/office/drawing/2014/main" xmlns="" id="{439C17B4-797F-4BB9-B456-128E3FB3349D}"/>
+                <a16:creationId xmlns="" xmlns:a16="http://schemas.microsoft.com/office/drawing/2014/main" id="{439C17B4-797F-4BB9-B456-128E3FB3349D}"/>
               </a:ext>
             </a:extLst>
           </p:cNvPr>
@@ -6267,7 +7024,7 @@
           <p:cNvPr id="4" name="日期占位符 3">
             <a:extLst>
               <a:ext uri="{FF2B5EF4-FFF2-40B4-BE49-F238E27FC236}">
-                <a16:creationId xmlns:a16="http://schemas.microsoft.com/office/drawing/2014/main" xmlns="" id="{7FA9E796-2BB0-49CE-A372-854AD96BE58D}"/>
+                <a16:creationId xmlns="" xmlns:a16="http://schemas.microsoft.com/office/drawing/2014/main" id="{7FA9E796-2BB0-49CE-A372-854AD96BE58D}"/>
               </a:ext>
             </a:extLst>
           </p:cNvPr>
@@ -6303,7 +7060,7 @@
           <a:p>
             <a:fld id="{30E26E65-4B48-49AE-B3EA-65E8DDD8160F}" type="datetimeFigureOut">
               <a:rPr lang="zh-CN" altLang="en-US" smtClean="0"/>
-              <a:t>2023/6/18</a:t>
+              <a:t>2023/6/21</a:t>
             </a:fld>
             <a:endParaRPr lang="zh-CN" altLang="en-US"/>
           </a:p>
@@ -6314,7 +7071,7 @@
           <p:cNvPr id="5" name="页脚占位符 4">
             <a:extLst>
               <a:ext uri="{FF2B5EF4-FFF2-40B4-BE49-F238E27FC236}">
-                <a16:creationId xmlns:a16="http://schemas.microsoft.com/office/drawing/2014/main" xmlns="" id="{B1AC8429-2A27-4483-8179-95BA1E0FF3E0}"/>
+                <a16:creationId xmlns="" xmlns:a16="http://schemas.microsoft.com/office/drawing/2014/main" id="{B1AC8429-2A27-4483-8179-95BA1E0FF3E0}"/>
               </a:ext>
             </a:extLst>
           </p:cNvPr>
@@ -6357,7 +7114,7 @@
           <p:cNvPr id="6" name="灯片编号占位符 5">
             <a:extLst>
               <a:ext uri="{FF2B5EF4-FFF2-40B4-BE49-F238E27FC236}">
-                <a16:creationId xmlns:a16="http://schemas.microsoft.com/office/drawing/2014/main" xmlns="" id="{8FABD320-1397-48D8-8EF5-23EE82EBA13F}"/>
+                <a16:creationId xmlns="" xmlns:a16="http://schemas.microsoft.com/office/drawing/2014/main" id="{8FABD320-1397-48D8-8EF5-23EE82EBA13F}"/>
               </a:ext>
             </a:extLst>
           </p:cNvPr>
@@ -6881,7 +7638,7 @@
           <p:cNvPr id="11" name="图示 10">
             <a:extLst>
               <a:ext uri="{FF2B5EF4-FFF2-40B4-BE49-F238E27FC236}">
-                <a16:creationId xmlns:a16="http://schemas.microsoft.com/office/drawing/2014/main" xmlns="" id="{84D49923-8081-4EDB-A8C2-05F33C6EF609}"/>
+                <a16:creationId xmlns="" xmlns:a16="http://schemas.microsoft.com/office/drawing/2014/main" id="{84D49923-8081-4EDB-A8C2-05F33C6EF609}"/>
               </a:ext>
             </a:extLst>
           </p:cNvPr>
@@ -6909,7 +7666,7 @@
           <p:cNvPr id="12" name="文本框 11">
             <a:extLst>
               <a:ext uri="{FF2B5EF4-FFF2-40B4-BE49-F238E27FC236}">
-                <a16:creationId xmlns:a16="http://schemas.microsoft.com/office/drawing/2014/main" xmlns="" id="{BDF9D34B-D809-4EB0-9DA2-98ED79B2D654}"/>
+                <a16:creationId xmlns="" xmlns:a16="http://schemas.microsoft.com/office/drawing/2014/main" id="{BDF9D34B-D809-4EB0-9DA2-98ED79B2D654}"/>
               </a:ext>
             </a:extLst>
           </p:cNvPr>
@@ -6954,7 +7711,7 @@
           <p:cNvPr id="15" name="文本框 14">
             <a:extLst>
               <a:ext uri="{FF2B5EF4-FFF2-40B4-BE49-F238E27FC236}">
-                <a16:creationId xmlns:a16="http://schemas.microsoft.com/office/drawing/2014/main" xmlns="" id="{34567E3E-1A26-49D4-A920-EB0E7C0FC532}"/>
+                <a16:creationId xmlns="" xmlns:a16="http://schemas.microsoft.com/office/drawing/2014/main" id="{34567E3E-1A26-49D4-A920-EB0E7C0FC532}"/>
               </a:ext>
             </a:extLst>
           </p:cNvPr>
@@ -7006,7 +7763,7 @@
           <p:cNvPr id="102" name="文本框 101">
             <a:extLst>
               <a:ext uri="{FF2B5EF4-FFF2-40B4-BE49-F238E27FC236}">
-                <a16:creationId xmlns:a16="http://schemas.microsoft.com/office/drawing/2014/main" xmlns="" id="{38F0E08F-2AA8-4DAE-A241-05F0D2989813}"/>
+                <a16:creationId xmlns="" xmlns:a16="http://schemas.microsoft.com/office/drawing/2014/main" id="{38F0E08F-2AA8-4DAE-A241-05F0D2989813}"/>
               </a:ext>
             </a:extLst>
           </p:cNvPr>
@@ -7054,7 +7811,7 @@
           <p:cNvPr id="103" name="图片 102">
             <a:extLst>
               <a:ext uri="{FF2B5EF4-FFF2-40B4-BE49-F238E27FC236}">
-                <a16:creationId xmlns:a16="http://schemas.microsoft.com/office/drawing/2014/main" xmlns="" id="{831A65AB-5BAC-4728-9490-9A5A1925A330}"/>
+                <a16:creationId xmlns="" xmlns:a16="http://schemas.microsoft.com/office/drawing/2014/main" id="{831A65AB-5BAC-4728-9490-9A5A1925A330}"/>
               </a:ext>
             </a:extLst>
           </p:cNvPr>
@@ -7084,7 +7841,7 @@
           <p:cNvPr id="104" name="文本框 103">
             <a:extLst>
               <a:ext uri="{FF2B5EF4-FFF2-40B4-BE49-F238E27FC236}">
-                <a16:creationId xmlns:a16="http://schemas.microsoft.com/office/drawing/2014/main" xmlns="" id="{C8BA0A73-8C64-473D-B9B2-BD205D7C62EF}"/>
+                <a16:creationId xmlns="" xmlns:a16="http://schemas.microsoft.com/office/drawing/2014/main" id="{C8BA0A73-8C64-473D-B9B2-BD205D7C62EF}"/>
               </a:ext>
             </a:extLst>
           </p:cNvPr>
@@ -7133,7 +7890,7 @@
           <p:cNvPr id="105" name="文本框 104">
             <a:extLst>
               <a:ext uri="{FF2B5EF4-FFF2-40B4-BE49-F238E27FC236}">
-                <a16:creationId xmlns:a16="http://schemas.microsoft.com/office/drawing/2014/main" xmlns="" id="{3A1AE597-42B4-476D-BBED-ECED4E635A9B}"/>
+                <a16:creationId xmlns="" xmlns:a16="http://schemas.microsoft.com/office/drawing/2014/main" id="{3A1AE597-42B4-476D-BBED-ECED4E635A9B}"/>
               </a:ext>
             </a:extLst>
           </p:cNvPr>
@@ -7209,7 +7966,7 @@
           <p:cNvPr id="107" name="文本框 106">
             <a:extLst>
               <a:ext uri="{FF2B5EF4-FFF2-40B4-BE49-F238E27FC236}">
-                <a16:creationId xmlns:a16="http://schemas.microsoft.com/office/drawing/2014/main" xmlns="" id="{05BC91D9-4547-41B8-A09C-0CFCA64E3BB7}"/>
+                <a16:creationId xmlns="" xmlns:a16="http://schemas.microsoft.com/office/drawing/2014/main" id="{05BC91D9-4547-41B8-A09C-0CFCA64E3BB7}"/>
               </a:ext>
             </a:extLst>
           </p:cNvPr>
@@ -7257,7 +8014,7 @@
           <p:cNvPr id="108" name="图片 107">
             <a:extLst>
               <a:ext uri="{FF2B5EF4-FFF2-40B4-BE49-F238E27FC236}">
-                <a16:creationId xmlns:a16="http://schemas.microsoft.com/office/drawing/2014/main" xmlns="" id="{2FE7C702-462D-45A9-B117-87C246ABD768}"/>
+                <a16:creationId xmlns="" xmlns:a16="http://schemas.microsoft.com/office/drawing/2014/main" id="{2FE7C702-462D-45A9-B117-87C246ABD768}"/>
               </a:ext>
             </a:extLst>
           </p:cNvPr>
@@ -7287,7 +8044,7 @@
           <p:cNvPr id="198" name="图片 197">
             <a:extLst>
               <a:ext uri="{FF2B5EF4-FFF2-40B4-BE49-F238E27FC236}">
-                <a16:creationId xmlns:a16="http://schemas.microsoft.com/office/drawing/2014/main" xmlns="" id="{E884607F-59BF-4770-A511-42F7ACBB04F3}"/>
+                <a16:creationId xmlns="" xmlns:a16="http://schemas.microsoft.com/office/drawing/2014/main" id="{E884607F-59BF-4770-A511-42F7ACBB04F3}"/>
               </a:ext>
             </a:extLst>
           </p:cNvPr>
@@ -7317,7 +8074,7 @@
           <p:cNvPr id="199" name="文本框 198">
             <a:extLst>
               <a:ext uri="{FF2B5EF4-FFF2-40B4-BE49-F238E27FC236}">
-                <a16:creationId xmlns:a16="http://schemas.microsoft.com/office/drawing/2014/main" xmlns="" id="{FA619E4D-0942-4B82-AE59-2BB96B5C83BB}"/>
+                <a16:creationId xmlns="" xmlns:a16="http://schemas.microsoft.com/office/drawing/2014/main" id="{FA619E4D-0942-4B82-AE59-2BB96B5C83BB}"/>
               </a:ext>
             </a:extLst>
           </p:cNvPr>
@@ -7368,7 +8125,7 @@
           <p:cNvPr id="200" name="文本框 199">
             <a:extLst>
               <a:ext uri="{FF2B5EF4-FFF2-40B4-BE49-F238E27FC236}">
-                <a16:creationId xmlns:a16="http://schemas.microsoft.com/office/drawing/2014/main" xmlns="" id="{3E91EE5C-4CA5-47B8-8553-77CC314CEC21}"/>
+                <a16:creationId xmlns="" xmlns:a16="http://schemas.microsoft.com/office/drawing/2014/main" id="{3E91EE5C-4CA5-47B8-8553-77CC314CEC21}"/>
               </a:ext>
             </a:extLst>
           </p:cNvPr>
@@ -7447,7 +8204,7 @@
           <p:cNvPr id="201" name="文本框 200">
             <a:extLst>
               <a:ext uri="{FF2B5EF4-FFF2-40B4-BE49-F238E27FC236}">
-                <a16:creationId xmlns:a16="http://schemas.microsoft.com/office/drawing/2014/main" xmlns="" id="{4E94A1A1-5739-4278-A239-E03F7944BF63}"/>
+                <a16:creationId xmlns="" xmlns:a16="http://schemas.microsoft.com/office/drawing/2014/main" id="{4E94A1A1-5739-4278-A239-E03F7944BF63}"/>
               </a:ext>
             </a:extLst>
           </p:cNvPr>
@@ -7517,7 +8274,7 @@
           <p:cNvPr id="203" name="文本框 202">
             <a:extLst>
               <a:ext uri="{FF2B5EF4-FFF2-40B4-BE49-F238E27FC236}">
-                <a16:creationId xmlns:a16="http://schemas.microsoft.com/office/drawing/2014/main" xmlns="" id="{E701167A-20FE-4936-BB5A-444FFB6ED3CF}"/>
+                <a16:creationId xmlns="" xmlns:a16="http://schemas.microsoft.com/office/drawing/2014/main" id="{E701167A-20FE-4936-BB5A-444FFB6ED3CF}"/>
               </a:ext>
             </a:extLst>
           </p:cNvPr>
@@ -7579,34 +8336,6 @@
               <a:latin typeface="微软雅黑" panose="020B0503020204020204" pitchFamily="34" charset="-122"/>
               <a:ea typeface="微软雅黑" panose="020B0503020204020204" pitchFamily="34" charset="-122"/>
             </a:endParaRPr>
-          </a:p>
-        </p:txBody>
-      </p:sp>
-      <p:sp>
-        <p:nvSpPr>
-          <p:cNvPr id="2" name="矩形 1"/>
-          <p:cNvSpPr/>
-          <p:nvPr/>
-        </p:nvSpPr>
-        <p:spPr>
-          <a:xfrm>
-            <a:off x="5080337" y="3244334"/>
-            <a:ext cx="2031325" cy="369332"/>
-          </a:xfrm>
-          <a:prstGeom prst="rect">
-            <a:avLst/>
-          </a:prstGeom>
-        </p:spPr>
-        <p:txBody>
-          <a:bodyPr wrap="none">
-            <a:spAutoFit/>
-          </a:bodyPr>
-          <a:lstStyle/>
-          <a:p>
-            <a:r>
-              <a:rPr lang="zh-CN" altLang="en-US" dirty="0"/>
-              <a:t>关于项目是否开源</a:t>
-            </a:r>
           </a:p>
         </p:txBody>
       </p:sp>
@@ -7645,7 +8374,7 @@
           <p:cNvPr id="15" name="文本框 14">
             <a:extLst>
               <a:ext uri="{FF2B5EF4-FFF2-40B4-BE49-F238E27FC236}">
-                <a16:creationId xmlns:a16="http://schemas.microsoft.com/office/drawing/2014/main" xmlns="" id="{34567E3E-1A26-49D4-A920-EB0E7C0FC532}"/>
+                <a16:creationId xmlns="" xmlns:a16="http://schemas.microsoft.com/office/drawing/2014/main" id="{34567E3E-1A26-49D4-A920-EB0E7C0FC532}"/>
               </a:ext>
             </a:extLst>
           </p:cNvPr>
@@ -7683,7 +8412,7 @@
           <p:cNvPr id="2" name="文本框 1">
             <a:extLst>
               <a:ext uri="{FF2B5EF4-FFF2-40B4-BE49-F238E27FC236}">
-                <a16:creationId xmlns:a16="http://schemas.microsoft.com/office/drawing/2014/main" xmlns="" id="{448175C1-C1DE-41F0-899F-443B701B4EAA}"/>
+                <a16:creationId xmlns="" xmlns:a16="http://schemas.microsoft.com/office/drawing/2014/main" id="{448175C1-C1DE-41F0-899F-443B701B4EAA}"/>
               </a:ext>
             </a:extLst>
           </p:cNvPr>
@@ -7773,7 +8502,7 @@
           <p:cNvPr id="17" name="文本框 16">
             <a:extLst>
               <a:ext uri="{FF2B5EF4-FFF2-40B4-BE49-F238E27FC236}">
-                <a16:creationId xmlns:a16="http://schemas.microsoft.com/office/drawing/2014/main" xmlns="" id="{A226E4C2-507B-49F6-B035-4E03605D9FE3}"/>
+                <a16:creationId xmlns="" xmlns:a16="http://schemas.microsoft.com/office/drawing/2014/main" id="{A226E4C2-507B-49F6-B035-4E03605D9FE3}"/>
               </a:ext>
             </a:extLst>
           </p:cNvPr>
@@ -7863,7 +8592,7 @@
           <p:cNvPr id="18" name="文本框 17">
             <a:extLst>
               <a:ext uri="{FF2B5EF4-FFF2-40B4-BE49-F238E27FC236}">
-                <a16:creationId xmlns:a16="http://schemas.microsoft.com/office/drawing/2014/main" xmlns="" id="{4CC8D11E-BAE4-47F8-A94F-B7F108D69E61}"/>
+                <a16:creationId xmlns="" xmlns:a16="http://schemas.microsoft.com/office/drawing/2014/main" id="{4CC8D11E-BAE4-47F8-A94F-B7F108D69E61}"/>
               </a:ext>
             </a:extLst>
           </p:cNvPr>
@@ -7960,7 +8689,7 @@
           <p:cNvPr id="3" name="箭头: 下 2">
             <a:extLst>
               <a:ext uri="{FF2B5EF4-FFF2-40B4-BE49-F238E27FC236}">
-                <a16:creationId xmlns:a16="http://schemas.microsoft.com/office/drawing/2014/main" xmlns="" id="{1BDBD5C4-CEB5-4994-A546-2EA0FCD82921}"/>
+                <a16:creationId xmlns="" xmlns:a16="http://schemas.microsoft.com/office/drawing/2014/main" id="{1BDBD5C4-CEB5-4994-A546-2EA0FCD82921}"/>
               </a:ext>
             </a:extLst>
           </p:cNvPr>
@@ -8009,7 +8738,7 @@
           <p:cNvPr id="20" name="箭头: 下 19">
             <a:extLst>
               <a:ext uri="{FF2B5EF4-FFF2-40B4-BE49-F238E27FC236}">
-                <a16:creationId xmlns:a16="http://schemas.microsoft.com/office/drawing/2014/main" xmlns="" id="{23A3D05F-96FC-4CB1-A8FC-EFAD9F87C5AB}"/>
+                <a16:creationId xmlns="" xmlns:a16="http://schemas.microsoft.com/office/drawing/2014/main" id="{23A3D05F-96FC-4CB1-A8FC-EFAD9F87C5AB}"/>
               </a:ext>
             </a:extLst>
           </p:cNvPr>
@@ -8058,7 +8787,7 @@
           <p:cNvPr id="21" name="文本框 20">
             <a:extLst>
               <a:ext uri="{FF2B5EF4-FFF2-40B4-BE49-F238E27FC236}">
-                <a16:creationId xmlns:a16="http://schemas.microsoft.com/office/drawing/2014/main" xmlns="" id="{B90CC40A-23EE-411A-B255-0CEE48056427}"/>
+                <a16:creationId xmlns="" xmlns:a16="http://schemas.microsoft.com/office/drawing/2014/main" id="{B90CC40A-23EE-411A-B255-0CEE48056427}"/>
               </a:ext>
             </a:extLst>
           </p:cNvPr>
@@ -8117,7 +8846,7 @@
           <p:cNvPr id="22" name="箭头: 下 21">
             <a:extLst>
               <a:ext uri="{FF2B5EF4-FFF2-40B4-BE49-F238E27FC236}">
-                <a16:creationId xmlns:a16="http://schemas.microsoft.com/office/drawing/2014/main" xmlns="" id="{B560FFB5-06C6-4BB8-A580-3D157C40C349}"/>
+                <a16:creationId xmlns="" xmlns:a16="http://schemas.microsoft.com/office/drawing/2014/main" id="{B560FFB5-06C6-4BB8-A580-3D157C40C349}"/>
               </a:ext>
             </a:extLst>
           </p:cNvPr>
@@ -8166,7 +8895,7 @@
           <p:cNvPr id="23" name="文本框 22">
             <a:extLst>
               <a:ext uri="{FF2B5EF4-FFF2-40B4-BE49-F238E27FC236}">
-                <a16:creationId xmlns:a16="http://schemas.microsoft.com/office/drawing/2014/main" xmlns="" id="{F6784A20-CC41-41F6-B39B-9AC3B1B40BD9}"/>
+                <a16:creationId xmlns="" xmlns:a16="http://schemas.microsoft.com/office/drawing/2014/main" id="{F6784A20-CC41-41F6-B39B-9AC3B1B40BD9}"/>
               </a:ext>
             </a:extLst>
           </p:cNvPr>
@@ -8237,7 +8966,7 @@
           <p:cNvPr id="4" name="箭头: 右 3">
             <a:extLst>
               <a:ext uri="{FF2B5EF4-FFF2-40B4-BE49-F238E27FC236}">
-                <a16:creationId xmlns:a16="http://schemas.microsoft.com/office/drawing/2014/main" xmlns="" id="{34D7256F-53DE-4554-B5AC-07E143FF8418}"/>
+                <a16:creationId xmlns="" xmlns:a16="http://schemas.microsoft.com/office/drawing/2014/main" id="{34D7256F-53DE-4554-B5AC-07E143FF8418}"/>
               </a:ext>
             </a:extLst>
           </p:cNvPr>
@@ -8286,7 +9015,7 @@
           <p:cNvPr id="25" name="箭头: 右 24">
             <a:extLst>
               <a:ext uri="{FF2B5EF4-FFF2-40B4-BE49-F238E27FC236}">
-                <a16:creationId xmlns:a16="http://schemas.microsoft.com/office/drawing/2014/main" xmlns="" id="{564CB9DE-1AD0-43C3-BC1D-CC21B8495D39}"/>
+                <a16:creationId xmlns="" xmlns:a16="http://schemas.microsoft.com/office/drawing/2014/main" id="{564CB9DE-1AD0-43C3-BC1D-CC21B8495D39}"/>
               </a:ext>
             </a:extLst>
           </p:cNvPr>
@@ -8335,7 +9064,7 @@
           <p:cNvPr id="5" name="文本框 4">
             <a:extLst>
               <a:ext uri="{FF2B5EF4-FFF2-40B4-BE49-F238E27FC236}">
-                <a16:creationId xmlns:a16="http://schemas.microsoft.com/office/drawing/2014/main" xmlns="" id="{C5A2DDBA-C4C1-417B-8F2A-CDCBACB4D3E1}"/>
+                <a16:creationId xmlns="" xmlns:a16="http://schemas.microsoft.com/office/drawing/2014/main" id="{C5A2DDBA-C4C1-417B-8F2A-CDCBACB4D3E1}"/>
               </a:ext>
             </a:extLst>
           </p:cNvPr>
@@ -8370,7 +9099,7 @@
           <p:cNvPr id="27" name="文本框 26">
             <a:extLst>
               <a:ext uri="{FF2B5EF4-FFF2-40B4-BE49-F238E27FC236}">
-                <a16:creationId xmlns:a16="http://schemas.microsoft.com/office/drawing/2014/main" xmlns="" id="{FC34CEA1-871A-468C-8AD1-E165D16E57CC}"/>
+                <a16:creationId xmlns="" xmlns:a16="http://schemas.microsoft.com/office/drawing/2014/main" id="{FC34CEA1-871A-468C-8AD1-E165D16E57CC}"/>
               </a:ext>
             </a:extLst>
           </p:cNvPr>
@@ -8417,7 +9146,7 @@
           <p:cNvPr id="28" name="文本框 27">
             <a:extLst>
               <a:ext uri="{FF2B5EF4-FFF2-40B4-BE49-F238E27FC236}">
-                <a16:creationId xmlns:a16="http://schemas.microsoft.com/office/drawing/2014/main" xmlns="" id="{D5A422F8-50FA-4FF1-9C72-88101A524BD7}"/>
+                <a16:creationId xmlns="" xmlns:a16="http://schemas.microsoft.com/office/drawing/2014/main" id="{D5A422F8-50FA-4FF1-9C72-88101A524BD7}"/>
               </a:ext>
             </a:extLst>
           </p:cNvPr>
@@ -8482,7 +9211,7 @@
           <p:cNvPr id="15" name="文本框 14">
             <a:extLst>
               <a:ext uri="{FF2B5EF4-FFF2-40B4-BE49-F238E27FC236}">
-                <a16:creationId xmlns:a16="http://schemas.microsoft.com/office/drawing/2014/main" xmlns="" id="{34567E3E-1A26-49D4-A920-EB0E7C0FC532}"/>
+                <a16:creationId xmlns="" xmlns:a16="http://schemas.microsoft.com/office/drawing/2014/main" id="{34567E3E-1A26-49D4-A920-EB0E7C0FC532}"/>
               </a:ext>
             </a:extLst>
           </p:cNvPr>
@@ -8527,7 +9256,7 @@
           <p:cNvPr id="6" name="椭圆 5">
             <a:extLst>
               <a:ext uri="{FF2B5EF4-FFF2-40B4-BE49-F238E27FC236}">
-                <a16:creationId xmlns:a16="http://schemas.microsoft.com/office/drawing/2014/main" xmlns="" id="{4B2C8E33-56D6-4201-B560-0934D5A18AD9}"/>
+                <a16:creationId xmlns="" xmlns:a16="http://schemas.microsoft.com/office/drawing/2014/main" id="{4B2C8E33-56D6-4201-B560-0934D5A18AD9}"/>
               </a:ext>
             </a:extLst>
           </p:cNvPr>
@@ -8586,7 +9315,7 @@
           <p:cNvPr id="26" name="椭圆 25">
             <a:extLst>
               <a:ext uri="{FF2B5EF4-FFF2-40B4-BE49-F238E27FC236}">
-                <a16:creationId xmlns:a16="http://schemas.microsoft.com/office/drawing/2014/main" xmlns="" id="{D76D86A5-431F-455D-B722-BEEC739487EA}"/>
+                <a16:creationId xmlns="" xmlns:a16="http://schemas.microsoft.com/office/drawing/2014/main" id="{D76D86A5-431F-455D-B722-BEEC739487EA}"/>
               </a:ext>
             </a:extLst>
           </p:cNvPr>
@@ -8656,7 +9385,7 @@
           <p:cNvPr id="29" name="椭圆 28">
             <a:extLst>
               <a:ext uri="{FF2B5EF4-FFF2-40B4-BE49-F238E27FC236}">
-                <a16:creationId xmlns:a16="http://schemas.microsoft.com/office/drawing/2014/main" xmlns="" id="{1C9B6A78-FDC1-4E8C-887F-6BB291F96F6A}"/>
+                <a16:creationId xmlns="" xmlns:a16="http://schemas.microsoft.com/office/drawing/2014/main" id="{1C9B6A78-FDC1-4E8C-887F-6BB291F96F6A}"/>
               </a:ext>
             </a:extLst>
           </p:cNvPr>
@@ -8724,7 +9453,7 @@
           <p:cNvPr id="8" name="直接箭头连接符 7">
             <a:extLst>
               <a:ext uri="{FF2B5EF4-FFF2-40B4-BE49-F238E27FC236}">
-                <a16:creationId xmlns:a16="http://schemas.microsoft.com/office/drawing/2014/main" xmlns="" id="{45C62F92-2736-48CB-8AA5-AD5777CD174D}"/>
+                <a16:creationId xmlns="" xmlns:a16="http://schemas.microsoft.com/office/drawing/2014/main" id="{45C62F92-2736-48CB-8AA5-AD5777CD174D}"/>
               </a:ext>
             </a:extLst>
           </p:cNvPr>
@@ -8767,7 +9496,7 @@
           <p:cNvPr id="30" name="直接箭头连接符 29">
             <a:extLst>
               <a:ext uri="{FF2B5EF4-FFF2-40B4-BE49-F238E27FC236}">
-                <a16:creationId xmlns:a16="http://schemas.microsoft.com/office/drawing/2014/main" xmlns="" id="{B85477DA-0AD9-41A4-9978-4F25DD1207D5}"/>
+                <a16:creationId xmlns="" xmlns:a16="http://schemas.microsoft.com/office/drawing/2014/main" id="{B85477DA-0AD9-41A4-9978-4F25DD1207D5}"/>
               </a:ext>
             </a:extLst>
           </p:cNvPr>
@@ -8810,7 +9539,7 @@
           <p:cNvPr id="35" name="文本框 34">
             <a:extLst>
               <a:ext uri="{FF2B5EF4-FFF2-40B4-BE49-F238E27FC236}">
-                <a16:creationId xmlns:a16="http://schemas.microsoft.com/office/drawing/2014/main" xmlns="" id="{D24DBE3B-D1D7-4267-944F-2606464AC6F1}"/>
+                <a16:creationId xmlns="" xmlns:a16="http://schemas.microsoft.com/office/drawing/2014/main" id="{D24DBE3B-D1D7-4267-944F-2606464AC6F1}"/>
               </a:ext>
             </a:extLst>
           </p:cNvPr>
@@ -8852,7 +9581,7 @@
           <p:cNvPr id="36" name="文本框 35">
             <a:extLst>
               <a:ext uri="{FF2B5EF4-FFF2-40B4-BE49-F238E27FC236}">
-                <a16:creationId xmlns:a16="http://schemas.microsoft.com/office/drawing/2014/main" xmlns="" id="{DDA4AB98-DA52-464A-B22A-0CE1AE1651FF}"/>
+                <a16:creationId xmlns="" xmlns:a16="http://schemas.microsoft.com/office/drawing/2014/main" id="{DDA4AB98-DA52-464A-B22A-0CE1AE1651FF}"/>
               </a:ext>
             </a:extLst>
           </p:cNvPr>
@@ -8894,7 +9623,7 @@
           <p:cNvPr id="37" name="直接箭头连接符 36">
             <a:extLst>
               <a:ext uri="{FF2B5EF4-FFF2-40B4-BE49-F238E27FC236}">
-                <a16:creationId xmlns:a16="http://schemas.microsoft.com/office/drawing/2014/main" xmlns="" id="{38C1F792-9AD1-49EE-9BCA-E5AF89A8538E}"/>
+                <a16:creationId xmlns="" xmlns:a16="http://schemas.microsoft.com/office/drawing/2014/main" id="{38C1F792-9AD1-49EE-9BCA-E5AF89A8538E}"/>
               </a:ext>
             </a:extLst>
           </p:cNvPr>
@@ -8936,7 +9665,7 @@
           <p:cNvPr id="42" name="文本框 41">
             <a:extLst>
               <a:ext uri="{FF2B5EF4-FFF2-40B4-BE49-F238E27FC236}">
-                <a16:creationId xmlns:a16="http://schemas.microsoft.com/office/drawing/2014/main" xmlns="" id="{C86E9AEE-98A2-420B-A5B7-1AF4F9929694}"/>
+                <a16:creationId xmlns="" xmlns:a16="http://schemas.microsoft.com/office/drawing/2014/main" id="{C86E9AEE-98A2-420B-A5B7-1AF4F9929694}"/>
               </a:ext>
             </a:extLst>
           </p:cNvPr>
@@ -9004,7 +9733,7 @@
           <p:cNvPr id="45" name="矩形 44">
             <a:extLst>
               <a:ext uri="{FF2B5EF4-FFF2-40B4-BE49-F238E27FC236}">
-                <a16:creationId xmlns:a16="http://schemas.microsoft.com/office/drawing/2014/main" xmlns="" id="{5633A548-AE9B-4778-BB99-7007561DF1A7}"/>
+                <a16:creationId xmlns="" xmlns:a16="http://schemas.microsoft.com/office/drawing/2014/main" id="{5633A548-AE9B-4778-BB99-7007561DF1A7}"/>
               </a:ext>
             </a:extLst>
           </p:cNvPr>
@@ -9073,7 +9802,7 @@
           <p:cNvPr id="46" name="矩形 45">
             <a:extLst>
               <a:ext uri="{FF2B5EF4-FFF2-40B4-BE49-F238E27FC236}">
-                <a16:creationId xmlns:a16="http://schemas.microsoft.com/office/drawing/2014/main" xmlns="" id="{76EBC637-BF99-49E5-B8AF-AB651E53FB5D}"/>
+                <a16:creationId xmlns="" xmlns:a16="http://schemas.microsoft.com/office/drawing/2014/main" id="{76EBC637-BF99-49E5-B8AF-AB651E53FB5D}"/>
               </a:ext>
             </a:extLst>
           </p:cNvPr>
@@ -9142,7 +9871,7 @@
           <p:cNvPr id="47" name="矩形 46">
             <a:extLst>
               <a:ext uri="{FF2B5EF4-FFF2-40B4-BE49-F238E27FC236}">
-                <a16:creationId xmlns:a16="http://schemas.microsoft.com/office/drawing/2014/main" xmlns="" id="{497B8A3D-1F5E-49C0-BB59-819E136DF524}"/>
+                <a16:creationId xmlns="" xmlns:a16="http://schemas.microsoft.com/office/drawing/2014/main" id="{497B8A3D-1F5E-49C0-BB59-819E136DF524}"/>
               </a:ext>
             </a:extLst>
           </p:cNvPr>
@@ -9230,7 +9959,7 @@
             <a:r>
               <a:rPr lang="zh-CN" altLang="en-US" sz="2400" dirty="0">
                 <a:solidFill>
-                  <a:srgbClr val="FF0000"/>
+                  <a:schemeClr val="tx1"/>
                 </a:solidFill>
               </a:rPr>
               <a:t>但样本</a:t>
@@ -9238,7 +9967,7 @@
             <a:r>
               <a:rPr lang="en-US" altLang="zh-CN" sz="2400" dirty="0">
                 <a:solidFill>
-                  <a:srgbClr val="FF0000"/>
+                  <a:schemeClr val="tx1"/>
                 </a:solidFill>
               </a:rPr>
               <a:t>y</a:t>
@@ -9246,7 +9975,7 @@
             <a:r>
               <a:rPr lang="zh-CN" altLang="en-US" sz="2400" dirty="0">
                 <a:solidFill>
-                  <a:srgbClr val="FF0000"/>
+                  <a:schemeClr val="tx1"/>
                 </a:solidFill>
               </a:rPr>
               <a:t>是</a:t>
@@ -9254,7 +9983,7 @@
             <a:r>
               <a:rPr lang="en-US" altLang="zh-CN" sz="2400" dirty="0">
                 <a:solidFill>
-                  <a:srgbClr val="FF0000"/>
+                  <a:schemeClr val="tx1"/>
                 </a:solidFill>
               </a:rPr>
               <a:t>4</a:t>
@@ -9297,7 +10026,7 @@
           <p:cNvPr id="15" name="文本框 14">
             <a:extLst>
               <a:ext uri="{FF2B5EF4-FFF2-40B4-BE49-F238E27FC236}">
-                <a16:creationId xmlns:a16="http://schemas.microsoft.com/office/drawing/2014/main" xmlns="" id="{34567E3E-1A26-49D4-A920-EB0E7C0FC532}"/>
+                <a16:creationId xmlns="" xmlns:a16="http://schemas.microsoft.com/office/drawing/2014/main" id="{34567E3E-1A26-49D4-A920-EB0E7C0FC532}"/>
               </a:ext>
             </a:extLst>
           </p:cNvPr>
@@ -9370,7 +10099,7 @@
           <p:cNvPr id="6" name="椭圆 5">
             <a:extLst>
               <a:ext uri="{FF2B5EF4-FFF2-40B4-BE49-F238E27FC236}">
-                <a16:creationId xmlns:a16="http://schemas.microsoft.com/office/drawing/2014/main" xmlns="" id="{4B2C8E33-56D6-4201-B560-0934D5A18AD9}"/>
+                <a16:creationId xmlns="" xmlns:a16="http://schemas.microsoft.com/office/drawing/2014/main" id="{4B2C8E33-56D6-4201-B560-0934D5A18AD9}"/>
               </a:ext>
             </a:extLst>
           </p:cNvPr>
@@ -9429,7 +10158,7 @@
           <p:cNvPr id="26" name="椭圆 25">
             <a:extLst>
               <a:ext uri="{FF2B5EF4-FFF2-40B4-BE49-F238E27FC236}">
-                <a16:creationId xmlns:a16="http://schemas.microsoft.com/office/drawing/2014/main" xmlns="" id="{D76D86A5-431F-455D-B722-BEEC739487EA}"/>
+                <a16:creationId xmlns="" xmlns:a16="http://schemas.microsoft.com/office/drawing/2014/main" id="{D76D86A5-431F-455D-B722-BEEC739487EA}"/>
               </a:ext>
             </a:extLst>
           </p:cNvPr>
@@ -9499,7 +10228,7 @@
           <p:cNvPr id="29" name="椭圆 28">
             <a:extLst>
               <a:ext uri="{FF2B5EF4-FFF2-40B4-BE49-F238E27FC236}">
-                <a16:creationId xmlns:a16="http://schemas.microsoft.com/office/drawing/2014/main" xmlns="" id="{1C9B6A78-FDC1-4E8C-887F-6BB291F96F6A}"/>
+                <a16:creationId xmlns="" xmlns:a16="http://schemas.microsoft.com/office/drawing/2014/main" id="{1C9B6A78-FDC1-4E8C-887F-6BB291F96F6A}"/>
               </a:ext>
             </a:extLst>
           </p:cNvPr>
@@ -9567,7 +10296,7 @@
           <p:cNvPr id="8" name="直接箭头连接符 7">
             <a:extLst>
               <a:ext uri="{FF2B5EF4-FFF2-40B4-BE49-F238E27FC236}">
-                <a16:creationId xmlns:a16="http://schemas.microsoft.com/office/drawing/2014/main" xmlns="" id="{45C62F92-2736-48CB-8AA5-AD5777CD174D}"/>
+                <a16:creationId xmlns="" xmlns:a16="http://schemas.microsoft.com/office/drawing/2014/main" id="{45C62F92-2736-48CB-8AA5-AD5777CD174D}"/>
               </a:ext>
             </a:extLst>
           </p:cNvPr>
@@ -9610,7 +10339,7 @@
           <p:cNvPr id="30" name="直接箭头连接符 29">
             <a:extLst>
               <a:ext uri="{FF2B5EF4-FFF2-40B4-BE49-F238E27FC236}">
-                <a16:creationId xmlns:a16="http://schemas.microsoft.com/office/drawing/2014/main" xmlns="" id="{B85477DA-0AD9-41A4-9978-4F25DD1207D5}"/>
+                <a16:creationId xmlns="" xmlns:a16="http://schemas.microsoft.com/office/drawing/2014/main" id="{B85477DA-0AD9-41A4-9978-4F25DD1207D5}"/>
               </a:ext>
             </a:extLst>
           </p:cNvPr>
@@ -9653,7 +10382,7 @@
           <p:cNvPr id="35" name="文本框 34">
             <a:extLst>
               <a:ext uri="{FF2B5EF4-FFF2-40B4-BE49-F238E27FC236}">
-                <a16:creationId xmlns:a16="http://schemas.microsoft.com/office/drawing/2014/main" xmlns="" id="{D24DBE3B-D1D7-4267-944F-2606464AC6F1}"/>
+                <a16:creationId xmlns="" xmlns:a16="http://schemas.microsoft.com/office/drawing/2014/main" id="{D24DBE3B-D1D7-4267-944F-2606464AC6F1}"/>
               </a:ext>
             </a:extLst>
           </p:cNvPr>
@@ -9695,7 +10424,7 @@
           <p:cNvPr id="36" name="文本框 35">
             <a:extLst>
               <a:ext uri="{FF2B5EF4-FFF2-40B4-BE49-F238E27FC236}">
-                <a16:creationId xmlns:a16="http://schemas.microsoft.com/office/drawing/2014/main" xmlns="" id="{DDA4AB98-DA52-464A-B22A-0CE1AE1651FF}"/>
+                <a16:creationId xmlns="" xmlns:a16="http://schemas.microsoft.com/office/drawing/2014/main" id="{DDA4AB98-DA52-464A-B22A-0CE1AE1651FF}"/>
               </a:ext>
             </a:extLst>
           </p:cNvPr>
@@ -9737,7 +10466,7 @@
           <p:cNvPr id="37" name="直接箭头连接符 36">
             <a:extLst>
               <a:ext uri="{FF2B5EF4-FFF2-40B4-BE49-F238E27FC236}">
-                <a16:creationId xmlns:a16="http://schemas.microsoft.com/office/drawing/2014/main" xmlns="" id="{38C1F792-9AD1-49EE-9BCA-E5AF89A8538E}"/>
+                <a16:creationId xmlns="" xmlns:a16="http://schemas.microsoft.com/office/drawing/2014/main" id="{38C1F792-9AD1-49EE-9BCA-E5AF89A8538E}"/>
               </a:ext>
             </a:extLst>
           </p:cNvPr>
@@ -9780,7 +10509,7 @@
           <p:cNvPr id="42" name="文本框 41">
             <a:extLst>
               <a:ext uri="{FF2B5EF4-FFF2-40B4-BE49-F238E27FC236}">
-                <a16:creationId xmlns:a16="http://schemas.microsoft.com/office/drawing/2014/main" xmlns="" id="{C86E9AEE-98A2-420B-A5B7-1AF4F9929694}"/>
+                <a16:creationId xmlns="" xmlns:a16="http://schemas.microsoft.com/office/drawing/2014/main" id="{C86E9AEE-98A2-420B-A5B7-1AF4F9929694}"/>
               </a:ext>
             </a:extLst>
           </p:cNvPr>
@@ -9836,7 +10565,7 @@
           <p:cNvPr id="45" name="矩形 44">
             <a:extLst>
               <a:ext uri="{FF2B5EF4-FFF2-40B4-BE49-F238E27FC236}">
-                <a16:creationId xmlns:a16="http://schemas.microsoft.com/office/drawing/2014/main" xmlns="" id="{5633A548-AE9B-4778-BB99-7007561DF1A7}"/>
+                <a16:creationId xmlns="" xmlns:a16="http://schemas.microsoft.com/office/drawing/2014/main" id="{5633A548-AE9B-4778-BB99-7007561DF1A7}"/>
               </a:ext>
             </a:extLst>
           </p:cNvPr>
@@ -9905,7 +10634,7 @@
           <p:cNvPr id="46" name="矩形 45">
             <a:extLst>
               <a:ext uri="{FF2B5EF4-FFF2-40B4-BE49-F238E27FC236}">
-                <a16:creationId xmlns:a16="http://schemas.microsoft.com/office/drawing/2014/main" xmlns="" id="{76EBC637-BF99-49E5-B8AF-AB651E53FB5D}"/>
+                <a16:creationId xmlns="" xmlns:a16="http://schemas.microsoft.com/office/drawing/2014/main" id="{76EBC637-BF99-49E5-B8AF-AB651E53FB5D}"/>
               </a:ext>
             </a:extLst>
           </p:cNvPr>
@@ -9974,7 +10703,7 @@
           <p:cNvPr id="17" name="椭圆 16">
             <a:extLst>
               <a:ext uri="{FF2B5EF4-FFF2-40B4-BE49-F238E27FC236}">
-                <a16:creationId xmlns:a16="http://schemas.microsoft.com/office/drawing/2014/main" xmlns="" id="{1359D5B3-FAF8-4DF1-A299-7D7EB839B71D}"/>
+                <a16:creationId xmlns="" xmlns:a16="http://schemas.microsoft.com/office/drawing/2014/main" id="{1359D5B3-FAF8-4DF1-A299-7D7EB839B71D}"/>
               </a:ext>
             </a:extLst>
           </p:cNvPr>
@@ -10044,7 +10773,7 @@
           <p:cNvPr id="18" name="椭圆 17">
             <a:extLst>
               <a:ext uri="{FF2B5EF4-FFF2-40B4-BE49-F238E27FC236}">
-                <a16:creationId xmlns:a16="http://schemas.microsoft.com/office/drawing/2014/main" xmlns="" id="{F6279AA0-5F02-444A-9812-831598F6F9AB}"/>
+                <a16:creationId xmlns="" xmlns:a16="http://schemas.microsoft.com/office/drawing/2014/main" id="{F6279AA0-5F02-444A-9812-831598F6F9AB}"/>
               </a:ext>
             </a:extLst>
           </p:cNvPr>
@@ -10112,7 +10841,7 @@
           <p:cNvPr id="20" name="直接箭头连接符 19">
             <a:extLst>
               <a:ext uri="{FF2B5EF4-FFF2-40B4-BE49-F238E27FC236}">
-                <a16:creationId xmlns:a16="http://schemas.microsoft.com/office/drawing/2014/main" xmlns="" id="{BAD032B5-8F88-41BA-849B-303E829A1F5E}"/>
+                <a16:creationId xmlns="" xmlns:a16="http://schemas.microsoft.com/office/drawing/2014/main" id="{BAD032B5-8F88-41BA-849B-303E829A1F5E}"/>
               </a:ext>
             </a:extLst>
           </p:cNvPr>
@@ -10155,7 +10884,7 @@
           <p:cNvPr id="27" name="文本框 26">
             <a:extLst>
               <a:ext uri="{FF2B5EF4-FFF2-40B4-BE49-F238E27FC236}">
-                <a16:creationId xmlns:a16="http://schemas.microsoft.com/office/drawing/2014/main" xmlns="" id="{3DA6E0E1-F944-41F5-BBE7-BB3D7643620D}"/>
+                <a16:creationId xmlns="" xmlns:a16="http://schemas.microsoft.com/office/drawing/2014/main" id="{3DA6E0E1-F944-41F5-BBE7-BB3D7643620D}"/>
               </a:ext>
             </a:extLst>
           </p:cNvPr>
@@ -10223,7 +10952,7 @@
           <p:cNvPr id="28" name="直接箭头连接符 27">
             <a:extLst>
               <a:ext uri="{FF2B5EF4-FFF2-40B4-BE49-F238E27FC236}">
-                <a16:creationId xmlns:a16="http://schemas.microsoft.com/office/drawing/2014/main" xmlns="" id="{2D1E6E72-5E1A-4E09-BEB3-4ECD58AB6381}"/>
+                <a16:creationId xmlns="" xmlns:a16="http://schemas.microsoft.com/office/drawing/2014/main" id="{2D1E6E72-5E1A-4E09-BEB3-4ECD58AB6381}"/>
               </a:ext>
             </a:extLst>
           </p:cNvPr>
@@ -10265,7 +10994,7 @@
           <p:cNvPr id="31" name="文本框 30">
             <a:extLst>
               <a:ext uri="{FF2B5EF4-FFF2-40B4-BE49-F238E27FC236}">
-                <a16:creationId xmlns:a16="http://schemas.microsoft.com/office/drawing/2014/main" xmlns="" id="{FBD0200F-D23D-4C7B-99FA-B594FD03A457}"/>
+                <a16:creationId xmlns="" xmlns:a16="http://schemas.microsoft.com/office/drawing/2014/main" id="{FBD0200F-D23D-4C7B-99FA-B594FD03A457}"/>
               </a:ext>
             </a:extLst>
           </p:cNvPr>
@@ -10307,7 +11036,7 @@
           <p:cNvPr id="33" name="文本框 32">
             <a:extLst>
               <a:ext uri="{FF2B5EF4-FFF2-40B4-BE49-F238E27FC236}">
-                <a16:creationId xmlns:a16="http://schemas.microsoft.com/office/drawing/2014/main" xmlns="" id="{50212CB7-4566-46A3-B34D-F63BC5733F71}"/>
+                <a16:creationId xmlns="" xmlns:a16="http://schemas.microsoft.com/office/drawing/2014/main" id="{50212CB7-4566-46A3-B34D-F63BC5733F71}"/>
               </a:ext>
             </a:extLst>
           </p:cNvPr>
@@ -10392,7 +11121,7 @@
           <p:cNvPr id="38" name="文本框 37">
             <a:extLst>
               <a:ext uri="{FF2B5EF4-FFF2-40B4-BE49-F238E27FC236}">
-                <a16:creationId xmlns:a16="http://schemas.microsoft.com/office/drawing/2014/main" xmlns="" id="{D28D6FFC-6CF0-4ADB-9F68-81C40851F057}"/>
+                <a16:creationId xmlns="" xmlns:a16="http://schemas.microsoft.com/office/drawing/2014/main" id="{D28D6FFC-6CF0-4ADB-9F68-81C40851F057}"/>
               </a:ext>
             </a:extLst>
           </p:cNvPr>
@@ -10526,7 +11255,7 @@
           <p:cNvPr id="39" name="矩形 38">
             <a:extLst>
               <a:ext uri="{FF2B5EF4-FFF2-40B4-BE49-F238E27FC236}">
-                <a16:creationId xmlns:a16="http://schemas.microsoft.com/office/drawing/2014/main" xmlns="" id="{612023BD-D0F7-4479-B7C7-3BAD1838AA4C}"/>
+                <a16:creationId xmlns="" xmlns:a16="http://schemas.microsoft.com/office/drawing/2014/main" id="{612023BD-D0F7-4479-B7C7-3BAD1838AA4C}"/>
               </a:ext>
             </a:extLst>
           </p:cNvPr>
@@ -10703,7 +11432,7 @@
           <p:cNvPr id="15" name="文本框 14">
             <a:extLst>
               <a:ext uri="{FF2B5EF4-FFF2-40B4-BE49-F238E27FC236}">
-                <a16:creationId xmlns:a16="http://schemas.microsoft.com/office/drawing/2014/main" xmlns="" id="{34567E3E-1A26-49D4-A920-EB0E7C0FC532}"/>
+                <a16:creationId xmlns="" xmlns:a16="http://schemas.microsoft.com/office/drawing/2014/main" id="{34567E3E-1A26-49D4-A920-EB0E7C0FC532}"/>
               </a:ext>
             </a:extLst>
           </p:cNvPr>
@@ -10814,7 +11543,7 @@
           <p:cNvPr id="2" name="文本框 1">
             <a:extLst>
               <a:ext uri="{FF2B5EF4-FFF2-40B4-BE49-F238E27FC236}">
-                <a16:creationId xmlns:a16="http://schemas.microsoft.com/office/drawing/2014/main" xmlns="" id="{E4F86F29-0F18-4D11-91A0-47B23C3433C4}"/>
+                <a16:creationId xmlns="" xmlns:a16="http://schemas.microsoft.com/office/drawing/2014/main" id="{E4F86F29-0F18-4D11-91A0-47B23C3433C4}"/>
               </a:ext>
             </a:extLst>
           </p:cNvPr>
@@ -10875,7 +11604,7 @@
               <p:cNvPr id="24" name="文本框 23">
                 <a:extLst>
                   <a:ext uri="{FF2B5EF4-FFF2-40B4-BE49-F238E27FC236}">
-                    <a16:creationId xmlns:a16="http://schemas.microsoft.com/office/drawing/2014/main" xmlns="" id="{4DC70B15-2607-4E16-9986-C2DE899EF3A9}"/>
+                    <a16:creationId xmlns="" xmlns:a16="http://schemas.microsoft.com/office/drawing/2014/main" id="{4DC70B15-2607-4E16-9986-C2DE899EF3A9}"/>
                   </a:ext>
                 </a:extLst>
               </p:cNvPr>
@@ -11237,7 +11966,7 @@
           <p:cNvPr id="25" name="文本框 24">
             <a:extLst>
               <a:ext uri="{FF2B5EF4-FFF2-40B4-BE49-F238E27FC236}">
-                <a16:creationId xmlns:a16="http://schemas.microsoft.com/office/drawing/2014/main" xmlns="" id="{7682298F-D26D-4E59-8734-57F6DBFE3C7D}"/>
+                <a16:creationId xmlns="" xmlns:a16="http://schemas.microsoft.com/office/drawing/2014/main" id="{7682298F-D26D-4E59-8734-57F6DBFE3C7D}"/>
               </a:ext>
             </a:extLst>
           </p:cNvPr>
@@ -11348,7 +12077,7 @@
           <p:cNvPr id="3" name="矩形 2">
             <a:extLst>
               <a:ext uri="{FF2B5EF4-FFF2-40B4-BE49-F238E27FC236}">
-                <a16:creationId xmlns:a16="http://schemas.microsoft.com/office/drawing/2014/main" xmlns="" id="{0E567DBE-E995-44A4-8A31-87DF4D74249A}"/>
+                <a16:creationId xmlns="" xmlns:a16="http://schemas.microsoft.com/office/drawing/2014/main" id="{0E567DBE-E995-44A4-8A31-87DF4D74249A}"/>
               </a:ext>
             </a:extLst>
           </p:cNvPr>
@@ -11436,7 +12165,7 @@
           <p:cNvPr id="7" name="文本框 6">
             <a:extLst>
               <a:ext uri="{FF2B5EF4-FFF2-40B4-BE49-F238E27FC236}">
-                <a16:creationId xmlns:a16="http://schemas.microsoft.com/office/drawing/2014/main" xmlns="" id="{E91F25E4-22B2-41FC-8AA9-A7AD59513B08}"/>
+                <a16:creationId xmlns="" xmlns:a16="http://schemas.microsoft.com/office/drawing/2014/main" id="{E91F25E4-22B2-41FC-8AA9-A7AD59513B08}"/>
               </a:ext>
             </a:extLst>
           </p:cNvPr>
@@ -11491,7 +12220,7 @@
           <p:cNvPr id="8" name="椭圆 7">
             <a:extLst>
               <a:ext uri="{FF2B5EF4-FFF2-40B4-BE49-F238E27FC236}">
-                <a16:creationId xmlns:a16="http://schemas.microsoft.com/office/drawing/2014/main" xmlns="" id="{3F40977F-01A7-4C2B-A5AF-5AF830C41F88}"/>
+                <a16:creationId xmlns="" xmlns:a16="http://schemas.microsoft.com/office/drawing/2014/main" id="{3F40977F-01A7-4C2B-A5AF-5AF830C41F88}"/>
               </a:ext>
             </a:extLst>
           </p:cNvPr>
@@ -11550,7 +12279,7 @@
           <p:cNvPr id="9" name="椭圆 8">
             <a:extLst>
               <a:ext uri="{FF2B5EF4-FFF2-40B4-BE49-F238E27FC236}">
-                <a16:creationId xmlns:a16="http://schemas.microsoft.com/office/drawing/2014/main" xmlns="" id="{A28B8B30-9F70-4061-9D4D-9E4A972669F0}"/>
+                <a16:creationId xmlns="" xmlns:a16="http://schemas.microsoft.com/office/drawing/2014/main" id="{A28B8B30-9F70-4061-9D4D-9E4A972669F0}"/>
               </a:ext>
             </a:extLst>
           </p:cNvPr>
@@ -11620,7 +12349,7 @@
           <p:cNvPr id="10" name="椭圆 9">
             <a:extLst>
               <a:ext uri="{FF2B5EF4-FFF2-40B4-BE49-F238E27FC236}">
-                <a16:creationId xmlns:a16="http://schemas.microsoft.com/office/drawing/2014/main" xmlns="" id="{E5BDB8A6-FEE2-409D-A870-34D48BE214A9}"/>
+                <a16:creationId xmlns="" xmlns:a16="http://schemas.microsoft.com/office/drawing/2014/main" id="{E5BDB8A6-FEE2-409D-A870-34D48BE214A9}"/>
               </a:ext>
             </a:extLst>
           </p:cNvPr>
@@ -11688,7 +12417,7 @@
           <p:cNvPr id="11" name="直接箭头连接符 10">
             <a:extLst>
               <a:ext uri="{FF2B5EF4-FFF2-40B4-BE49-F238E27FC236}">
-                <a16:creationId xmlns:a16="http://schemas.microsoft.com/office/drawing/2014/main" xmlns="" id="{A4DE27C4-16D8-4C5E-9F5F-95B40DE427BF}"/>
+                <a16:creationId xmlns="" xmlns:a16="http://schemas.microsoft.com/office/drawing/2014/main" id="{A4DE27C4-16D8-4C5E-9F5F-95B40DE427BF}"/>
               </a:ext>
             </a:extLst>
           </p:cNvPr>
@@ -11731,7 +12460,7 @@
           <p:cNvPr id="12" name="直接箭头连接符 11">
             <a:extLst>
               <a:ext uri="{FF2B5EF4-FFF2-40B4-BE49-F238E27FC236}">
-                <a16:creationId xmlns:a16="http://schemas.microsoft.com/office/drawing/2014/main" xmlns="" id="{11F767BB-2166-4C65-A961-E6C36768953A}"/>
+                <a16:creationId xmlns="" xmlns:a16="http://schemas.microsoft.com/office/drawing/2014/main" id="{11F767BB-2166-4C65-A961-E6C36768953A}"/>
               </a:ext>
             </a:extLst>
           </p:cNvPr>
@@ -11774,7 +12503,7 @@
           <p:cNvPr id="13" name="文本框 12">
             <a:extLst>
               <a:ext uri="{FF2B5EF4-FFF2-40B4-BE49-F238E27FC236}">
-                <a16:creationId xmlns:a16="http://schemas.microsoft.com/office/drawing/2014/main" xmlns="" id="{70E16A3D-7774-4264-A33C-BBDAADDA2C8F}"/>
+                <a16:creationId xmlns="" xmlns:a16="http://schemas.microsoft.com/office/drawing/2014/main" id="{70E16A3D-7774-4264-A33C-BBDAADDA2C8F}"/>
               </a:ext>
             </a:extLst>
           </p:cNvPr>
@@ -11816,7 +12545,7 @@
           <p:cNvPr id="14" name="文本框 13">
             <a:extLst>
               <a:ext uri="{FF2B5EF4-FFF2-40B4-BE49-F238E27FC236}">
-                <a16:creationId xmlns:a16="http://schemas.microsoft.com/office/drawing/2014/main" xmlns="" id="{7E5298FD-F8CB-4573-89CD-2B5955FBA1B3}"/>
+                <a16:creationId xmlns="" xmlns:a16="http://schemas.microsoft.com/office/drawing/2014/main" id="{7E5298FD-F8CB-4573-89CD-2B5955FBA1B3}"/>
               </a:ext>
             </a:extLst>
           </p:cNvPr>
@@ -11858,7 +12587,7 @@
           <p:cNvPr id="16" name="直接箭头连接符 15">
             <a:extLst>
               <a:ext uri="{FF2B5EF4-FFF2-40B4-BE49-F238E27FC236}">
-                <a16:creationId xmlns:a16="http://schemas.microsoft.com/office/drawing/2014/main" xmlns="" id="{65A8EEF6-2A17-4BAA-8924-C700993A4627}"/>
+                <a16:creationId xmlns="" xmlns:a16="http://schemas.microsoft.com/office/drawing/2014/main" id="{65A8EEF6-2A17-4BAA-8924-C700993A4627}"/>
               </a:ext>
             </a:extLst>
           </p:cNvPr>
@@ -11901,7 +12630,7 @@
           <p:cNvPr id="17" name="文本框 16">
             <a:extLst>
               <a:ext uri="{FF2B5EF4-FFF2-40B4-BE49-F238E27FC236}">
-                <a16:creationId xmlns:a16="http://schemas.microsoft.com/office/drawing/2014/main" xmlns="" id="{BF470FE0-A29F-4C21-AE88-CD8F064E4F5F}"/>
+                <a16:creationId xmlns="" xmlns:a16="http://schemas.microsoft.com/office/drawing/2014/main" id="{BF470FE0-A29F-4C21-AE88-CD8F064E4F5F}"/>
               </a:ext>
             </a:extLst>
           </p:cNvPr>
@@ -11957,7 +12686,7 @@
           <p:cNvPr id="18" name="矩形 17">
             <a:extLst>
               <a:ext uri="{FF2B5EF4-FFF2-40B4-BE49-F238E27FC236}">
-                <a16:creationId xmlns:a16="http://schemas.microsoft.com/office/drawing/2014/main" xmlns="" id="{2C2318DF-ED9E-445C-992F-478C23CC425B}"/>
+                <a16:creationId xmlns="" xmlns:a16="http://schemas.microsoft.com/office/drawing/2014/main" id="{2C2318DF-ED9E-445C-992F-478C23CC425B}"/>
               </a:ext>
             </a:extLst>
           </p:cNvPr>
@@ -12026,7 +12755,7 @@
           <p:cNvPr id="19" name="矩形 18">
             <a:extLst>
               <a:ext uri="{FF2B5EF4-FFF2-40B4-BE49-F238E27FC236}">
-                <a16:creationId xmlns:a16="http://schemas.microsoft.com/office/drawing/2014/main" xmlns="" id="{EDEA15B1-0FE6-40E4-974D-A9338C745326}"/>
+                <a16:creationId xmlns="" xmlns:a16="http://schemas.microsoft.com/office/drawing/2014/main" id="{EDEA15B1-0FE6-40E4-974D-A9338C745326}"/>
               </a:ext>
             </a:extLst>
           </p:cNvPr>
@@ -12095,7 +12824,7 @@
           <p:cNvPr id="20" name="椭圆 19">
             <a:extLst>
               <a:ext uri="{FF2B5EF4-FFF2-40B4-BE49-F238E27FC236}">
-                <a16:creationId xmlns:a16="http://schemas.microsoft.com/office/drawing/2014/main" xmlns="" id="{1374C813-D91C-44AB-9C4E-CD9E68A247DA}"/>
+                <a16:creationId xmlns="" xmlns:a16="http://schemas.microsoft.com/office/drawing/2014/main" id="{1374C813-D91C-44AB-9C4E-CD9E68A247DA}"/>
               </a:ext>
             </a:extLst>
           </p:cNvPr>
@@ -12165,7 +12894,7 @@
           <p:cNvPr id="21" name="椭圆 20">
             <a:extLst>
               <a:ext uri="{FF2B5EF4-FFF2-40B4-BE49-F238E27FC236}">
-                <a16:creationId xmlns:a16="http://schemas.microsoft.com/office/drawing/2014/main" xmlns="" id="{E903162B-BB59-4A19-8E16-636EB6438C97}"/>
+                <a16:creationId xmlns="" xmlns:a16="http://schemas.microsoft.com/office/drawing/2014/main" id="{E903162B-BB59-4A19-8E16-636EB6438C97}"/>
               </a:ext>
             </a:extLst>
           </p:cNvPr>
@@ -12233,7 +12962,7 @@
           <p:cNvPr id="22" name="直接箭头连接符 21">
             <a:extLst>
               <a:ext uri="{FF2B5EF4-FFF2-40B4-BE49-F238E27FC236}">
-                <a16:creationId xmlns:a16="http://schemas.microsoft.com/office/drawing/2014/main" xmlns="" id="{36937FE7-9E24-46A2-9C66-8E46DDF83EEF}"/>
+                <a16:creationId xmlns="" xmlns:a16="http://schemas.microsoft.com/office/drawing/2014/main" id="{36937FE7-9E24-46A2-9C66-8E46DDF83EEF}"/>
               </a:ext>
             </a:extLst>
           </p:cNvPr>
@@ -12276,7 +13005,7 @@
           <p:cNvPr id="23" name="文本框 22">
             <a:extLst>
               <a:ext uri="{FF2B5EF4-FFF2-40B4-BE49-F238E27FC236}">
-                <a16:creationId xmlns:a16="http://schemas.microsoft.com/office/drawing/2014/main" xmlns="" id="{5D51FEE3-6780-488F-BB18-7689D4D199F9}"/>
+                <a16:creationId xmlns="" xmlns:a16="http://schemas.microsoft.com/office/drawing/2014/main" id="{5D51FEE3-6780-488F-BB18-7689D4D199F9}"/>
               </a:ext>
             </a:extLst>
           </p:cNvPr>
@@ -12332,7 +13061,7 @@
           <p:cNvPr id="26" name="直接箭头连接符 25">
             <a:extLst>
               <a:ext uri="{FF2B5EF4-FFF2-40B4-BE49-F238E27FC236}">
-                <a16:creationId xmlns:a16="http://schemas.microsoft.com/office/drawing/2014/main" xmlns="" id="{D5CF051E-665F-4888-AEF1-79C794100FBB}"/>
+                <a16:creationId xmlns="" xmlns:a16="http://schemas.microsoft.com/office/drawing/2014/main" id="{D5CF051E-665F-4888-AEF1-79C794100FBB}"/>
               </a:ext>
             </a:extLst>
           </p:cNvPr>
@@ -12374,7 +13103,7 @@
           <p:cNvPr id="27" name="文本框 26">
             <a:extLst>
               <a:ext uri="{FF2B5EF4-FFF2-40B4-BE49-F238E27FC236}">
-                <a16:creationId xmlns:a16="http://schemas.microsoft.com/office/drawing/2014/main" xmlns="" id="{F2C8640A-610C-4317-92D5-F9A5644BBB2E}"/>
+                <a16:creationId xmlns="" xmlns:a16="http://schemas.microsoft.com/office/drawing/2014/main" id="{F2C8640A-610C-4317-92D5-F9A5644BBB2E}"/>
               </a:ext>
             </a:extLst>
           </p:cNvPr>
@@ -12416,7 +13145,7 @@
           <p:cNvPr id="28" name="文本框 27">
             <a:extLst>
               <a:ext uri="{FF2B5EF4-FFF2-40B4-BE49-F238E27FC236}">
-                <a16:creationId xmlns:a16="http://schemas.microsoft.com/office/drawing/2014/main" xmlns="" id="{D39482E6-D64E-4103-8A8C-C45DB106CB7E}"/>
+                <a16:creationId xmlns="" xmlns:a16="http://schemas.microsoft.com/office/drawing/2014/main" id="{D39482E6-D64E-4103-8A8C-C45DB106CB7E}"/>
               </a:ext>
             </a:extLst>
           </p:cNvPr>
@@ -12499,7 +13228,7 @@
           <p:cNvPr id="29" name="矩形 28">
             <a:extLst>
               <a:ext uri="{FF2B5EF4-FFF2-40B4-BE49-F238E27FC236}">
-                <a16:creationId xmlns:a16="http://schemas.microsoft.com/office/drawing/2014/main" xmlns="" id="{EA638147-8373-4139-86D6-BB47B13510F3}"/>
+                <a16:creationId xmlns="" xmlns:a16="http://schemas.microsoft.com/office/drawing/2014/main" id="{EA638147-8373-4139-86D6-BB47B13510F3}"/>
               </a:ext>
             </a:extLst>
           </p:cNvPr>
@@ -12568,7 +13297,7 @@
           <p:cNvPr id="30" name="直接箭头连接符 29">
             <a:extLst>
               <a:ext uri="{FF2B5EF4-FFF2-40B4-BE49-F238E27FC236}">
-                <a16:creationId xmlns:a16="http://schemas.microsoft.com/office/drawing/2014/main" xmlns="" id="{069C74C0-F531-4D01-A4F2-2328152D9C16}"/>
+                <a16:creationId xmlns="" xmlns:a16="http://schemas.microsoft.com/office/drawing/2014/main" id="{069C74C0-F531-4D01-A4F2-2328152D9C16}"/>
               </a:ext>
             </a:extLst>
           </p:cNvPr>
@@ -12609,7 +13338,7 @@
           <p:cNvPr id="31" name="文本框 30">
             <a:extLst>
               <a:ext uri="{FF2B5EF4-FFF2-40B4-BE49-F238E27FC236}">
-                <a16:creationId xmlns:a16="http://schemas.microsoft.com/office/drawing/2014/main" xmlns="" id="{ED9BEF5A-51C7-41B1-90CD-B561BFAC057C}"/>
+                <a16:creationId xmlns="" xmlns:a16="http://schemas.microsoft.com/office/drawing/2014/main" id="{ED9BEF5A-51C7-41B1-90CD-B561BFAC057C}"/>
               </a:ext>
             </a:extLst>
           </p:cNvPr>
@@ -12657,7 +13386,7 @@
           <p:cNvPr id="32" name="文本框 31">
             <a:extLst>
               <a:ext uri="{FF2B5EF4-FFF2-40B4-BE49-F238E27FC236}">
-                <a16:creationId xmlns:a16="http://schemas.microsoft.com/office/drawing/2014/main" xmlns="" id="{66D2E270-7FC7-46C4-83E8-346EA3EF6F84}"/>
+                <a16:creationId xmlns="" xmlns:a16="http://schemas.microsoft.com/office/drawing/2014/main" id="{66D2E270-7FC7-46C4-83E8-346EA3EF6F84}"/>
               </a:ext>
             </a:extLst>
           </p:cNvPr>
@@ -12705,7 +13434,7 @@
           <p:cNvPr id="33" name="文本框 32">
             <a:extLst>
               <a:ext uri="{FF2B5EF4-FFF2-40B4-BE49-F238E27FC236}">
-                <a16:creationId xmlns:a16="http://schemas.microsoft.com/office/drawing/2014/main" xmlns="" id="{70D29BAE-E69E-4D15-B5CD-C2EB30EC0B90}"/>
+                <a16:creationId xmlns="" xmlns:a16="http://schemas.microsoft.com/office/drawing/2014/main" id="{70D29BAE-E69E-4D15-B5CD-C2EB30EC0B90}"/>
               </a:ext>
             </a:extLst>
           </p:cNvPr>
@@ -12753,7 +13482,7 @@
           <p:cNvPr id="34" name="直接箭头连接符 33">
             <a:extLst>
               <a:ext uri="{FF2B5EF4-FFF2-40B4-BE49-F238E27FC236}">
-                <a16:creationId xmlns:a16="http://schemas.microsoft.com/office/drawing/2014/main" xmlns="" id="{F770AC23-A05B-4C1D-B45A-273268153932}"/>
+                <a16:creationId xmlns="" xmlns:a16="http://schemas.microsoft.com/office/drawing/2014/main" id="{F770AC23-A05B-4C1D-B45A-273268153932}"/>
               </a:ext>
             </a:extLst>
           </p:cNvPr>
@@ -12794,7 +13523,7 @@
           <p:cNvPr id="37" name="直接箭头连接符 36">
             <a:extLst>
               <a:ext uri="{FF2B5EF4-FFF2-40B4-BE49-F238E27FC236}">
-                <a16:creationId xmlns:a16="http://schemas.microsoft.com/office/drawing/2014/main" xmlns="" id="{5AA40016-2B24-4D7E-A881-16544995D2C5}"/>
+                <a16:creationId xmlns="" xmlns:a16="http://schemas.microsoft.com/office/drawing/2014/main" id="{5AA40016-2B24-4D7E-A881-16544995D2C5}"/>
               </a:ext>
             </a:extLst>
           </p:cNvPr>
@@ -12837,7 +13566,7 @@
               <p:cNvPr id="40" name="文本框 39">
                 <a:extLst>
                   <a:ext uri="{FF2B5EF4-FFF2-40B4-BE49-F238E27FC236}">
-                    <a16:creationId xmlns:a16="http://schemas.microsoft.com/office/drawing/2014/main" xmlns="" id="{E2C91D0E-964D-4B50-A030-126A6AB78378}"/>
+                    <a16:creationId xmlns="" xmlns:a16="http://schemas.microsoft.com/office/drawing/2014/main" id="{E2C91D0E-964D-4B50-A030-126A6AB78378}"/>
                   </a:ext>
                 </a:extLst>
               </p:cNvPr>
@@ -13048,7 +13777,7 @@
           <p:cNvPr id="41" name="箭头: 右 40">
             <a:extLst>
               <a:ext uri="{FF2B5EF4-FFF2-40B4-BE49-F238E27FC236}">
-                <a16:creationId xmlns:a16="http://schemas.microsoft.com/office/drawing/2014/main" xmlns="" id="{6DF5C69B-9110-4067-A120-EC3CE1E17F9F}"/>
+                <a16:creationId xmlns="" xmlns:a16="http://schemas.microsoft.com/office/drawing/2014/main" id="{6DF5C69B-9110-4067-A120-EC3CE1E17F9F}"/>
               </a:ext>
             </a:extLst>
           </p:cNvPr>
@@ -13181,6 +13910,2236 @@
 </file>
 
 <file path=ppt/slides/slide8.xml><?xml version="1.0" encoding="utf-8"?>
+<p:sld xmlns:a="http://schemas.openxmlformats.org/drawingml/2006/main" xmlns:r="http://schemas.openxmlformats.org/officeDocument/2006/relationships" xmlns:p="http://schemas.openxmlformats.org/presentationml/2006/main">
+  <p:cSld>
+    <p:spTree>
+      <p:nvGrpSpPr>
+        <p:cNvPr id="1" name=""/>
+        <p:cNvGrpSpPr/>
+        <p:nvPr/>
+      </p:nvGrpSpPr>
+      <p:grpSpPr>
+        <a:xfrm>
+          <a:off x="0" y="0"/>
+          <a:ext cx="0" cy="0"/>
+          <a:chOff x="0" y="0"/>
+          <a:chExt cx="0" cy="0"/>
+        </a:xfrm>
+      </p:grpSpPr>
+      <mc:AlternateContent xmlns:mc="http://schemas.openxmlformats.org/markup-compatibility/2006">
+        <mc:Choice xmlns:a14="http://schemas.microsoft.com/office/drawing/2010/main" Requires="a14">
+          <p:sp>
+            <p:nvSpPr>
+              <p:cNvPr id="7" name="文本框 6">
+                <a:extLst>
+                  <a:ext uri="{FF2B5EF4-FFF2-40B4-BE49-F238E27FC236}">
+                    <a16:creationId xmlns="" xmlns:a16="http://schemas.microsoft.com/office/drawing/2014/main" id="{E91F25E4-22B2-41FC-8AA9-A7AD59513B08}"/>
+                  </a:ext>
+                </a:extLst>
+              </p:cNvPr>
+              <p:cNvSpPr txBox="1"/>
+              <p:nvPr/>
+            </p:nvSpPr>
+            <p:spPr>
+              <a:xfrm>
+                <a:off x="1505093" y="444074"/>
+                <a:ext cx="8565165" cy="631391"/>
+              </a:xfrm>
+              <a:prstGeom prst="rect">
+                <a:avLst/>
+              </a:prstGeom>
+              <a:noFill/>
+            </p:spPr>
+            <p:txBody>
+              <a:bodyPr wrap="none" rtlCol="0">
+                <a:spAutoFit/>
+              </a:bodyPr>
+              <a:lstStyle/>
+              <a:p>
+                <a:r>
+                  <a:rPr lang="zh-CN" altLang="en-US" sz="2400" dirty="0" smtClean="0">
+                    <a:latin typeface="微软雅黑" panose="020B0503020204020204" pitchFamily="34" charset="-122"/>
+                    <a:ea typeface="微软雅黑" panose="020B0503020204020204" pitchFamily="34" charset="-122"/>
+                  </a:rPr>
+                  <a:t>根据</a:t>
+                </a:r>
+                <a14:m>
+                  <m:oMath xmlns:m="http://schemas.openxmlformats.org/officeDocument/2006/math">
+                    <m:r>
+                      <a:rPr lang="zh-CN" altLang="en-US" sz="2400" b="0" i="1">
+                        <a:latin typeface="Cambria Math" panose="02040503050406030204" pitchFamily="18" charset="0"/>
+                        <a:ea typeface="微软雅黑" panose="020B0503020204020204" pitchFamily="34" charset="-122"/>
+                      </a:rPr>
+                      <m:t>数学</m:t>
+                    </m:r>
+                    <m:r>
+                      <a:rPr lang="zh-CN" altLang="en-US" sz="2400" b="0" i="1" smtClean="0">
+                        <a:latin typeface="Cambria Math" panose="02040503050406030204" pitchFamily="18" charset="0"/>
+                        <a:ea typeface="微软雅黑" panose="020B0503020204020204" pitchFamily="34" charset="-122"/>
+                      </a:rPr>
+                      <m:t>的</m:t>
+                    </m:r>
+                    <m:r>
+                      <a:rPr lang="zh-CN" altLang="en-US" sz="2400" b="1" i="1">
+                        <a:latin typeface="Cambria Math" panose="02040503050406030204" pitchFamily="18" charset="0"/>
+                        <a:ea typeface="微软雅黑" panose="020B0503020204020204" pitchFamily="34" charset="-122"/>
+                      </a:rPr>
+                      <m:t>链式法则</m:t>
+                    </m:r>
+                    <m:r>
+                      <a:rPr lang="zh-CN" altLang="en-US" sz="2400" b="1" i="1" smtClean="0">
+                        <a:latin typeface="Cambria Math" panose="02040503050406030204" pitchFamily="18" charset="0"/>
+                        <a:ea typeface="微软雅黑" panose="020B0503020204020204" pitchFamily="34" charset="-122"/>
+                      </a:rPr>
+                      <m:t>，求</m:t>
+                    </m:r>
+                    <m:r>
+                      <a:rPr lang="en-US" altLang="zh-CN" sz="2400" b="1" i="1" smtClean="0">
+                        <a:latin typeface="Cambria Math" panose="02040503050406030204" pitchFamily="18" charset="0"/>
+                        <a:ea typeface="微软雅黑" panose="020B0503020204020204" pitchFamily="34" charset="-122"/>
+                      </a:rPr>
+                      <m:t>𝒍𝒐𝒔𝒔</m:t>
+                    </m:r>
+                    <m:r>
+                      <a:rPr lang="zh-CN" altLang="en-US" sz="2400" b="1" i="1">
+                        <a:latin typeface="Cambria Math" panose="02040503050406030204" pitchFamily="18" charset="0"/>
+                        <a:ea typeface="微软雅黑" panose="020B0503020204020204" pitchFamily="34" charset="-122"/>
+                      </a:rPr>
+                      <m:t>关于</m:t>
+                    </m:r>
+                    <m:r>
+                      <m:rPr>
+                        <m:sty m:val="p"/>
+                      </m:rPr>
+                      <a:rPr lang="en-US" altLang="zh-CN" sz="2400" b="1" i="1" smtClean="0">
+                        <a:latin typeface="Cambria Math" panose="02040503050406030204" pitchFamily="18" charset="0"/>
+                        <a:ea typeface="微软雅黑" panose="020B0503020204020204" pitchFamily="34" charset="-122"/>
+                      </a:rPr>
+                      <m:t>w</m:t>
+                    </m:r>
+                    <m:r>
+                      <a:rPr lang="zh-CN" altLang="en-US" sz="2400" b="1" i="1" smtClean="0">
+                        <a:latin typeface="Cambria Math" panose="02040503050406030204" pitchFamily="18" charset="0"/>
+                        <a:ea typeface="微软雅黑" panose="020B0503020204020204" pitchFamily="34" charset="-122"/>
+                      </a:rPr>
+                      <m:t>的</m:t>
+                    </m:r>
+                    <m:r>
+                      <a:rPr lang="zh-CN" altLang="en-US" sz="2400" b="1" i="1">
+                        <a:latin typeface="Cambria Math" panose="02040503050406030204" pitchFamily="18" charset="0"/>
+                        <a:ea typeface="微软雅黑" panose="020B0503020204020204" pitchFamily="34" charset="-122"/>
+                      </a:rPr>
+                      <m:t>导数</m:t>
+                    </m:r>
+                    <m:f>
+                      <m:fPr>
+                        <m:ctrlPr>
+                          <a:rPr lang="en-US" altLang="zh-CN" sz="2400" b="1" i="1" smtClean="0">
+                            <a:latin typeface="Cambria Math" panose="02040503050406030204" pitchFamily="18" charset="0"/>
+                            <a:ea typeface="微软雅黑" panose="020B0503020204020204" pitchFamily="34" charset="-122"/>
+                          </a:rPr>
+                        </m:ctrlPr>
+                      </m:fPr>
+                      <m:num>
+                        <m:r>
+                          <a:rPr lang="en-US" altLang="zh-CN" sz="2400" b="1" i="1" smtClean="0">
+                            <a:latin typeface="Cambria Math" panose="02040503050406030204" pitchFamily="18" charset="0"/>
+                            <a:ea typeface="微软雅黑" panose="020B0503020204020204" pitchFamily="34" charset="-122"/>
+                          </a:rPr>
+                          <m:t>𝒅𝑳</m:t>
+                        </m:r>
+                        <m:r>
+                          <m:rPr>
+                            <m:sty m:val="p"/>
+                          </m:rPr>
+                          <a:rPr lang="en-US" altLang="zh-CN" sz="2400" b="1" i="1">
+                            <a:latin typeface="Cambria Math" panose="02040503050406030204" pitchFamily="18" charset="0"/>
+                            <a:ea typeface="微软雅黑" panose="020B0503020204020204" pitchFamily="34" charset="-122"/>
+                          </a:rPr>
+                          <m:t>oss</m:t>
+                        </m:r>
+                      </m:num>
+                      <m:den>
+                        <m:r>
+                          <a:rPr lang="en-US" altLang="zh-CN" sz="2400" b="1" i="1" smtClean="0">
+                            <a:latin typeface="Cambria Math" panose="02040503050406030204" pitchFamily="18" charset="0"/>
+                            <a:ea typeface="微软雅黑" panose="020B0503020204020204" pitchFamily="34" charset="-122"/>
+                          </a:rPr>
+                          <m:t>𝒅𝒘</m:t>
+                        </m:r>
+                      </m:den>
+                    </m:f>
+                    <m:r>
+                      <a:rPr lang="en-US" altLang="zh-CN" sz="2400" b="1" i="1" smtClean="0">
+                        <a:latin typeface="Cambria Math" panose="02040503050406030204" pitchFamily="18" charset="0"/>
+                        <a:ea typeface="微软雅黑" panose="020B0503020204020204" pitchFamily="34" charset="-122"/>
+                      </a:rPr>
+                      <m:t>=</m:t>
+                    </m:r>
+                    <m:f>
+                      <m:fPr>
+                        <m:ctrlPr>
+                          <a:rPr lang="en-US" altLang="zh-CN" sz="2400" b="1" i="1" smtClean="0">
+                            <a:latin typeface="Cambria Math" panose="02040503050406030204" pitchFamily="18" charset="0"/>
+                            <a:ea typeface="微软雅黑" panose="020B0503020204020204" pitchFamily="34" charset="-122"/>
+                          </a:rPr>
+                        </m:ctrlPr>
+                      </m:fPr>
+                      <m:num>
+                        <m:r>
+                          <a:rPr lang="en-US" altLang="zh-CN" sz="2400" b="1" i="1" smtClean="0">
+                            <a:latin typeface="Cambria Math" panose="02040503050406030204" pitchFamily="18" charset="0"/>
+                            <a:ea typeface="微软雅黑" panose="020B0503020204020204" pitchFamily="34" charset="-122"/>
+                          </a:rPr>
+                          <m:t>𝒅𝑳𝒐𝒔𝒔</m:t>
+                        </m:r>
+                      </m:num>
+                      <m:den>
+                        <m:r>
+                          <a:rPr lang="en-US" altLang="zh-CN" sz="2400" b="1" i="1" smtClean="0">
+                            <a:latin typeface="Cambria Math" panose="02040503050406030204" pitchFamily="18" charset="0"/>
+                            <a:ea typeface="微软雅黑" panose="020B0503020204020204" pitchFamily="34" charset="-122"/>
+                          </a:rPr>
+                          <m:t>𝒅𝑨</m:t>
+                        </m:r>
+                      </m:den>
+                    </m:f>
+                    <m:r>
+                      <a:rPr lang="en-US" altLang="zh-CN" sz="2400" b="1" i="1" smtClean="0">
+                        <a:latin typeface="Cambria Math" panose="02040503050406030204" pitchFamily="18" charset="0"/>
+                        <a:ea typeface="微软雅黑" panose="020B0503020204020204" pitchFamily="34" charset="-122"/>
+                      </a:rPr>
+                      <m:t>∗</m:t>
+                    </m:r>
+                    <m:f>
+                      <m:fPr>
+                        <m:ctrlPr>
+                          <a:rPr lang="en-US" altLang="zh-CN" sz="2400" b="1" i="1" smtClean="0">
+                            <a:latin typeface="Cambria Math" panose="02040503050406030204" pitchFamily="18" charset="0"/>
+                            <a:ea typeface="微软雅黑" panose="020B0503020204020204" pitchFamily="34" charset="-122"/>
+                          </a:rPr>
+                        </m:ctrlPr>
+                      </m:fPr>
+                      <m:num>
+                        <m:r>
+                          <a:rPr lang="en-US" altLang="zh-CN" sz="2400" b="1" i="1" smtClean="0">
+                            <a:latin typeface="Cambria Math" panose="02040503050406030204" pitchFamily="18" charset="0"/>
+                            <a:ea typeface="微软雅黑" panose="020B0503020204020204" pitchFamily="34" charset="-122"/>
+                          </a:rPr>
+                          <m:t>𝒅𝑨</m:t>
+                        </m:r>
+                      </m:num>
+                      <m:den>
+                        <m:r>
+                          <a:rPr lang="en-US" altLang="zh-CN" sz="2400" b="1" i="1" smtClean="0">
+                            <a:latin typeface="Cambria Math" panose="02040503050406030204" pitchFamily="18" charset="0"/>
+                            <a:ea typeface="微软雅黑" panose="020B0503020204020204" pitchFamily="34" charset="-122"/>
+                          </a:rPr>
+                          <m:t>𝒅𝒘</m:t>
+                        </m:r>
+                      </m:den>
+                    </m:f>
+                  </m:oMath>
+                </a14:m>
+                <a:endParaRPr lang="en-US" altLang="zh-CN" sz="2400" dirty="0">
+                  <a:latin typeface="微软雅黑" panose="020B0503020204020204" pitchFamily="34" charset="-122"/>
+                  <a:ea typeface="微软雅黑" panose="020B0503020204020204" pitchFamily="34" charset="-122"/>
+                </a:endParaRPr>
+              </a:p>
+            </p:txBody>
+          </p:sp>
+        </mc:Choice>
+        <mc:Fallback>
+          <p:sp>
+            <p:nvSpPr>
+              <p:cNvPr id="7" name="文本框 6">
+                <a:extLst>
+                  <a:ext uri="{FF2B5EF4-FFF2-40B4-BE49-F238E27FC236}">
+                    <a16:creationId xmlns="" xmlns:a16="http://schemas.microsoft.com/office/drawing/2014/main" id="{E91F25E4-22B2-41FC-8AA9-A7AD59513B08}"/>
+                  </a:ext>
+                </a:extLst>
+              </p:cNvPr>
+              <p:cNvSpPr txBox="1">
+                <a:spLocks noRot="1" noChangeAspect="1" noMove="1" noResize="1" noEditPoints="1" noAdjustHandles="1" noChangeArrowheads="1" noChangeShapeType="1" noTextEdit="1"/>
+              </p:cNvSpPr>
+              <p:nvPr/>
+            </p:nvSpPr>
+            <p:spPr>
+              <a:xfrm>
+                <a:off x="1505093" y="444074"/>
+                <a:ext cx="8565165" cy="631391"/>
+              </a:xfrm>
+              <a:prstGeom prst="rect">
+                <a:avLst/>
+              </a:prstGeom>
+              <a:blipFill rotWithShape="0">
+                <a:blip r:embed="rId3"/>
+                <a:stretch>
+                  <a:fillRect l="-1139" b="-8738"/>
+                </a:stretch>
+              </a:blipFill>
+            </p:spPr>
+            <p:txBody>
+              <a:bodyPr/>
+              <a:lstStyle/>
+              <a:p>
+                <a:r>
+                  <a:rPr lang="zh-CN" altLang="en-US">
+                    <a:noFill/>
+                  </a:rPr>
+                  <a:t> </a:t>
+                </a:r>
+              </a:p>
+            </p:txBody>
+          </p:sp>
+        </mc:Fallback>
+      </mc:AlternateContent>
+      <mc:AlternateContent xmlns:mc="http://schemas.openxmlformats.org/markup-compatibility/2006">
+        <mc:Choice xmlns:a14="http://schemas.microsoft.com/office/drawing/2010/main" Requires="a14">
+          <p:sp>
+            <p:nvSpPr>
+              <p:cNvPr id="76" name="矩形 75"/>
+              <p:cNvSpPr/>
+              <p:nvPr/>
+            </p:nvSpPr>
+            <p:spPr>
+              <a:xfrm>
+                <a:off x="4828583" y="1580188"/>
+                <a:ext cx="7359964" cy="890244"/>
+              </a:xfrm>
+              <a:prstGeom prst="rect">
+                <a:avLst/>
+              </a:prstGeom>
+            </p:spPr>
+            <p:style>
+              <a:lnRef idx="2">
+                <a:schemeClr val="accent5">
+                  <a:shade val="50000"/>
+                </a:schemeClr>
+              </a:lnRef>
+              <a:fillRef idx="1">
+                <a:schemeClr val="accent5"/>
+              </a:fillRef>
+              <a:effectRef idx="0">
+                <a:schemeClr val="accent5"/>
+              </a:effectRef>
+              <a:fontRef idx="minor">
+                <a:schemeClr val="lt1"/>
+              </a:fontRef>
+            </p:style>
+            <p:txBody>
+              <a:bodyPr wrap="none">
+                <a:spAutoFit/>
+              </a:bodyPr>
+              <a:lstStyle/>
+              <a:p>
+                <a:r>
+                  <a:rPr lang="zh-CN" altLang="en-US" dirty="0" smtClean="0">
+                    <a:solidFill>
+                      <a:schemeClr val="bg1"/>
+                    </a:solidFill>
+                    <a:latin typeface="微软雅黑" panose="020B0503020204020204" pitchFamily="34" charset="-122"/>
+                    <a:ea typeface="微软雅黑" panose="020B0503020204020204" pitchFamily="34" charset="-122"/>
+                  </a:rPr>
+                  <a:t>计算</a:t>
+                </a:r>
+                <a14:m>
+                  <m:oMath xmlns:m="http://schemas.openxmlformats.org/officeDocument/2006/math">
+                    <m:f>
+                      <m:fPr>
+                        <m:ctrlPr>
+                          <a:rPr lang="en-US" altLang="zh-CN" i="1">
+                            <a:solidFill>
+                              <a:schemeClr val="bg1"/>
+                            </a:solidFill>
+                            <a:latin typeface="Cambria Math" panose="02040503050406030204" pitchFamily="18" charset="0"/>
+                            <a:ea typeface="微软雅黑" panose="020B0503020204020204" pitchFamily="34" charset="-122"/>
+                          </a:rPr>
+                        </m:ctrlPr>
+                      </m:fPr>
+                      <m:num>
+                        <m:r>
+                          <a:rPr lang="en-US" altLang="zh-CN" b="0" i="1">
+                            <a:solidFill>
+                              <a:schemeClr val="bg1"/>
+                            </a:solidFill>
+                            <a:latin typeface="Cambria Math" panose="02040503050406030204" pitchFamily="18" charset="0"/>
+                            <a:ea typeface="微软雅黑" panose="020B0503020204020204" pitchFamily="34" charset="-122"/>
+                          </a:rPr>
+                          <m:t>𝑑𝐿𝑜𝑠𝑠</m:t>
+                        </m:r>
+                      </m:num>
+                      <m:den>
+                        <m:r>
+                          <a:rPr lang="en-US" altLang="zh-CN" b="0" i="1">
+                            <a:solidFill>
+                              <a:schemeClr val="bg1"/>
+                            </a:solidFill>
+                            <a:latin typeface="Cambria Math" panose="02040503050406030204" pitchFamily="18" charset="0"/>
+                            <a:ea typeface="微软雅黑" panose="020B0503020204020204" pitchFamily="34" charset="-122"/>
+                          </a:rPr>
+                          <m:t>𝑑𝐴</m:t>
+                        </m:r>
+                      </m:den>
+                    </m:f>
+                    <m:r>
+                      <a:rPr lang="zh-CN" altLang="en-US" b="0" i="1" smtClean="0">
+                        <a:solidFill>
+                          <a:schemeClr val="bg1"/>
+                        </a:solidFill>
+                        <a:latin typeface="Cambria Math" panose="02040503050406030204" pitchFamily="18" charset="0"/>
+                        <a:ea typeface="微软雅黑" panose="020B0503020204020204" pitchFamily="34" charset="-122"/>
+                      </a:rPr>
+                      <m:t>时</m:t>
+                    </m:r>
+                    <m:r>
+                      <a:rPr lang="zh-CN" altLang="en-US" b="0" i="1">
+                        <a:solidFill>
+                          <a:schemeClr val="bg1"/>
+                        </a:solidFill>
+                        <a:latin typeface="Cambria Math" panose="02040503050406030204" pitchFamily="18" charset="0"/>
+                        <a:ea typeface="微软雅黑" panose="020B0503020204020204" pitchFamily="34" charset="-122"/>
+                      </a:rPr>
+                      <m:t>，</m:t>
+                    </m:r>
+                    <m:r>
+                      <a:rPr lang="zh-CN" altLang="en-US" b="0" i="1" smtClean="0">
+                        <a:solidFill>
+                          <a:schemeClr val="bg1"/>
+                        </a:solidFill>
+                        <a:latin typeface="Cambria Math" panose="02040503050406030204" pitchFamily="18" charset="0"/>
+                        <a:ea typeface="微软雅黑" panose="020B0503020204020204" pitchFamily="34" charset="-122"/>
+                      </a:rPr>
+                      <m:t>就是把</m:t>
+                    </m:r>
+                  </m:oMath>
+                </a14:m>
+                <a:r>
+                  <a:rPr lang="en-US" altLang="zh-CN" dirty="0" smtClean="0">
+                    <a:solidFill>
+                      <a:schemeClr val="bg1"/>
+                    </a:solidFill>
+                    <a:latin typeface="微软雅黑" panose="020B0503020204020204" pitchFamily="34" charset="-122"/>
+                    <a:ea typeface="微软雅黑" panose="020B0503020204020204" pitchFamily="34" charset="-122"/>
+                  </a:rPr>
+                  <a:t>Loss=y-A</a:t>
+                </a:r>
+                <a:r>
+                  <a:rPr lang="zh-CN" altLang="en-US" dirty="0" smtClean="0">
+                    <a:solidFill>
+                      <a:schemeClr val="bg1"/>
+                    </a:solidFill>
+                    <a:latin typeface="微软雅黑" panose="020B0503020204020204" pitchFamily="34" charset="-122"/>
+                    <a:ea typeface="微软雅黑" panose="020B0503020204020204" pitchFamily="34" charset="-122"/>
+                  </a:rPr>
+                  <a:t>中的</a:t>
+                </a:r>
+                <a:r>
+                  <a:rPr lang="en-US" altLang="zh-CN" dirty="0" smtClean="0">
+                    <a:solidFill>
+                      <a:schemeClr val="bg1"/>
+                    </a:solidFill>
+                    <a:latin typeface="微软雅黑" panose="020B0503020204020204" pitchFamily="34" charset="-122"/>
+                    <a:ea typeface="微软雅黑" panose="020B0503020204020204" pitchFamily="34" charset="-122"/>
+                  </a:rPr>
+                  <a:t>A</a:t>
+                </a:r>
+                <a:r>
+                  <a:rPr lang="zh-CN" altLang="en-US" dirty="0" smtClean="0">
+                    <a:solidFill>
+                      <a:schemeClr val="bg1"/>
+                    </a:solidFill>
+                    <a:latin typeface="微软雅黑" panose="020B0503020204020204" pitchFamily="34" charset="-122"/>
+                    <a:ea typeface="微软雅黑" panose="020B0503020204020204" pitchFamily="34" charset="-122"/>
+                  </a:rPr>
+                  <a:t>看作未知数，所以导数是常数</a:t>
+                </a:r>
+                <a:r>
+                  <a:rPr lang="en-US" altLang="zh-CN" dirty="0" smtClean="0">
+                    <a:solidFill>
+                      <a:schemeClr val="bg1"/>
+                    </a:solidFill>
+                    <a:latin typeface="微软雅黑" panose="020B0503020204020204" pitchFamily="34" charset="-122"/>
+                    <a:ea typeface="微软雅黑" panose="020B0503020204020204" pitchFamily="34" charset="-122"/>
+                  </a:rPr>
+                  <a:t>-1</a:t>
+                </a:r>
+              </a:p>
+              <a:p>
+                <a:r>
+                  <a:rPr lang="zh-CN" altLang="en-US" dirty="0" smtClean="0">
+                    <a:solidFill>
+                      <a:schemeClr val="bg1"/>
+                    </a:solidFill>
+                    <a:latin typeface="微软雅黑" panose="020B0503020204020204" pitchFamily="34" charset="-122"/>
+                    <a:ea typeface="微软雅黑" panose="020B0503020204020204" pitchFamily="34" charset="-122"/>
+                  </a:rPr>
+                  <a:t>计算</a:t>
+                </a:r>
+                <a14:m>
+                  <m:oMath xmlns:m="http://schemas.openxmlformats.org/officeDocument/2006/math">
+                    <m:f>
+                      <m:fPr>
+                        <m:ctrlPr>
+                          <a:rPr lang="en-US" altLang="zh-CN" i="1">
+                            <a:solidFill>
+                              <a:schemeClr val="bg1"/>
+                            </a:solidFill>
+                            <a:latin typeface="Cambria Math" panose="02040503050406030204" pitchFamily="18" charset="0"/>
+                            <a:ea typeface="微软雅黑" panose="020B0503020204020204" pitchFamily="34" charset="-122"/>
+                          </a:rPr>
+                        </m:ctrlPr>
+                      </m:fPr>
+                      <m:num>
+                        <m:r>
+                          <a:rPr lang="en-US" altLang="zh-CN" b="0" i="1">
+                            <a:solidFill>
+                              <a:schemeClr val="bg1"/>
+                            </a:solidFill>
+                            <a:latin typeface="Cambria Math" panose="02040503050406030204" pitchFamily="18" charset="0"/>
+                            <a:ea typeface="微软雅黑" panose="020B0503020204020204" pitchFamily="34" charset="-122"/>
+                          </a:rPr>
+                          <m:t>𝑑𝐴</m:t>
+                        </m:r>
+                      </m:num>
+                      <m:den>
+                        <m:r>
+                          <a:rPr lang="en-US" altLang="zh-CN" b="0" i="1">
+                            <a:solidFill>
+                              <a:schemeClr val="bg1"/>
+                            </a:solidFill>
+                            <a:latin typeface="Cambria Math" panose="02040503050406030204" pitchFamily="18" charset="0"/>
+                            <a:ea typeface="微软雅黑" panose="020B0503020204020204" pitchFamily="34" charset="-122"/>
+                          </a:rPr>
+                          <m:t>𝑑𝑤</m:t>
+                        </m:r>
+                      </m:den>
+                    </m:f>
+                    <m:r>
+                      <a:rPr lang="zh-CN" altLang="en-US" b="0" i="1" smtClean="0">
+                        <a:solidFill>
+                          <a:schemeClr val="bg1"/>
+                        </a:solidFill>
+                        <a:latin typeface="Cambria Math" panose="02040503050406030204" pitchFamily="18" charset="0"/>
+                        <a:ea typeface="微软雅黑" panose="020B0503020204020204" pitchFamily="34" charset="-122"/>
+                      </a:rPr>
+                      <m:t>时候</m:t>
+                    </m:r>
+                  </m:oMath>
+                </a14:m>
+                <a:r>
+                  <a:rPr lang="zh-CN" altLang="en-US" dirty="0" smtClean="0">
+                    <a:solidFill>
+                      <a:schemeClr val="bg1"/>
+                    </a:solidFill>
+                    <a:latin typeface="微软雅黑" panose="020B0503020204020204" pitchFamily="34" charset="-122"/>
+                    <a:ea typeface="微软雅黑" panose="020B0503020204020204" pitchFamily="34" charset="-122"/>
+                  </a:rPr>
+                  <a:t>，就是把</a:t>
+                </a:r>
+                <a:r>
+                  <a:rPr lang="en-US" altLang="zh-CN" dirty="0" smtClean="0">
+                    <a:solidFill>
+                      <a:schemeClr val="bg1"/>
+                    </a:solidFill>
+                    <a:latin typeface="微软雅黑" panose="020B0503020204020204" pitchFamily="34" charset="-122"/>
+                    <a:ea typeface="微软雅黑" panose="020B0503020204020204" pitchFamily="34" charset="-122"/>
+                  </a:rPr>
+                  <a:t>A=w*x</a:t>
+                </a:r>
+                <a:r>
+                  <a:rPr lang="zh-CN" altLang="en-US" dirty="0" smtClean="0">
+                    <a:solidFill>
+                      <a:schemeClr val="bg1"/>
+                    </a:solidFill>
+                    <a:latin typeface="微软雅黑" panose="020B0503020204020204" pitchFamily="34" charset="-122"/>
+                    <a:ea typeface="微软雅黑" panose="020B0503020204020204" pitchFamily="34" charset="-122"/>
+                  </a:rPr>
+                  <a:t>中的</a:t>
+                </a:r>
+                <a:r>
+                  <a:rPr lang="en-US" altLang="zh-CN" dirty="0" smtClean="0">
+                    <a:solidFill>
+                      <a:schemeClr val="bg1"/>
+                    </a:solidFill>
+                    <a:latin typeface="微软雅黑" panose="020B0503020204020204" pitchFamily="34" charset="-122"/>
+                    <a:ea typeface="微软雅黑" panose="020B0503020204020204" pitchFamily="34" charset="-122"/>
+                  </a:rPr>
+                  <a:t>w</a:t>
+                </a:r>
+                <a:r>
+                  <a:rPr lang="zh-CN" altLang="en-US" dirty="0" smtClean="0">
+                    <a:solidFill>
+                      <a:schemeClr val="bg1"/>
+                    </a:solidFill>
+                    <a:latin typeface="微软雅黑" panose="020B0503020204020204" pitchFamily="34" charset="-122"/>
+                    <a:ea typeface="微软雅黑" panose="020B0503020204020204" pitchFamily="34" charset="-122"/>
+                  </a:rPr>
+                  <a:t>看作未知数，所以导数就是</a:t>
+                </a:r>
+                <a:r>
+                  <a:rPr lang="en-US" altLang="zh-CN" dirty="0" smtClean="0">
+                    <a:solidFill>
+                      <a:schemeClr val="bg1"/>
+                    </a:solidFill>
+                    <a:latin typeface="微软雅黑" panose="020B0503020204020204" pitchFamily="34" charset="-122"/>
+                    <a:ea typeface="微软雅黑" panose="020B0503020204020204" pitchFamily="34" charset="-122"/>
+                  </a:rPr>
+                  <a:t>x</a:t>
+                </a:r>
+                <a:endParaRPr lang="en-US" altLang="zh-CN" dirty="0">
+                  <a:solidFill>
+                    <a:schemeClr val="bg1"/>
+                  </a:solidFill>
+                  <a:latin typeface="微软雅黑" panose="020B0503020204020204" pitchFamily="34" charset="-122"/>
+                  <a:ea typeface="微软雅黑" panose="020B0503020204020204" pitchFamily="34" charset="-122"/>
+                </a:endParaRPr>
+              </a:p>
+            </p:txBody>
+          </p:sp>
+        </mc:Choice>
+        <mc:Fallback>
+          <p:sp>
+            <p:nvSpPr>
+              <p:cNvPr id="76" name="矩形 75"/>
+              <p:cNvSpPr>
+                <a:spLocks noRot="1" noChangeAspect="1" noMove="1" noResize="1" noEditPoints="1" noAdjustHandles="1" noChangeArrowheads="1" noChangeShapeType="1" noTextEdit="1"/>
+              </p:cNvSpPr>
+              <p:nvPr/>
+            </p:nvSpPr>
+            <p:spPr>
+              <a:xfrm>
+                <a:off x="4828583" y="1580188"/>
+                <a:ext cx="7359964" cy="890244"/>
+              </a:xfrm>
+              <a:prstGeom prst="rect">
+                <a:avLst/>
+              </a:prstGeom>
+              <a:blipFill rotWithShape="0">
+                <a:blip r:embed="rId4"/>
+                <a:stretch>
+                  <a:fillRect l="-579" b="-2703"/>
+                </a:stretch>
+              </a:blipFill>
+            </p:spPr>
+            <p:txBody>
+              <a:bodyPr/>
+              <a:lstStyle/>
+              <a:p>
+                <a:r>
+                  <a:rPr lang="zh-CN" altLang="en-US">
+                    <a:noFill/>
+                  </a:rPr>
+                  <a:t> </a:t>
+                </a:r>
+              </a:p>
+            </p:txBody>
+          </p:sp>
+        </mc:Fallback>
+      </mc:AlternateContent>
+      <p:sp>
+        <p:nvSpPr>
+          <p:cNvPr id="38" name="椭圆 37">
+            <a:extLst>
+              <a:ext uri="{FF2B5EF4-FFF2-40B4-BE49-F238E27FC236}">
+                <a16:creationId xmlns="" xmlns:a16="http://schemas.microsoft.com/office/drawing/2014/main" id="{3F40977F-01A7-4C2B-A5AF-5AF830C41F88}"/>
+              </a:ext>
+            </a:extLst>
+          </p:cNvPr>
+          <p:cNvSpPr/>
+          <p:nvPr/>
+        </p:nvSpPr>
+        <p:spPr>
+          <a:xfrm>
+            <a:off x="918353" y="2268891"/>
+            <a:ext cx="1283448" cy="1253310"/>
+          </a:xfrm>
+          <a:prstGeom prst="ellipse">
+            <a:avLst/>
+          </a:prstGeom>
+          <a:solidFill>
+            <a:schemeClr val="accent6"/>
+          </a:solidFill>
+        </p:spPr>
+        <p:style>
+          <a:lnRef idx="2">
+            <a:schemeClr val="accent1">
+              <a:shade val="50000"/>
+            </a:schemeClr>
+          </a:lnRef>
+          <a:fillRef idx="1">
+            <a:schemeClr val="accent1"/>
+          </a:fillRef>
+          <a:effectRef idx="0">
+            <a:schemeClr val="accent1"/>
+          </a:effectRef>
+          <a:fontRef idx="minor">
+            <a:schemeClr val="lt1"/>
+          </a:fontRef>
+        </p:style>
+        <p:txBody>
+          <a:bodyPr rtlCol="0" anchor="ctr"/>
+          <a:lstStyle/>
+          <a:p>
+            <a:pPr algn="ctr"/>
+            <a:r>
+              <a:rPr lang="en-US" altLang="zh-CN" sz="2000" dirty="0">
+                <a:latin typeface="微软雅黑" panose="020B0503020204020204" pitchFamily="34" charset="-122"/>
+                <a:ea typeface="微软雅黑" panose="020B0503020204020204" pitchFamily="34" charset="-122"/>
+              </a:rPr>
+              <a:t>w=2</a:t>
+            </a:r>
+            <a:endParaRPr lang="zh-CN" altLang="en-US" sz="2000" dirty="0">
+              <a:latin typeface="微软雅黑" panose="020B0503020204020204" pitchFamily="34" charset="-122"/>
+              <a:ea typeface="微软雅黑" panose="020B0503020204020204" pitchFamily="34" charset="-122"/>
+            </a:endParaRPr>
+          </a:p>
+        </p:txBody>
+      </p:sp>
+      <p:sp>
+        <p:nvSpPr>
+          <p:cNvPr id="39" name="椭圆 38">
+            <a:extLst>
+              <a:ext uri="{FF2B5EF4-FFF2-40B4-BE49-F238E27FC236}">
+                <a16:creationId xmlns="" xmlns:a16="http://schemas.microsoft.com/office/drawing/2014/main" id="{A28B8B30-9F70-4061-9D4D-9E4A972669F0}"/>
+              </a:ext>
+            </a:extLst>
+          </p:cNvPr>
+          <p:cNvSpPr/>
+          <p:nvPr/>
+        </p:nvSpPr>
+        <p:spPr>
+          <a:xfrm>
+            <a:off x="918353" y="4688900"/>
+            <a:ext cx="1283448" cy="1253310"/>
+          </a:xfrm>
+          <a:prstGeom prst="ellipse">
+            <a:avLst/>
+          </a:prstGeom>
+          <a:solidFill>
+            <a:schemeClr val="bg1"/>
+          </a:solidFill>
+          <a:ln>
+            <a:solidFill>
+              <a:schemeClr val="tx1"/>
+            </a:solidFill>
+          </a:ln>
+        </p:spPr>
+        <p:style>
+          <a:lnRef idx="2">
+            <a:schemeClr val="accent1">
+              <a:shade val="50000"/>
+            </a:schemeClr>
+          </a:lnRef>
+          <a:fillRef idx="1">
+            <a:schemeClr val="accent1"/>
+          </a:fillRef>
+          <a:effectRef idx="0">
+            <a:schemeClr val="accent1"/>
+          </a:effectRef>
+          <a:fontRef idx="minor">
+            <a:schemeClr val="lt1"/>
+          </a:fontRef>
+        </p:style>
+        <p:txBody>
+          <a:bodyPr rtlCol="0" anchor="ctr"/>
+          <a:lstStyle/>
+          <a:p>
+            <a:pPr algn="ctr"/>
+            <a:r>
+              <a:rPr lang="en-US" altLang="zh-CN" sz="2000" dirty="0">
+                <a:solidFill>
+                  <a:schemeClr val="tx1"/>
+                </a:solidFill>
+                <a:latin typeface="微软雅黑" panose="020B0503020204020204" pitchFamily="34" charset="-122"/>
+                <a:ea typeface="微软雅黑" panose="020B0503020204020204" pitchFamily="34" charset="-122"/>
+              </a:rPr>
+              <a:t>x=1</a:t>
+            </a:r>
+            <a:endParaRPr lang="zh-CN" altLang="en-US" sz="2000" dirty="0">
+              <a:solidFill>
+                <a:schemeClr val="tx1"/>
+              </a:solidFill>
+              <a:latin typeface="微软雅黑" panose="020B0503020204020204" pitchFamily="34" charset="-122"/>
+              <a:ea typeface="微软雅黑" panose="020B0503020204020204" pitchFamily="34" charset="-122"/>
+            </a:endParaRPr>
+          </a:p>
+        </p:txBody>
+      </p:sp>
+      <p:sp>
+        <p:nvSpPr>
+          <p:cNvPr id="42" name="椭圆 41">
+            <a:extLst>
+              <a:ext uri="{FF2B5EF4-FFF2-40B4-BE49-F238E27FC236}">
+                <a16:creationId xmlns="" xmlns:a16="http://schemas.microsoft.com/office/drawing/2014/main" id="{E5BDB8A6-FEE2-409D-A870-34D48BE214A9}"/>
+              </a:ext>
+            </a:extLst>
+          </p:cNvPr>
+          <p:cNvSpPr/>
+          <p:nvPr/>
+        </p:nvSpPr>
+        <p:spPr>
+          <a:xfrm>
+            <a:off x="3147908" y="3303127"/>
+            <a:ext cx="1283448" cy="1253310"/>
+          </a:xfrm>
+          <a:prstGeom prst="ellipse">
+            <a:avLst/>
+          </a:prstGeom>
+          <a:solidFill>
+            <a:schemeClr val="accent5">
+              <a:lumMod val="40000"/>
+              <a:lumOff val="60000"/>
+            </a:schemeClr>
+          </a:solidFill>
+        </p:spPr>
+        <p:style>
+          <a:lnRef idx="2">
+            <a:schemeClr val="accent1">
+              <a:shade val="50000"/>
+            </a:schemeClr>
+          </a:lnRef>
+          <a:fillRef idx="1">
+            <a:schemeClr val="accent1"/>
+          </a:fillRef>
+          <a:effectRef idx="0">
+            <a:schemeClr val="accent1"/>
+          </a:effectRef>
+          <a:fontRef idx="minor">
+            <a:schemeClr val="lt1"/>
+          </a:fontRef>
+        </p:style>
+        <p:txBody>
+          <a:bodyPr rtlCol="0" anchor="ctr"/>
+          <a:lstStyle/>
+          <a:p>
+            <a:pPr algn="ctr"/>
+            <a:r>
+              <a:rPr lang="en-US" altLang="zh-CN" sz="2000" dirty="0">
+                <a:solidFill>
+                  <a:schemeClr val="tx1"/>
+                </a:solidFill>
+                <a:latin typeface="微软雅黑" panose="020B0503020204020204" pitchFamily="34" charset="-122"/>
+                <a:ea typeface="微软雅黑" panose="020B0503020204020204" pitchFamily="34" charset="-122"/>
+              </a:rPr>
+              <a:t>*</a:t>
+            </a:r>
+            <a:endParaRPr lang="zh-CN" altLang="en-US" sz="2000" dirty="0">
+              <a:solidFill>
+                <a:schemeClr val="tx1"/>
+              </a:solidFill>
+              <a:latin typeface="微软雅黑" panose="020B0503020204020204" pitchFamily="34" charset="-122"/>
+              <a:ea typeface="微软雅黑" panose="020B0503020204020204" pitchFamily="34" charset="-122"/>
+            </a:endParaRPr>
+          </a:p>
+        </p:txBody>
+      </p:sp>
+      <p:cxnSp>
+        <p:nvCxnSpPr>
+          <p:cNvPr id="43" name="直接箭头连接符 42">
+            <a:extLst>
+              <a:ext uri="{FF2B5EF4-FFF2-40B4-BE49-F238E27FC236}">
+                <a16:creationId xmlns="" xmlns:a16="http://schemas.microsoft.com/office/drawing/2014/main" id="{A4DE27C4-16D8-4C5E-9F5F-95B40DE427BF}"/>
+              </a:ext>
+            </a:extLst>
+          </p:cNvPr>
+          <p:cNvCxnSpPr>
+            <a:cxnSpLocks/>
+            <a:stCxn id="38" idx="6"/>
+            <a:endCxn id="42" idx="1"/>
+          </p:cNvCxnSpPr>
+          <p:nvPr/>
+        </p:nvCxnSpPr>
+        <p:spPr>
+          <a:xfrm>
+            <a:off x="2201801" y="2895546"/>
+            <a:ext cx="1134064" cy="591124"/>
+          </a:xfrm>
+          <a:prstGeom prst="straightConnector1">
+            <a:avLst/>
+          </a:prstGeom>
+          <a:ln>
+            <a:tailEnd type="triangle"/>
+          </a:ln>
+        </p:spPr>
+        <p:style>
+          <a:lnRef idx="1">
+            <a:schemeClr val="accent1"/>
+          </a:lnRef>
+          <a:fillRef idx="0">
+            <a:schemeClr val="accent1"/>
+          </a:fillRef>
+          <a:effectRef idx="0">
+            <a:schemeClr val="accent1"/>
+          </a:effectRef>
+          <a:fontRef idx="minor">
+            <a:schemeClr val="tx1"/>
+          </a:fontRef>
+        </p:style>
+      </p:cxnSp>
+      <p:cxnSp>
+        <p:nvCxnSpPr>
+          <p:cNvPr id="44" name="直接箭头连接符 43">
+            <a:extLst>
+              <a:ext uri="{FF2B5EF4-FFF2-40B4-BE49-F238E27FC236}">
+                <a16:creationId xmlns="" xmlns:a16="http://schemas.microsoft.com/office/drawing/2014/main" id="{11F767BB-2166-4C65-A961-E6C36768953A}"/>
+              </a:ext>
+            </a:extLst>
+          </p:cNvPr>
+          <p:cNvCxnSpPr>
+            <a:cxnSpLocks/>
+            <a:stCxn id="39" idx="6"/>
+            <a:endCxn id="42" idx="3"/>
+          </p:cNvCxnSpPr>
+          <p:nvPr/>
+        </p:nvCxnSpPr>
+        <p:spPr>
+          <a:xfrm flipV="1">
+            <a:off x="2201801" y="4372893"/>
+            <a:ext cx="1134064" cy="942662"/>
+          </a:xfrm>
+          <a:prstGeom prst="straightConnector1">
+            <a:avLst/>
+          </a:prstGeom>
+          <a:ln>
+            <a:tailEnd type="triangle"/>
+          </a:ln>
+        </p:spPr>
+        <p:style>
+          <a:lnRef idx="1">
+            <a:schemeClr val="accent1"/>
+          </a:lnRef>
+          <a:fillRef idx="0">
+            <a:schemeClr val="accent1"/>
+          </a:fillRef>
+          <a:effectRef idx="0">
+            <a:schemeClr val="accent1"/>
+          </a:effectRef>
+          <a:fontRef idx="minor">
+            <a:schemeClr val="tx1"/>
+          </a:fontRef>
+        </p:style>
+      </p:cxnSp>
+      <p:sp>
+        <p:nvSpPr>
+          <p:cNvPr id="45" name="文本框 44">
+            <a:extLst>
+              <a:ext uri="{FF2B5EF4-FFF2-40B4-BE49-F238E27FC236}">
+                <a16:creationId xmlns="" xmlns:a16="http://schemas.microsoft.com/office/drawing/2014/main" id="{70E16A3D-7774-4264-A33C-BBDAADDA2C8F}"/>
+              </a:ext>
+            </a:extLst>
+          </p:cNvPr>
+          <p:cNvSpPr txBox="1"/>
+          <p:nvPr/>
+        </p:nvSpPr>
+        <p:spPr>
+          <a:xfrm>
+            <a:off x="2569297" y="2671469"/>
+            <a:ext cx="1050288" cy="400110"/>
+          </a:xfrm>
+          <a:prstGeom prst="rect">
+            <a:avLst/>
+          </a:prstGeom>
+          <a:noFill/>
+        </p:spPr>
+        <p:txBody>
+          <a:bodyPr wrap="none" rtlCol="0">
+            <a:spAutoFit/>
+          </a:bodyPr>
+          <a:lstStyle/>
+          <a:p>
+            <a:r>
+              <a:rPr lang="en-US" altLang="zh-CN" sz="2000" dirty="0" smtClean="0">
+                <a:solidFill>
+                  <a:srgbClr val="00B0F0"/>
+                </a:solidFill>
+                <a:latin typeface="微软雅黑" panose="020B0503020204020204" pitchFamily="34" charset="-122"/>
+                <a:ea typeface="微软雅黑" panose="020B0503020204020204" pitchFamily="34" charset="-122"/>
+              </a:rPr>
+              <a:t>【w】</a:t>
+            </a:r>
+            <a:r>
+              <a:rPr lang="en-US" altLang="zh-CN" sz="2000" dirty="0" smtClean="0">
+                <a:latin typeface="微软雅黑" panose="020B0503020204020204" pitchFamily="34" charset="-122"/>
+                <a:ea typeface="微软雅黑" panose="020B0503020204020204" pitchFamily="34" charset="-122"/>
+              </a:rPr>
+              <a:t>2</a:t>
+            </a:r>
+            <a:endParaRPr lang="zh-CN" altLang="en-US" sz="2000" dirty="0">
+              <a:latin typeface="微软雅黑" panose="020B0503020204020204" pitchFamily="34" charset="-122"/>
+              <a:ea typeface="微软雅黑" panose="020B0503020204020204" pitchFamily="34" charset="-122"/>
+            </a:endParaRPr>
+          </a:p>
+        </p:txBody>
+      </p:sp>
+      <p:sp>
+        <p:nvSpPr>
+          <p:cNvPr id="46" name="文本框 45">
+            <a:extLst>
+              <a:ext uri="{FF2B5EF4-FFF2-40B4-BE49-F238E27FC236}">
+                <a16:creationId xmlns="" xmlns:a16="http://schemas.microsoft.com/office/drawing/2014/main" id="{7E5298FD-F8CB-4573-89CD-2B5955FBA1B3}"/>
+              </a:ext>
+            </a:extLst>
+          </p:cNvPr>
+          <p:cNvSpPr txBox="1"/>
+          <p:nvPr/>
+        </p:nvSpPr>
+        <p:spPr>
+          <a:xfrm>
+            <a:off x="2044896" y="4330842"/>
+            <a:ext cx="978153" cy="400110"/>
+          </a:xfrm>
+          <a:prstGeom prst="rect">
+            <a:avLst/>
+          </a:prstGeom>
+          <a:noFill/>
+        </p:spPr>
+        <p:txBody>
+          <a:bodyPr wrap="none" rtlCol="0">
+            <a:spAutoFit/>
+          </a:bodyPr>
+          <a:lstStyle/>
+          <a:p>
+            <a:r>
+              <a:rPr lang="en-US" altLang="zh-CN" sz="2000" dirty="0" smtClean="0">
+                <a:solidFill>
+                  <a:srgbClr val="00B0F0"/>
+                </a:solidFill>
+                <a:latin typeface="微软雅黑" panose="020B0503020204020204" pitchFamily="34" charset="-122"/>
+                <a:ea typeface="微软雅黑" panose="020B0503020204020204" pitchFamily="34" charset="-122"/>
+              </a:rPr>
+              <a:t>【x】</a:t>
+            </a:r>
+            <a:r>
+              <a:rPr lang="en-US" altLang="zh-CN" sz="2000" dirty="0" smtClean="0">
+                <a:latin typeface="微软雅黑" panose="020B0503020204020204" pitchFamily="34" charset="-122"/>
+                <a:ea typeface="微软雅黑" panose="020B0503020204020204" pitchFamily="34" charset="-122"/>
+              </a:rPr>
+              <a:t>1</a:t>
+            </a:r>
+            <a:endParaRPr lang="zh-CN" altLang="en-US" sz="2000" dirty="0">
+              <a:latin typeface="微软雅黑" panose="020B0503020204020204" pitchFamily="34" charset="-122"/>
+              <a:ea typeface="微软雅黑" panose="020B0503020204020204" pitchFamily="34" charset="-122"/>
+            </a:endParaRPr>
+          </a:p>
+        </p:txBody>
+      </p:sp>
+      <p:cxnSp>
+        <p:nvCxnSpPr>
+          <p:cNvPr id="47" name="直接箭头连接符 46">
+            <a:extLst>
+              <a:ext uri="{FF2B5EF4-FFF2-40B4-BE49-F238E27FC236}">
+                <a16:creationId xmlns="" xmlns:a16="http://schemas.microsoft.com/office/drawing/2014/main" id="{65A8EEF6-2A17-4BAA-8924-C700993A4627}"/>
+              </a:ext>
+            </a:extLst>
+          </p:cNvPr>
+          <p:cNvCxnSpPr>
+            <a:cxnSpLocks/>
+            <a:stCxn id="42" idx="6"/>
+            <a:endCxn id="52" idx="2"/>
+          </p:cNvCxnSpPr>
+          <p:nvPr/>
+        </p:nvCxnSpPr>
+        <p:spPr>
+          <a:xfrm>
+            <a:off x="4431356" y="3929782"/>
+            <a:ext cx="1881653" cy="0"/>
+          </a:xfrm>
+          <a:prstGeom prst="straightConnector1">
+            <a:avLst/>
+          </a:prstGeom>
+          <a:ln>
+            <a:tailEnd type="triangle"/>
+          </a:ln>
+        </p:spPr>
+        <p:style>
+          <a:lnRef idx="1">
+            <a:schemeClr val="accent1"/>
+          </a:lnRef>
+          <a:fillRef idx="0">
+            <a:schemeClr val="accent1"/>
+          </a:fillRef>
+          <a:effectRef idx="0">
+            <a:schemeClr val="accent1"/>
+          </a:effectRef>
+          <a:fontRef idx="minor">
+            <a:schemeClr val="tx1"/>
+          </a:fontRef>
+        </p:style>
+      </p:cxnSp>
+      <p:sp>
+        <p:nvSpPr>
+          <p:cNvPr id="48" name="文本框 47">
+            <a:extLst>
+              <a:ext uri="{FF2B5EF4-FFF2-40B4-BE49-F238E27FC236}">
+                <a16:creationId xmlns="" xmlns:a16="http://schemas.microsoft.com/office/drawing/2014/main" id="{BF470FE0-A29F-4C21-AE88-CD8F064E4F5F}"/>
+              </a:ext>
+            </a:extLst>
+          </p:cNvPr>
+          <p:cNvSpPr txBox="1"/>
+          <p:nvPr/>
+        </p:nvSpPr>
+        <p:spPr>
+          <a:xfrm>
+            <a:off x="4441985" y="3397404"/>
+            <a:ext cx="1880643" cy="400110"/>
+          </a:xfrm>
+          <a:prstGeom prst="rect">
+            <a:avLst/>
+          </a:prstGeom>
+          <a:noFill/>
+        </p:spPr>
+        <p:txBody>
+          <a:bodyPr wrap="none" rtlCol="0">
+            <a:spAutoFit/>
+          </a:bodyPr>
+          <a:lstStyle/>
+          <a:p>
+            <a:r>
+              <a:rPr lang="en-US" altLang="zh-CN" sz="2000" dirty="0" smtClean="0">
+                <a:solidFill>
+                  <a:srgbClr val="00B0F0"/>
+                </a:solidFill>
+                <a:latin typeface="微软雅黑" panose="020B0503020204020204" pitchFamily="34" charset="-122"/>
+                <a:ea typeface="微软雅黑" panose="020B0503020204020204" pitchFamily="34" charset="-122"/>
+              </a:rPr>
+              <a:t>【</a:t>
+            </a:r>
+            <a:r>
+              <a:rPr lang="en-US" altLang="zh-CN" sz="2000" dirty="0" err="1">
+                <a:solidFill>
+                  <a:srgbClr val="00B0F0"/>
+                </a:solidFill>
+                <a:latin typeface="微软雅黑" panose="020B0503020204020204" pitchFamily="34" charset="-122"/>
+                <a:ea typeface="微软雅黑" panose="020B0503020204020204" pitchFamily="34" charset="-122"/>
+              </a:rPr>
+              <a:t>A</a:t>
+            </a:r>
+            <a:r>
+              <a:rPr lang="en-US" altLang="zh-CN" sz="2000" dirty="0" err="1" smtClean="0">
+                <a:solidFill>
+                  <a:srgbClr val="00B0F0"/>
+                </a:solidFill>
+                <a:latin typeface="微软雅黑" panose="020B0503020204020204" pitchFamily="34" charset="-122"/>
+                <a:ea typeface="微软雅黑" panose="020B0503020204020204" pitchFamily="34" charset="-122"/>
+              </a:rPr>
+              <a:t>】</a:t>
+            </a:r>
+            <a:r>
+              <a:rPr lang="en-US" altLang="zh-CN" sz="2000" dirty="0" err="1" smtClean="0">
+                <a:latin typeface="微软雅黑" panose="020B0503020204020204" pitchFamily="34" charset="-122"/>
+                <a:ea typeface="微软雅黑" panose="020B0503020204020204" pitchFamily="34" charset="-122"/>
+              </a:rPr>
+              <a:t>y</a:t>
+            </a:r>
+            <a:r>
+              <a:rPr lang="en-US" altLang="zh-CN" sz="2000" dirty="0">
+                <a:latin typeface="微软雅黑" panose="020B0503020204020204" pitchFamily="34" charset="-122"/>
+                <a:ea typeface="微软雅黑" panose="020B0503020204020204" pitchFamily="34" charset="-122"/>
+              </a:rPr>
+              <a:t>’=2</a:t>
+            </a:r>
+            <a:r>
+              <a:rPr lang="zh-CN" altLang="en-US" sz="2000" dirty="0">
+                <a:latin typeface="微软雅黑" panose="020B0503020204020204" pitchFamily="34" charset="-122"/>
+                <a:ea typeface="微软雅黑" panose="020B0503020204020204" pitchFamily="34" charset="-122"/>
+              </a:rPr>
+              <a:t>*</a:t>
+            </a:r>
+            <a:r>
+              <a:rPr lang="en-US" altLang="zh-CN" sz="2000" dirty="0">
+                <a:latin typeface="微软雅黑" panose="020B0503020204020204" pitchFamily="34" charset="-122"/>
+                <a:ea typeface="微软雅黑" panose="020B0503020204020204" pitchFamily="34" charset="-122"/>
+              </a:rPr>
+              <a:t>1</a:t>
+            </a:r>
+            <a:endParaRPr lang="zh-CN" altLang="en-US" sz="2000" dirty="0">
+              <a:latin typeface="微软雅黑" panose="020B0503020204020204" pitchFamily="34" charset="-122"/>
+              <a:ea typeface="微软雅黑" panose="020B0503020204020204" pitchFamily="34" charset="-122"/>
+            </a:endParaRPr>
+          </a:p>
+        </p:txBody>
+      </p:sp>
+      <p:sp>
+        <p:nvSpPr>
+          <p:cNvPr id="51" name="椭圆 50">
+            <a:extLst>
+              <a:ext uri="{FF2B5EF4-FFF2-40B4-BE49-F238E27FC236}">
+                <a16:creationId xmlns="" xmlns:a16="http://schemas.microsoft.com/office/drawing/2014/main" id="{1374C813-D91C-44AB-9C4E-CD9E68A247DA}"/>
+              </a:ext>
+            </a:extLst>
+          </p:cNvPr>
+          <p:cNvSpPr/>
+          <p:nvPr/>
+        </p:nvSpPr>
+        <p:spPr>
+          <a:xfrm>
+            <a:off x="4590935" y="5482770"/>
+            <a:ext cx="1283448" cy="1253310"/>
+          </a:xfrm>
+          <a:prstGeom prst="ellipse">
+            <a:avLst/>
+          </a:prstGeom>
+          <a:solidFill>
+            <a:schemeClr val="bg1"/>
+          </a:solidFill>
+          <a:ln>
+            <a:solidFill>
+              <a:schemeClr val="tx1"/>
+            </a:solidFill>
+          </a:ln>
+        </p:spPr>
+        <p:style>
+          <a:lnRef idx="2">
+            <a:schemeClr val="accent1">
+              <a:shade val="50000"/>
+            </a:schemeClr>
+          </a:lnRef>
+          <a:fillRef idx="1">
+            <a:schemeClr val="accent1"/>
+          </a:fillRef>
+          <a:effectRef idx="0">
+            <a:schemeClr val="accent1"/>
+          </a:effectRef>
+          <a:fontRef idx="minor">
+            <a:schemeClr val="lt1"/>
+          </a:fontRef>
+        </p:style>
+        <p:txBody>
+          <a:bodyPr rtlCol="0" anchor="ctr"/>
+          <a:lstStyle/>
+          <a:p>
+            <a:pPr algn="ctr"/>
+            <a:r>
+              <a:rPr lang="en-US" altLang="zh-CN" sz="2000" dirty="0">
+                <a:solidFill>
+                  <a:schemeClr val="tx1"/>
+                </a:solidFill>
+                <a:latin typeface="微软雅黑" panose="020B0503020204020204" pitchFamily="34" charset="-122"/>
+                <a:ea typeface="微软雅黑" panose="020B0503020204020204" pitchFamily="34" charset="-122"/>
+              </a:rPr>
+              <a:t>y=4</a:t>
+            </a:r>
+            <a:endParaRPr lang="zh-CN" altLang="en-US" sz="2000" dirty="0">
+              <a:solidFill>
+                <a:schemeClr val="tx1"/>
+              </a:solidFill>
+              <a:latin typeface="微软雅黑" panose="020B0503020204020204" pitchFamily="34" charset="-122"/>
+              <a:ea typeface="微软雅黑" panose="020B0503020204020204" pitchFamily="34" charset="-122"/>
+            </a:endParaRPr>
+          </a:p>
+        </p:txBody>
+      </p:sp>
+      <p:sp>
+        <p:nvSpPr>
+          <p:cNvPr id="52" name="椭圆 51">
+            <a:extLst>
+              <a:ext uri="{FF2B5EF4-FFF2-40B4-BE49-F238E27FC236}">
+                <a16:creationId xmlns="" xmlns:a16="http://schemas.microsoft.com/office/drawing/2014/main" id="{E903162B-BB59-4A19-8E16-636EB6438C97}"/>
+              </a:ext>
+            </a:extLst>
+          </p:cNvPr>
+          <p:cNvSpPr/>
+          <p:nvPr/>
+        </p:nvSpPr>
+        <p:spPr>
+          <a:xfrm>
+            <a:off x="6313009" y="3303127"/>
+            <a:ext cx="1283448" cy="1253310"/>
+          </a:xfrm>
+          <a:prstGeom prst="ellipse">
+            <a:avLst/>
+          </a:prstGeom>
+          <a:solidFill>
+            <a:schemeClr val="accent5">
+              <a:lumMod val="40000"/>
+              <a:lumOff val="60000"/>
+            </a:schemeClr>
+          </a:solidFill>
+        </p:spPr>
+        <p:style>
+          <a:lnRef idx="2">
+            <a:schemeClr val="accent1">
+              <a:shade val="50000"/>
+            </a:schemeClr>
+          </a:lnRef>
+          <a:fillRef idx="1">
+            <a:schemeClr val="accent1"/>
+          </a:fillRef>
+          <a:effectRef idx="0">
+            <a:schemeClr val="accent1"/>
+          </a:effectRef>
+          <a:fontRef idx="minor">
+            <a:schemeClr val="lt1"/>
+          </a:fontRef>
+        </p:style>
+        <p:txBody>
+          <a:bodyPr rtlCol="0" anchor="ctr"/>
+          <a:lstStyle/>
+          <a:p>
+            <a:pPr algn="ctr"/>
+            <a:r>
+              <a:rPr lang="en-US" altLang="zh-CN" sz="2000" dirty="0">
+                <a:solidFill>
+                  <a:schemeClr val="tx1"/>
+                </a:solidFill>
+                <a:latin typeface="微软雅黑" panose="020B0503020204020204" pitchFamily="34" charset="-122"/>
+                <a:ea typeface="微软雅黑" panose="020B0503020204020204" pitchFamily="34" charset="-122"/>
+              </a:rPr>
+              <a:t>-</a:t>
+            </a:r>
+            <a:endParaRPr lang="zh-CN" altLang="en-US" sz="2000" dirty="0">
+              <a:solidFill>
+                <a:schemeClr val="tx1"/>
+              </a:solidFill>
+              <a:latin typeface="微软雅黑" panose="020B0503020204020204" pitchFamily="34" charset="-122"/>
+              <a:ea typeface="微软雅黑" panose="020B0503020204020204" pitchFamily="34" charset="-122"/>
+            </a:endParaRPr>
+          </a:p>
+        </p:txBody>
+      </p:sp>
+      <p:cxnSp>
+        <p:nvCxnSpPr>
+          <p:cNvPr id="53" name="直接箭头连接符 52">
+            <a:extLst>
+              <a:ext uri="{FF2B5EF4-FFF2-40B4-BE49-F238E27FC236}">
+                <a16:creationId xmlns="" xmlns:a16="http://schemas.microsoft.com/office/drawing/2014/main" id="{36937FE7-9E24-46A2-9C66-8E46DDF83EEF}"/>
+              </a:ext>
+            </a:extLst>
+          </p:cNvPr>
+          <p:cNvCxnSpPr>
+            <a:cxnSpLocks/>
+            <a:stCxn id="51" idx="7"/>
+            <a:endCxn id="52" idx="3"/>
+          </p:cNvCxnSpPr>
+          <p:nvPr/>
+        </p:nvCxnSpPr>
+        <p:spPr>
+          <a:xfrm flipV="1">
+            <a:off x="5686425" y="4372893"/>
+            <a:ext cx="814540" cy="1293420"/>
+          </a:xfrm>
+          <a:prstGeom prst="straightConnector1">
+            <a:avLst/>
+          </a:prstGeom>
+          <a:ln>
+            <a:tailEnd type="triangle"/>
+          </a:ln>
+        </p:spPr>
+        <p:style>
+          <a:lnRef idx="1">
+            <a:schemeClr val="accent1"/>
+          </a:lnRef>
+          <a:fillRef idx="0">
+            <a:schemeClr val="accent1"/>
+          </a:fillRef>
+          <a:effectRef idx="0">
+            <a:schemeClr val="accent1"/>
+          </a:effectRef>
+          <a:fontRef idx="minor">
+            <a:schemeClr val="tx1"/>
+          </a:fontRef>
+        </p:style>
+      </p:cxnSp>
+      <p:sp>
+        <p:nvSpPr>
+          <p:cNvPr id="54" name="文本框 53">
+            <a:extLst>
+              <a:ext uri="{FF2B5EF4-FFF2-40B4-BE49-F238E27FC236}">
+                <a16:creationId xmlns="" xmlns:a16="http://schemas.microsoft.com/office/drawing/2014/main" id="{5D51FEE3-6780-488F-BB18-7689D4D199F9}"/>
+              </a:ext>
+            </a:extLst>
+          </p:cNvPr>
+          <p:cNvSpPr txBox="1"/>
+          <p:nvPr/>
+        </p:nvSpPr>
+        <p:spPr>
+          <a:xfrm>
+            <a:off x="7599591" y="3386394"/>
+            <a:ext cx="2848857" cy="400110"/>
+          </a:xfrm>
+          <a:prstGeom prst="rect">
+            <a:avLst/>
+          </a:prstGeom>
+          <a:noFill/>
+        </p:spPr>
+        <p:txBody>
+          <a:bodyPr wrap="none" rtlCol="0">
+            <a:spAutoFit/>
+          </a:bodyPr>
+          <a:lstStyle/>
+          <a:p>
+            <a:r>
+              <a:rPr lang="en-US" altLang="zh-CN" sz="2000" dirty="0" smtClean="0">
+                <a:solidFill>
+                  <a:srgbClr val="00B0F0"/>
+                </a:solidFill>
+                <a:latin typeface="微软雅黑" panose="020B0503020204020204" pitchFamily="34" charset="-122"/>
+                <a:ea typeface="微软雅黑" panose="020B0503020204020204" pitchFamily="34" charset="-122"/>
+              </a:rPr>
+              <a:t>【</a:t>
+            </a:r>
+            <a:r>
+              <a:rPr lang="en-US" altLang="zh-CN" sz="2000" dirty="0" err="1" smtClean="0">
+                <a:solidFill>
+                  <a:srgbClr val="00B0F0"/>
+                </a:solidFill>
+                <a:latin typeface="微软雅黑" panose="020B0503020204020204" pitchFamily="34" charset="-122"/>
+                <a:ea typeface="微软雅黑" panose="020B0503020204020204" pitchFamily="34" charset="-122"/>
+              </a:rPr>
+              <a:t>loss</a:t>
+            </a:r>
+            <a:r>
+              <a:rPr lang="en-US" altLang="zh-CN" sz="2000" dirty="0" err="1" smtClean="0">
+                <a:solidFill>
+                  <a:srgbClr val="00B0F0"/>
+                </a:solidFill>
+                <a:latin typeface="微软雅黑" panose="020B0503020204020204" pitchFamily="34" charset="-122"/>
+                <a:ea typeface="微软雅黑" panose="020B0503020204020204" pitchFamily="34" charset="-122"/>
+              </a:rPr>
+              <a:t>】</a:t>
+            </a:r>
+            <a:r>
+              <a:rPr lang="en-US" altLang="zh-CN" sz="2000" dirty="0" err="1" smtClean="0">
+                <a:latin typeface="微软雅黑" panose="020B0503020204020204" pitchFamily="34" charset="-122"/>
+                <a:ea typeface="微软雅黑" panose="020B0503020204020204" pitchFamily="34" charset="-122"/>
+              </a:rPr>
+              <a:t>loss</a:t>
+            </a:r>
+            <a:r>
+              <a:rPr lang="en-US" altLang="zh-CN" sz="2000" dirty="0" smtClean="0">
+                <a:latin typeface="微软雅黑" panose="020B0503020204020204" pitchFamily="34" charset="-122"/>
+                <a:ea typeface="微软雅黑" panose="020B0503020204020204" pitchFamily="34" charset="-122"/>
+              </a:rPr>
+              <a:t>=4-2</a:t>
+            </a:r>
+            <a:r>
+              <a:rPr lang="zh-CN" altLang="en-US" sz="2000" dirty="0">
+                <a:latin typeface="微软雅黑" panose="020B0503020204020204" pitchFamily="34" charset="-122"/>
+                <a:ea typeface="微软雅黑" panose="020B0503020204020204" pitchFamily="34" charset="-122"/>
+              </a:rPr>
+              <a:t>*</a:t>
+            </a:r>
+            <a:r>
+              <a:rPr lang="en-US" altLang="zh-CN" sz="2000" dirty="0">
+                <a:latin typeface="微软雅黑" panose="020B0503020204020204" pitchFamily="34" charset="-122"/>
+                <a:ea typeface="微软雅黑" panose="020B0503020204020204" pitchFamily="34" charset="-122"/>
+              </a:rPr>
+              <a:t>1=2</a:t>
+            </a:r>
+            <a:endParaRPr lang="zh-CN" altLang="en-US" sz="2000" dirty="0">
+              <a:latin typeface="微软雅黑" panose="020B0503020204020204" pitchFamily="34" charset="-122"/>
+              <a:ea typeface="微软雅黑" panose="020B0503020204020204" pitchFamily="34" charset="-122"/>
+            </a:endParaRPr>
+          </a:p>
+        </p:txBody>
+      </p:sp>
+      <p:cxnSp>
+        <p:nvCxnSpPr>
+          <p:cNvPr id="55" name="直接箭头连接符 54">
+            <a:extLst>
+              <a:ext uri="{FF2B5EF4-FFF2-40B4-BE49-F238E27FC236}">
+                <a16:creationId xmlns="" xmlns:a16="http://schemas.microsoft.com/office/drawing/2014/main" id="{D5CF051E-665F-4888-AEF1-79C794100FBB}"/>
+              </a:ext>
+            </a:extLst>
+          </p:cNvPr>
+          <p:cNvCxnSpPr>
+            <a:cxnSpLocks/>
+            <a:stCxn id="52" idx="6"/>
+          </p:cNvCxnSpPr>
+          <p:nvPr/>
+        </p:nvCxnSpPr>
+        <p:spPr>
+          <a:xfrm>
+            <a:off x="7596456" y="3929782"/>
+            <a:ext cx="2881044" cy="0"/>
+          </a:xfrm>
+          <a:prstGeom prst="straightConnector1">
+            <a:avLst/>
+          </a:prstGeom>
+          <a:ln>
+            <a:tailEnd type="triangle"/>
+          </a:ln>
+        </p:spPr>
+        <p:style>
+          <a:lnRef idx="1">
+            <a:schemeClr val="accent1"/>
+          </a:lnRef>
+          <a:fillRef idx="0">
+            <a:schemeClr val="accent1"/>
+          </a:fillRef>
+          <a:effectRef idx="0">
+            <a:schemeClr val="accent1"/>
+          </a:effectRef>
+          <a:fontRef idx="minor">
+            <a:schemeClr val="tx1"/>
+          </a:fontRef>
+        </p:style>
+      </p:cxnSp>
+      <p:sp>
+        <p:nvSpPr>
+          <p:cNvPr id="56" name="文本框 55">
+            <a:extLst>
+              <a:ext uri="{FF2B5EF4-FFF2-40B4-BE49-F238E27FC236}">
+                <a16:creationId xmlns="" xmlns:a16="http://schemas.microsoft.com/office/drawing/2014/main" id="{F2C8640A-610C-4317-92D5-F9A5644BBB2E}"/>
+              </a:ext>
+            </a:extLst>
+          </p:cNvPr>
+          <p:cNvSpPr txBox="1"/>
+          <p:nvPr/>
+        </p:nvSpPr>
+        <p:spPr>
+          <a:xfrm>
+            <a:off x="5791071" y="5061160"/>
+            <a:ext cx="984565" cy="400110"/>
+          </a:xfrm>
+          <a:prstGeom prst="rect">
+            <a:avLst/>
+          </a:prstGeom>
+          <a:noFill/>
+        </p:spPr>
+        <p:txBody>
+          <a:bodyPr wrap="none" rtlCol="0">
+            <a:spAutoFit/>
+          </a:bodyPr>
+          <a:lstStyle/>
+          <a:p>
+            <a:r>
+              <a:rPr lang="en-US" altLang="zh-CN" sz="2000" dirty="0" smtClean="0">
+                <a:solidFill>
+                  <a:srgbClr val="00B0F0"/>
+                </a:solidFill>
+                <a:latin typeface="微软雅黑" panose="020B0503020204020204" pitchFamily="34" charset="-122"/>
+                <a:ea typeface="微软雅黑" panose="020B0503020204020204" pitchFamily="34" charset="-122"/>
+              </a:rPr>
+              <a:t>【y】</a:t>
+            </a:r>
+            <a:r>
+              <a:rPr lang="en-US" altLang="zh-CN" sz="2000" dirty="0" smtClean="0">
+                <a:latin typeface="微软雅黑" panose="020B0503020204020204" pitchFamily="34" charset="-122"/>
+                <a:ea typeface="微软雅黑" panose="020B0503020204020204" pitchFamily="34" charset="-122"/>
+              </a:rPr>
+              <a:t>4</a:t>
+            </a:r>
+            <a:endParaRPr lang="zh-CN" altLang="en-US" sz="2000" dirty="0">
+              <a:latin typeface="微软雅黑" panose="020B0503020204020204" pitchFamily="34" charset="-122"/>
+              <a:ea typeface="微软雅黑" panose="020B0503020204020204" pitchFamily="34" charset="-122"/>
+            </a:endParaRPr>
+          </a:p>
+        </p:txBody>
+      </p:sp>
+      <p:cxnSp>
+        <p:nvCxnSpPr>
+          <p:cNvPr id="58" name="直接箭头连接符 57">
+            <a:extLst>
+              <a:ext uri="{FF2B5EF4-FFF2-40B4-BE49-F238E27FC236}">
+                <a16:creationId xmlns="" xmlns:a16="http://schemas.microsoft.com/office/drawing/2014/main" id="{069C74C0-F531-4D01-A4F2-2328152D9C16}"/>
+              </a:ext>
+            </a:extLst>
+          </p:cNvPr>
+          <p:cNvCxnSpPr>
+            <a:cxnSpLocks/>
+          </p:cNvCxnSpPr>
+          <p:nvPr/>
+        </p:nvCxnSpPr>
+        <p:spPr>
+          <a:xfrm flipH="1">
+            <a:off x="7596456" y="4186638"/>
+            <a:ext cx="2523377" cy="0"/>
+          </a:xfrm>
+          <a:prstGeom prst="straightConnector1">
+            <a:avLst/>
+          </a:prstGeom>
+          <a:ln>
+            <a:tailEnd type="triangle"/>
+          </a:ln>
+        </p:spPr>
+        <p:style>
+          <a:lnRef idx="1">
+            <a:schemeClr val="accent1"/>
+          </a:lnRef>
+          <a:fillRef idx="0">
+            <a:schemeClr val="accent1"/>
+          </a:fillRef>
+          <a:effectRef idx="0">
+            <a:schemeClr val="accent1"/>
+          </a:effectRef>
+          <a:fontRef idx="minor">
+            <a:schemeClr val="tx1"/>
+          </a:fontRef>
+        </p:style>
+      </p:cxnSp>
+      <p:sp>
+        <p:nvSpPr>
+          <p:cNvPr id="59" name="文本框 58">
+            <a:extLst>
+              <a:ext uri="{FF2B5EF4-FFF2-40B4-BE49-F238E27FC236}">
+                <a16:creationId xmlns="" xmlns:a16="http://schemas.microsoft.com/office/drawing/2014/main" id="{ED9BEF5A-51C7-41B1-90CD-B561BFAC057C}"/>
+              </a:ext>
+            </a:extLst>
+          </p:cNvPr>
+          <p:cNvSpPr txBox="1"/>
+          <p:nvPr/>
+        </p:nvSpPr>
+        <p:spPr>
+          <a:xfrm>
+            <a:off x="8403541" y="4300188"/>
+            <a:ext cx="335348" cy="400110"/>
+          </a:xfrm>
+          <a:prstGeom prst="rect">
+            <a:avLst/>
+          </a:prstGeom>
+          <a:noFill/>
+        </p:spPr>
+        <p:txBody>
+          <a:bodyPr wrap="none" rtlCol="0">
+            <a:spAutoFit/>
+          </a:bodyPr>
+          <a:lstStyle/>
+          <a:p>
+            <a:r>
+              <a:rPr lang="en-US" altLang="zh-CN" sz="2000" dirty="0">
+                <a:solidFill>
+                  <a:srgbClr val="FF0000"/>
+                </a:solidFill>
+                <a:latin typeface="微软雅黑" panose="020B0503020204020204" pitchFamily="34" charset="-122"/>
+                <a:ea typeface="微软雅黑" panose="020B0503020204020204" pitchFamily="34" charset="-122"/>
+              </a:rPr>
+              <a:t>1</a:t>
+            </a:r>
+            <a:endParaRPr lang="zh-CN" altLang="en-US" sz="2000" dirty="0">
+              <a:solidFill>
+                <a:srgbClr val="FF0000"/>
+              </a:solidFill>
+              <a:latin typeface="微软雅黑" panose="020B0503020204020204" pitchFamily="34" charset="-122"/>
+              <a:ea typeface="微软雅黑" panose="020B0503020204020204" pitchFamily="34" charset="-122"/>
+            </a:endParaRPr>
+          </a:p>
+        </p:txBody>
+      </p:sp>
+      <p:sp>
+        <p:nvSpPr>
+          <p:cNvPr id="60" name="文本框 59">
+            <a:extLst>
+              <a:ext uri="{FF2B5EF4-FFF2-40B4-BE49-F238E27FC236}">
+                <a16:creationId xmlns="" xmlns:a16="http://schemas.microsoft.com/office/drawing/2014/main" id="{66D2E270-7FC7-46C4-83E8-346EA3EF6F84}"/>
+              </a:ext>
+            </a:extLst>
+          </p:cNvPr>
+          <p:cNvSpPr txBox="1"/>
+          <p:nvPr/>
+        </p:nvSpPr>
+        <p:spPr>
+          <a:xfrm>
+            <a:off x="5062444" y="4185113"/>
+            <a:ext cx="713657" cy="400110"/>
+          </a:xfrm>
+          <a:prstGeom prst="rect">
+            <a:avLst/>
+          </a:prstGeom>
+          <a:noFill/>
+        </p:spPr>
+        <p:txBody>
+          <a:bodyPr wrap="none" rtlCol="0">
+            <a:spAutoFit/>
+          </a:bodyPr>
+          <a:lstStyle/>
+          <a:p>
+            <a:r>
+              <a:rPr lang="en-US" altLang="zh-CN" sz="2000" dirty="0">
+                <a:solidFill>
+                  <a:srgbClr val="FF0000"/>
+                </a:solidFill>
+                <a:latin typeface="微软雅黑" panose="020B0503020204020204" pitchFamily="34" charset="-122"/>
+                <a:ea typeface="微软雅黑" panose="020B0503020204020204" pitchFamily="34" charset="-122"/>
+              </a:rPr>
+              <a:t>1*-1</a:t>
+            </a:r>
+            <a:endParaRPr lang="zh-CN" altLang="en-US" sz="2000" dirty="0">
+              <a:solidFill>
+                <a:srgbClr val="FF0000"/>
+              </a:solidFill>
+              <a:latin typeface="微软雅黑" panose="020B0503020204020204" pitchFamily="34" charset="-122"/>
+              <a:ea typeface="微软雅黑" panose="020B0503020204020204" pitchFamily="34" charset="-122"/>
+            </a:endParaRPr>
+          </a:p>
+        </p:txBody>
+      </p:sp>
+      <p:sp>
+        <p:nvSpPr>
+          <p:cNvPr id="61" name="文本框 60">
+            <a:extLst>
+              <a:ext uri="{FF2B5EF4-FFF2-40B4-BE49-F238E27FC236}">
+                <a16:creationId xmlns="" xmlns:a16="http://schemas.microsoft.com/office/drawing/2014/main" id="{70D29BAE-E69E-4D15-B5CD-C2EB30EC0B90}"/>
+              </a:ext>
+            </a:extLst>
+          </p:cNvPr>
+          <p:cNvSpPr txBox="1"/>
+          <p:nvPr/>
+        </p:nvSpPr>
+        <p:spPr>
+          <a:xfrm>
+            <a:off x="1991878" y="3597459"/>
+            <a:ext cx="981359" cy="400110"/>
+          </a:xfrm>
+          <a:prstGeom prst="rect">
+            <a:avLst/>
+          </a:prstGeom>
+          <a:noFill/>
+        </p:spPr>
+        <p:txBody>
+          <a:bodyPr wrap="none" rtlCol="0">
+            <a:spAutoFit/>
+          </a:bodyPr>
+          <a:lstStyle/>
+          <a:p>
+            <a:r>
+              <a:rPr lang="en-US" altLang="zh-CN" sz="2000" dirty="0">
+                <a:solidFill>
+                  <a:srgbClr val="FF0000"/>
+                </a:solidFill>
+                <a:latin typeface="微软雅黑" panose="020B0503020204020204" pitchFamily="34" charset="-122"/>
+                <a:ea typeface="微软雅黑" panose="020B0503020204020204" pitchFamily="34" charset="-122"/>
+              </a:rPr>
+              <a:t>1*-1*1</a:t>
+            </a:r>
+            <a:endParaRPr lang="zh-CN" altLang="en-US" sz="2000" dirty="0">
+              <a:solidFill>
+                <a:srgbClr val="FF0000"/>
+              </a:solidFill>
+              <a:latin typeface="微软雅黑" panose="020B0503020204020204" pitchFamily="34" charset="-122"/>
+              <a:ea typeface="微软雅黑" panose="020B0503020204020204" pitchFamily="34" charset="-122"/>
+            </a:endParaRPr>
+          </a:p>
+        </p:txBody>
+      </p:sp>
+      <p:cxnSp>
+        <p:nvCxnSpPr>
+          <p:cNvPr id="62" name="直接箭头连接符 61">
+            <a:extLst>
+              <a:ext uri="{FF2B5EF4-FFF2-40B4-BE49-F238E27FC236}">
+                <a16:creationId xmlns="" xmlns:a16="http://schemas.microsoft.com/office/drawing/2014/main" id="{F770AC23-A05B-4C1D-B45A-273268153932}"/>
+              </a:ext>
+            </a:extLst>
+          </p:cNvPr>
+          <p:cNvCxnSpPr>
+            <a:cxnSpLocks/>
+          </p:cNvCxnSpPr>
+          <p:nvPr/>
+        </p:nvCxnSpPr>
+        <p:spPr>
+          <a:xfrm flipH="1">
+            <a:off x="4666867" y="4156649"/>
+            <a:ext cx="1646142" cy="1"/>
+          </a:xfrm>
+          <a:prstGeom prst="straightConnector1">
+            <a:avLst/>
+          </a:prstGeom>
+          <a:ln>
+            <a:tailEnd type="triangle"/>
+          </a:ln>
+        </p:spPr>
+        <p:style>
+          <a:lnRef idx="1">
+            <a:schemeClr val="accent1"/>
+          </a:lnRef>
+          <a:fillRef idx="0">
+            <a:schemeClr val="accent1"/>
+          </a:fillRef>
+          <a:effectRef idx="0">
+            <a:schemeClr val="accent1"/>
+          </a:effectRef>
+          <a:fontRef idx="minor">
+            <a:schemeClr val="tx1"/>
+          </a:fontRef>
+        </p:style>
+      </p:cxnSp>
+      <p:cxnSp>
+        <p:nvCxnSpPr>
+          <p:cNvPr id="63" name="直接箭头连接符 62">
+            <a:extLst>
+              <a:ext uri="{FF2B5EF4-FFF2-40B4-BE49-F238E27FC236}">
+                <a16:creationId xmlns="" xmlns:a16="http://schemas.microsoft.com/office/drawing/2014/main" id="{5AA40016-2B24-4D7E-A881-16544995D2C5}"/>
+              </a:ext>
+            </a:extLst>
+          </p:cNvPr>
+          <p:cNvCxnSpPr>
+            <a:cxnSpLocks/>
+          </p:cNvCxnSpPr>
+          <p:nvPr/>
+        </p:nvCxnSpPr>
+        <p:spPr>
+          <a:xfrm flipH="1" flipV="1">
+            <a:off x="2149459" y="3189696"/>
+            <a:ext cx="948637" cy="471707"/>
+          </a:xfrm>
+          <a:prstGeom prst="straightConnector1">
+            <a:avLst/>
+          </a:prstGeom>
+          <a:ln>
+            <a:tailEnd type="triangle"/>
+          </a:ln>
+        </p:spPr>
+        <p:style>
+          <a:lnRef idx="1">
+            <a:schemeClr val="accent1"/>
+          </a:lnRef>
+          <a:fillRef idx="0">
+            <a:schemeClr val="accent1"/>
+          </a:fillRef>
+          <a:effectRef idx="0">
+            <a:schemeClr val="accent1"/>
+          </a:effectRef>
+          <a:fontRef idx="minor">
+            <a:schemeClr val="tx1"/>
+          </a:fontRef>
+        </p:style>
+      </p:cxnSp>
+      <p:sp>
+        <p:nvSpPr>
+          <p:cNvPr id="78" name="矩形 77"/>
+          <p:cNvSpPr/>
+          <p:nvPr/>
+        </p:nvSpPr>
+        <p:spPr>
+          <a:xfrm>
+            <a:off x="6548795" y="5768679"/>
+            <a:ext cx="1107996" cy="369332"/>
+          </a:xfrm>
+          <a:prstGeom prst="rect">
+            <a:avLst/>
+          </a:prstGeom>
+        </p:spPr>
+        <p:style>
+          <a:lnRef idx="3">
+            <a:schemeClr val="lt1"/>
+          </a:lnRef>
+          <a:fillRef idx="1">
+            <a:schemeClr val="accent4"/>
+          </a:fillRef>
+          <a:effectRef idx="1">
+            <a:schemeClr val="accent4"/>
+          </a:effectRef>
+          <a:fontRef idx="minor">
+            <a:schemeClr val="lt1"/>
+          </a:fontRef>
+        </p:style>
+        <p:txBody>
+          <a:bodyPr wrap="none">
+            <a:spAutoFit/>
+          </a:bodyPr>
+          <a:lstStyle/>
+          <a:p>
+            <a:r>
+              <a:rPr lang="zh-CN" altLang="en-US" dirty="0" smtClean="0">
+                <a:solidFill>
+                  <a:schemeClr val="bg1"/>
+                </a:solidFill>
+                <a:latin typeface="微软雅黑" panose="020B0503020204020204" pitchFamily="34" charset="-122"/>
+                <a:ea typeface="微软雅黑" panose="020B0503020204020204" pitchFamily="34" charset="-122"/>
+              </a:rPr>
+              <a:t>你会发现</a:t>
+            </a:r>
+            <a:endParaRPr lang="en-US" altLang="zh-CN" dirty="0">
+              <a:solidFill>
+                <a:schemeClr val="bg1"/>
+              </a:solidFill>
+              <a:latin typeface="微软雅黑" panose="020B0503020204020204" pitchFamily="34" charset="-122"/>
+              <a:ea typeface="微软雅黑" panose="020B0503020204020204" pitchFamily="34" charset="-122"/>
+            </a:endParaRPr>
+          </a:p>
+        </p:txBody>
+      </p:sp>
+      <p:sp>
+        <p:nvSpPr>
+          <p:cNvPr id="79" name="椭圆 78">
+            <a:extLst>
+              <a:ext uri="{FF2B5EF4-FFF2-40B4-BE49-F238E27FC236}">
+                <a16:creationId xmlns="" xmlns:a16="http://schemas.microsoft.com/office/drawing/2014/main" id="{E903162B-BB59-4A19-8E16-636EB6438C97}"/>
+              </a:ext>
+            </a:extLst>
+          </p:cNvPr>
+          <p:cNvSpPr/>
+          <p:nvPr/>
+        </p:nvSpPr>
+        <p:spPr>
+          <a:xfrm>
+            <a:off x="7751026" y="5711223"/>
+            <a:ext cx="512491" cy="441989"/>
+          </a:xfrm>
+          <a:prstGeom prst="ellipse">
+            <a:avLst/>
+          </a:prstGeom>
+          <a:solidFill>
+            <a:schemeClr val="accent5">
+              <a:lumMod val="40000"/>
+              <a:lumOff val="60000"/>
+            </a:schemeClr>
+          </a:solidFill>
+        </p:spPr>
+        <p:style>
+          <a:lnRef idx="2">
+            <a:schemeClr val="accent1">
+              <a:shade val="50000"/>
+            </a:schemeClr>
+          </a:lnRef>
+          <a:fillRef idx="1">
+            <a:schemeClr val="accent1"/>
+          </a:fillRef>
+          <a:effectRef idx="0">
+            <a:schemeClr val="accent1"/>
+          </a:effectRef>
+          <a:fontRef idx="minor">
+            <a:schemeClr val="lt1"/>
+          </a:fontRef>
+        </p:style>
+        <p:txBody>
+          <a:bodyPr rtlCol="0" anchor="ctr"/>
+          <a:lstStyle/>
+          <a:p>
+            <a:pPr algn="ctr"/>
+            <a:r>
+              <a:rPr lang="en-US" altLang="zh-CN" sz="2000" dirty="0">
+                <a:solidFill>
+                  <a:schemeClr val="tx1"/>
+                </a:solidFill>
+                <a:latin typeface="微软雅黑" panose="020B0503020204020204" pitchFamily="34" charset="-122"/>
+                <a:ea typeface="微软雅黑" panose="020B0503020204020204" pitchFamily="34" charset="-122"/>
+              </a:rPr>
+              <a:t>-</a:t>
+            </a:r>
+            <a:endParaRPr lang="zh-CN" altLang="en-US" sz="2000" dirty="0">
+              <a:solidFill>
+                <a:schemeClr val="tx1"/>
+              </a:solidFill>
+              <a:latin typeface="微软雅黑" panose="020B0503020204020204" pitchFamily="34" charset="-122"/>
+              <a:ea typeface="微软雅黑" panose="020B0503020204020204" pitchFamily="34" charset="-122"/>
+            </a:endParaRPr>
+          </a:p>
+        </p:txBody>
+      </p:sp>
+      <p:sp>
+        <p:nvSpPr>
+          <p:cNvPr id="80" name="矩形 79"/>
+          <p:cNvSpPr/>
+          <p:nvPr/>
+        </p:nvSpPr>
+        <p:spPr>
+          <a:xfrm>
+            <a:off x="8298211" y="5747552"/>
+            <a:ext cx="2492990" cy="369332"/>
+          </a:xfrm>
+          <a:prstGeom prst="rect">
+            <a:avLst/>
+          </a:prstGeom>
+        </p:spPr>
+        <p:style>
+          <a:lnRef idx="3">
+            <a:schemeClr val="lt1"/>
+          </a:lnRef>
+          <a:fillRef idx="1">
+            <a:schemeClr val="accent4"/>
+          </a:fillRef>
+          <a:effectRef idx="1">
+            <a:schemeClr val="accent4"/>
+          </a:effectRef>
+          <a:fontRef idx="minor">
+            <a:schemeClr val="lt1"/>
+          </a:fontRef>
+        </p:style>
+        <p:txBody>
+          <a:bodyPr wrap="none">
+            <a:spAutoFit/>
+          </a:bodyPr>
+          <a:lstStyle/>
+          <a:p>
+            <a:r>
+              <a:rPr lang="zh-CN" altLang="en-US" dirty="0" smtClean="0">
+                <a:solidFill>
+                  <a:schemeClr val="bg1"/>
+                </a:solidFill>
+                <a:latin typeface="微软雅黑" panose="020B0503020204020204" pitchFamily="34" charset="-122"/>
+                <a:ea typeface="微软雅黑" panose="020B0503020204020204" pitchFamily="34" charset="-122"/>
+              </a:rPr>
+              <a:t>算子反向传播的是常数</a:t>
+            </a:r>
+            <a:endParaRPr lang="en-US" altLang="zh-CN" dirty="0">
+              <a:solidFill>
+                <a:schemeClr val="bg1"/>
+              </a:solidFill>
+              <a:latin typeface="微软雅黑" panose="020B0503020204020204" pitchFamily="34" charset="-122"/>
+              <a:ea typeface="微软雅黑" panose="020B0503020204020204" pitchFamily="34" charset="-122"/>
+            </a:endParaRPr>
+          </a:p>
+        </p:txBody>
+      </p:sp>
+      <p:sp>
+        <p:nvSpPr>
+          <p:cNvPr id="82" name="矩形 81"/>
+          <p:cNvSpPr/>
+          <p:nvPr/>
+        </p:nvSpPr>
+        <p:spPr>
+          <a:xfrm>
+            <a:off x="6602135" y="6434727"/>
+            <a:ext cx="1107996" cy="369332"/>
+          </a:xfrm>
+          <a:prstGeom prst="rect">
+            <a:avLst/>
+          </a:prstGeom>
+        </p:spPr>
+        <p:style>
+          <a:lnRef idx="3">
+            <a:schemeClr val="lt1"/>
+          </a:lnRef>
+          <a:fillRef idx="1">
+            <a:schemeClr val="accent4"/>
+          </a:fillRef>
+          <a:effectRef idx="1">
+            <a:schemeClr val="accent4"/>
+          </a:effectRef>
+          <a:fontRef idx="minor">
+            <a:schemeClr val="lt1"/>
+          </a:fontRef>
+        </p:style>
+        <p:txBody>
+          <a:bodyPr wrap="none">
+            <a:spAutoFit/>
+          </a:bodyPr>
+          <a:lstStyle/>
+          <a:p>
+            <a:r>
+              <a:rPr lang="zh-CN" altLang="en-US" dirty="0" smtClean="0">
+                <a:solidFill>
+                  <a:schemeClr val="bg1"/>
+                </a:solidFill>
+                <a:latin typeface="微软雅黑" panose="020B0503020204020204" pitchFamily="34" charset="-122"/>
+                <a:ea typeface="微软雅黑" panose="020B0503020204020204" pitchFamily="34" charset="-122"/>
+              </a:rPr>
+              <a:t>你会发现</a:t>
+            </a:r>
+            <a:endParaRPr lang="en-US" altLang="zh-CN" dirty="0">
+              <a:solidFill>
+                <a:schemeClr val="bg1"/>
+              </a:solidFill>
+              <a:latin typeface="微软雅黑" panose="020B0503020204020204" pitchFamily="34" charset="-122"/>
+              <a:ea typeface="微软雅黑" panose="020B0503020204020204" pitchFamily="34" charset="-122"/>
+            </a:endParaRPr>
+          </a:p>
+        </p:txBody>
+      </p:sp>
+      <p:sp>
+        <p:nvSpPr>
+          <p:cNvPr id="84" name="矩形 83"/>
+          <p:cNvSpPr/>
+          <p:nvPr/>
+        </p:nvSpPr>
+        <p:spPr>
+          <a:xfrm>
+            <a:off x="8351551" y="6413600"/>
+            <a:ext cx="3823804" cy="369332"/>
+          </a:xfrm>
+          <a:prstGeom prst="rect">
+            <a:avLst/>
+          </a:prstGeom>
+        </p:spPr>
+        <p:style>
+          <a:lnRef idx="3">
+            <a:schemeClr val="lt1"/>
+          </a:lnRef>
+          <a:fillRef idx="1">
+            <a:schemeClr val="accent4"/>
+          </a:fillRef>
+          <a:effectRef idx="1">
+            <a:schemeClr val="accent4"/>
+          </a:effectRef>
+          <a:fontRef idx="minor">
+            <a:schemeClr val="lt1"/>
+          </a:fontRef>
+        </p:style>
+        <p:txBody>
+          <a:bodyPr wrap="none">
+            <a:spAutoFit/>
+          </a:bodyPr>
+          <a:lstStyle/>
+          <a:p>
+            <a:r>
+              <a:rPr lang="zh-CN" altLang="en-US" dirty="0" smtClean="0">
+                <a:solidFill>
+                  <a:schemeClr val="bg1"/>
+                </a:solidFill>
+                <a:latin typeface="微软雅黑" panose="020B0503020204020204" pitchFamily="34" charset="-122"/>
+                <a:ea typeface="微软雅黑" panose="020B0503020204020204" pitchFamily="34" charset="-122"/>
+              </a:rPr>
+              <a:t>算子反向传播的是</a:t>
+            </a:r>
+            <a:r>
+              <a:rPr lang="en-US" altLang="zh-CN" dirty="0" smtClean="0">
+                <a:solidFill>
+                  <a:schemeClr val="bg1"/>
+                </a:solidFill>
+                <a:latin typeface="微软雅黑" panose="020B0503020204020204" pitchFamily="34" charset="-122"/>
+                <a:ea typeface="微软雅黑" panose="020B0503020204020204" pitchFamily="34" charset="-122"/>
+              </a:rPr>
+              <a:t>forward</a:t>
+            </a:r>
+            <a:r>
+              <a:rPr lang="zh-CN" altLang="en-US" dirty="0" smtClean="0">
+                <a:solidFill>
+                  <a:schemeClr val="bg1"/>
+                </a:solidFill>
+                <a:latin typeface="微软雅黑" panose="020B0503020204020204" pitchFamily="34" charset="-122"/>
+                <a:ea typeface="微软雅黑" panose="020B0503020204020204" pitchFamily="34" charset="-122"/>
+              </a:rPr>
+              <a:t>的另一方</a:t>
+            </a:r>
+            <a:endParaRPr lang="en-US" altLang="zh-CN" dirty="0">
+              <a:solidFill>
+                <a:schemeClr val="bg1"/>
+              </a:solidFill>
+              <a:latin typeface="微软雅黑" panose="020B0503020204020204" pitchFamily="34" charset="-122"/>
+              <a:ea typeface="微软雅黑" panose="020B0503020204020204" pitchFamily="34" charset="-122"/>
+            </a:endParaRPr>
+          </a:p>
+        </p:txBody>
+      </p:sp>
+      <p:sp>
+        <p:nvSpPr>
+          <p:cNvPr id="85" name="椭圆 84">
+            <a:extLst>
+              <a:ext uri="{FF2B5EF4-FFF2-40B4-BE49-F238E27FC236}">
+                <a16:creationId xmlns="" xmlns:a16="http://schemas.microsoft.com/office/drawing/2014/main" id="{E5BDB8A6-FEE2-409D-A870-34D48BE214A9}"/>
+              </a:ext>
+            </a:extLst>
+          </p:cNvPr>
+          <p:cNvSpPr/>
+          <p:nvPr/>
+        </p:nvSpPr>
+        <p:spPr>
+          <a:xfrm>
+            <a:off x="7762645" y="6380786"/>
+            <a:ext cx="500872" cy="423273"/>
+          </a:xfrm>
+          <a:prstGeom prst="ellipse">
+            <a:avLst/>
+          </a:prstGeom>
+          <a:solidFill>
+            <a:schemeClr val="accent5">
+              <a:lumMod val="40000"/>
+              <a:lumOff val="60000"/>
+            </a:schemeClr>
+          </a:solidFill>
+        </p:spPr>
+        <p:style>
+          <a:lnRef idx="2">
+            <a:schemeClr val="accent1">
+              <a:shade val="50000"/>
+            </a:schemeClr>
+          </a:lnRef>
+          <a:fillRef idx="1">
+            <a:schemeClr val="accent1"/>
+          </a:fillRef>
+          <a:effectRef idx="0">
+            <a:schemeClr val="accent1"/>
+          </a:effectRef>
+          <a:fontRef idx="minor">
+            <a:schemeClr val="lt1"/>
+          </a:fontRef>
+        </p:style>
+        <p:txBody>
+          <a:bodyPr rtlCol="0" anchor="ctr"/>
+          <a:lstStyle/>
+          <a:p>
+            <a:pPr algn="ctr"/>
+            <a:r>
+              <a:rPr lang="en-US" altLang="zh-CN" sz="2000" dirty="0">
+                <a:solidFill>
+                  <a:schemeClr val="tx1"/>
+                </a:solidFill>
+                <a:latin typeface="微软雅黑" panose="020B0503020204020204" pitchFamily="34" charset="-122"/>
+                <a:ea typeface="微软雅黑" panose="020B0503020204020204" pitchFamily="34" charset="-122"/>
+              </a:rPr>
+              <a:t>*</a:t>
+            </a:r>
+            <a:endParaRPr lang="zh-CN" altLang="en-US" sz="2000" dirty="0">
+              <a:solidFill>
+                <a:schemeClr val="tx1"/>
+              </a:solidFill>
+              <a:latin typeface="微软雅黑" panose="020B0503020204020204" pitchFamily="34" charset="-122"/>
+              <a:ea typeface="微软雅黑" panose="020B0503020204020204" pitchFamily="34" charset="-122"/>
+            </a:endParaRPr>
+          </a:p>
+        </p:txBody>
+      </p:sp>
+      <p:sp>
+        <p:nvSpPr>
+          <p:cNvPr id="88" name="上弧形箭头 87"/>
+          <p:cNvSpPr/>
+          <p:nvPr/>
+        </p:nvSpPr>
+        <p:spPr>
+          <a:xfrm rot="5400000">
+            <a:off x="9800832" y="3833731"/>
+            <a:ext cx="3847991" cy="718315"/>
+          </a:xfrm>
+          <a:prstGeom prst="curvedDownArrow">
+            <a:avLst>
+              <a:gd name="adj1" fmla="val 20191"/>
+              <a:gd name="adj2" fmla="val 45004"/>
+              <a:gd name="adj3" fmla="val 31576"/>
+            </a:avLst>
+          </a:prstGeom>
+        </p:spPr>
+        <p:style>
+          <a:lnRef idx="2">
+            <a:schemeClr val="accent1">
+              <a:shade val="50000"/>
+            </a:schemeClr>
+          </a:lnRef>
+          <a:fillRef idx="1">
+            <a:schemeClr val="accent1"/>
+          </a:fillRef>
+          <a:effectRef idx="0">
+            <a:schemeClr val="accent1"/>
+          </a:effectRef>
+          <a:fontRef idx="minor">
+            <a:schemeClr val="lt1"/>
+          </a:fontRef>
+        </p:style>
+        <p:txBody>
+          <a:bodyPr rtlCol="0" anchor="ctr"/>
+          <a:lstStyle/>
+          <a:p>
+            <a:pPr algn="ctr"/>
+            <a:endParaRPr lang="zh-CN" altLang="en-US">
+              <a:solidFill>
+                <a:schemeClr val="tx1"/>
+              </a:solidFill>
+            </a:endParaRPr>
+          </a:p>
+        </p:txBody>
+      </p:sp>
+    </p:spTree>
+    <p:extLst>
+      <p:ext uri="{BB962C8B-B14F-4D97-AF65-F5344CB8AC3E}">
+        <p14:creationId xmlns:p14="http://schemas.microsoft.com/office/powerpoint/2010/main" val="4034380464"/>
+      </p:ext>
+    </p:extLst>
+  </p:cSld>
+  <p:clrMapOvr>
+    <a:masterClrMapping/>
+  </p:clrMapOvr>
+  <p:timing>
+    <p:tnLst>
+      <p:par>
+        <p:cTn id="1" dur="indefinite" restart="never" nodeType="tmRoot"/>
+      </p:par>
+    </p:tnLst>
+  </p:timing>
+</p:sld>
+</file>
+
+<file path=ppt/slides/slide9.xml><?xml version="1.0" encoding="utf-8"?>
 <p:sld xmlns:a="http://schemas.openxmlformats.org/drawingml/2006/main" xmlns:r="http://schemas.openxmlformats.org/officeDocument/2006/relationships" xmlns:p="http://schemas.openxmlformats.org/presentationml/2006/main">
   <p:cSld>
     <p:spTree>
